--- a/presentation/CSML-1010-Group 20-project final presentation.pptx
+++ b/presentation/CSML-1010-Group 20-project final presentation.pptx
@@ -5,7 +5,7 @@
     <p:sldMasterId id="2147483701" r:id="rId1"/>
   </p:sldMasterIdLst>
   <p:notesMasterIdLst>
-    <p:notesMasterId r:id="rId54"/>
+    <p:notesMasterId r:id="rId59"/>
   </p:notesMasterIdLst>
   <p:sldIdLst>
     <p:sldId id="256" r:id="rId2"/>
@@ -56,10 +56,15 @@
     <p:sldId id="303" r:id="rId47"/>
     <p:sldId id="304" r:id="rId48"/>
     <p:sldId id="305" r:id="rId49"/>
-    <p:sldId id="306" r:id="rId50"/>
-    <p:sldId id="307" r:id="rId51"/>
-    <p:sldId id="308" r:id="rId52"/>
-    <p:sldId id="309" r:id="rId53"/>
+    <p:sldId id="310" r:id="rId50"/>
+    <p:sldId id="311" r:id="rId51"/>
+    <p:sldId id="306" r:id="rId52"/>
+    <p:sldId id="307" r:id="rId53"/>
+    <p:sldId id="308" r:id="rId54"/>
+    <p:sldId id="309" r:id="rId55"/>
+    <p:sldId id="312" r:id="rId56"/>
+    <p:sldId id="313" r:id="rId57"/>
+    <p:sldId id="314" r:id="rId58"/>
   </p:sldIdLst>
   <p:sldSz cx="12192000" cy="6858000"/>
   <p:notesSz cx="6858000" cy="9144000"/>
@@ -248,7 +253,7 @@
           <a:p>
             <a:fld id="{B85DE7F0-AE7F-4578-8460-8A4D1D5C07D1}" type="datetimeFigureOut">
               <a:rPr lang="en-CA" smtClean="0"/>
-              <a:t>2020-05-06</a:t>
+              <a:t>2020-05-22</a:t>
             </a:fld>
             <a:endParaRPr lang="en-CA"/>
           </a:p>
@@ -1261,7 +1266,7 @@
           <a:p>
             <a:fld id="{4CC73EE9-91A7-4958-93D0-37A53DFBBE96}" type="datetime1">
               <a:rPr lang="en-CA" smtClean="0"/>
-              <a:t>2020-05-06</a:t>
+              <a:t>2020-05-22</a:t>
             </a:fld>
             <a:endParaRPr lang="en-CA"/>
           </a:p>
@@ -1532,7 +1537,7 @@
           <a:p>
             <a:fld id="{C2BC94A3-977C-44D0-A555-1EDC4CEC8DC6}" type="datetime1">
               <a:rPr lang="en-CA" smtClean="0"/>
-              <a:t>2020-05-06</a:t>
+              <a:t>2020-05-22</a:t>
             </a:fld>
             <a:endParaRPr lang="en-CA"/>
           </a:p>
@@ -1846,7 +1851,7 @@
           <a:p>
             <a:fld id="{A31AF5F5-F52E-41B0-9592-B433E56CDC27}" type="datetime1">
               <a:rPr lang="en-CA" smtClean="0"/>
-              <a:t>2020-05-06</a:t>
+              <a:t>2020-05-22</a:t>
             </a:fld>
             <a:endParaRPr lang="en-CA"/>
           </a:p>
@@ -2179,7 +2184,7 @@
           <a:p>
             <a:fld id="{1FFADB20-F4C4-415E-B2EE-B1658CEF21B8}" type="datetime1">
               <a:rPr lang="en-CA" smtClean="0"/>
-              <a:t>2020-05-06</a:t>
+              <a:t>2020-05-22</a:t>
             </a:fld>
             <a:endParaRPr lang="en-CA"/>
           </a:p>
@@ -2493,7 +2498,7 @@
           <a:p>
             <a:fld id="{24DB65F3-A6BD-45D6-8ADF-C571A880EA13}" type="datetime1">
               <a:rPr lang="en-CA" smtClean="0"/>
-              <a:t>2020-05-06</a:t>
+              <a:t>2020-05-22</a:t>
             </a:fld>
             <a:endParaRPr lang="en-CA"/>
           </a:p>
@@ -2886,7 +2891,7 @@
           <a:p>
             <a:fld id="{03FAA9A4-3466-473A-B575-599BA286318F}" type="datetime1">
               <a:rPr lang="en-CA" smtClean="0"/>
-              <a:t>2020-05-06</a:t>
+              <a:t>2020-05-22</a:t>
             </a:fld>
             <a:endParaRPr lang="en-CA"/>
           </a:p>
@@ -3056,7 +3061,7 @@
           <a:p>
             <a:fld id="{85BE4A4B-00E7-45A4-B459-25C9DAC8EDFB}" type="datetime1">
               <a:rPr lang="en-CA" smtClean="0"/>
-              <a:t>2020-05-06</a:t>
+              <a:t>2020-05-22</a:t>
             </a:fld>
             <a:endParaRPr lang="en-CA"/>
           </a:p>
@@ -3236,7 +3241,7 @@
           <a:p>
             <a:fld id="{8038F087-A3E1-4D35-A658-2061BD73A05B}" type="datetime1">
               <a:rPr lang="en-CA" smtClean="0"/>
-              <a:t>2020-05-06</a:t>
+              <a:t>2020-05-22</a:t>
             </a:fld>
             <a:endParaRPr lang="en-CA"/>
           </a:p>
@@ -3412,7 +3417,7 @@
           <a:p>
             <a:fld id="{472D3EFD-47C4-42E0-938A-5576AF368778}" type="datetime1">
               <a:rPr lang="en-CA" smtClean="0"/>
-              <a:t>2020-05-06</a:t>
+              <a:t>2020-05-22</a:t>
             </a:fld>
             <a:endParaRPr lang="en-CA"/>
           </a:p>
@@ -3691,7 +3696,7 @@
           <a:p>
             <a:fld id="{161A650D-1E34-4C51-8FEE-6C62E9763540}" type="datetime1">
               <a:rPr lang="en-CA" smtClean="0"/>
-              <a:t>2020-05-06</a:t>
+              <a:t>2020-05-22</a:t>
             </a:fld>
             <a:endParaRPr lang="en-CA"/>
           </a:p>
@@ -3923,7 +3928,7 @@
           <a:p>
             <a:fld id="{2FDD4DF9-54F4-4B1F-883E-7DA5F4E55976}" type="datetime1">
               <a:rPr lang="en-CA" smtClean="0"/>
-              <a:t>2020-05-06</a:t>
+              <a:t>2020-05-22</a:t>
             </a:fld>
             <a:endParaRPr lang="en-CA"/>
           </a:p>
@@ -4297,7 +4302,7 @@
           <a:p>
             <a:fld id="{3198FCC9-7617-4900-BE5A-E28D68814A76}" type="datetime1">
               <a:rPr lang="en-CA" smtClean="0"/>
-              <a:t>2020-05-06</a:t>
+              <a:t>2020-05-22</a:t>
             </a:fld>
             <a:endParaRPr lang="en-CA"/>
           </a:p>
@@ -4420,7 +4425,7 @@
           <a:p>
             <a:fld id="{5299BB6D-FFD4-448E-988A-00D606BC18D1}" type="datetime1">
               <a:rPr lang="en-CA" smtClean="0"/>
-              <a:t>2020-05-06</a:t>
+              <a:t>2020-05-22</a:t>
             </a:fld>
             <a:endParaRPr lang="en-CA"/>
           </a:p>
@@ -4515,7 +4520,7 @@
           <a:p>
             <a:fld id="{85760082-4D84-4F6B-80E4-6E9242F55194}" type="datetime1">
               <a:rPr lang="en-CA" smtClean="0"/>
-              <a:t>2020-05-06</a:t>
+              <a:t>2020-05-22</a:t>
             </a:fld>
             <a:endParaRPr lang="en-CA"/>
           </a:p>
@@ -4770,7 +4775,7 @@
           <a:p>
             <a:fld id="{4B6DAC70-F10C-4F2C-88E2-897E0B50CA10}" type="datetime1">
               <a:rPr lang="en-CA" smtClean="0"/>
-              <a:t>2020-05-06</a:t>
+              <a:t>2020-05-22</a:t>
             </a:fld>
             <a:endParaRPr lang="en-CA"/>
           </a:p>
@@ -5075,7 +5080,7 @@
           <a:p>
             <a:fld id="{15300159-0FDF-4A0D-A9FF-EFBD2FB35418}" type="datetime1">
               <a:rPr lang="en-CA" smtClean="0"/>
-              <a:t>2020-05-06</a:t>
+              <a:t>2020-05-22</a:t>
             </a:fld>
             <a:endParaRPr lang="en-CA"/>
           </a:p>
@@ -5777,7 +5782,7 @@
           <a:p>
             <a:fld id="{1CAC4B2A-ADF1-4AA0-B601-CA7BC98B188E}" type="datetime1">
               <a:rPr lang="en-CA" smtClean="0"/>
-              <a:t>2020-05-06</a:t>
+              <a:t>2020-05-22</a:t>
             </a:fld>
             <a:endParaRPr lang="en-CA"/>
           </a:p>
@@ -23734,10 +23739,10 @@
       </p:sp>
       <p:pic>
         <p:nvPicPr>
-          <p:cNvPr id="23" name="Picture 22">
-            <a:extLst>
-              <a:ext uri="{FF2B5EF4-FFF2-40B4-BE49-F238E27FC236}">
-                <a16:creationId xmlns:a16="http://schemas.microsoft.com/office/drawing/2014/main" id="{10024447-810C-4CD8-AD58-513DFD063379}"/>
+          <p:cNvPr id="6" name="Picture 5">
+            <a:extLst>
+              <a:ext uri="{FF2B5EF4-FFF2-40B4-BE49-F238E27FC236}">
+                <a16:creationId xmlns:a16="http://schemas.microsoft.com/office/drawing/2014/main" id="{8B6CD709-D34B-42F6-BA7A-0E447222A5F5}"/>
               </a:ext>
             </a:extLst>
           </p:cNvPr>
@@ -23760,8 +23765,8 @@
         </p:blipFill>
         <p:spPr>
           <a:xfrm>
-            <a:off x="174576" y="1924579"/>
-            <a:ext cx="5760000" cy="2880000"/>
+            <a:off x="296306" y="1602299"/>
+            <a:ext cx="5000625" cy="4505325"/>
           </a:xfrm>
           <a:prstGeom prst="rect">
             <a:avLst/>
@@ -23770,10 +23775,10 @@
       </p:pic>
       <p:pic>
         <p:nvPicPr>
-          <p:cNvPr id="9" name="Picture 8">
-            <a:extLst>
-              <a:ext uri="{FF2B5EF4-FFF2-40B4-BE49-F238E27FC236}">
-                <a16:creationId xmlns:a16="http://schemas.microsoft.com/office/drawing/2014/main" id="{5A2592DC-C3D3-4B61-ACAC-6D9E3EB114F0}"/>
+          <p:cNvPr id="10" name="Picture 9">
+            <a:extLst>
+              <a:ext uri="{FF2B5EF4-FFF2-40B4-BE49-F238E27FC236}">
+                <a16:creationId xmlns:a16="http://schemas.microsoft.com/office/drawing/2014/main" id="{D791A905-1E22-4FC7-93F1-2869784ADA62}"/>
               </a:ext>
             </a:extLst>
           </p:cNvPr>
@@ -23796,8 +23801,8 @@
         </p:blipFill>
         <p:spPr>
           <a:xfrm>
-            <a:off x="6096000" y="1924579"/>
-            <a:ext cx="5760000" cy="2880000"/>
+            <a:off x="5799689" y="1621153"/>
+            <a:ext cx="5000625" cy="4505325"/>
           </a:xfrm>
           <a:prstGeom prst="rect">
             <a:avLst/>
@@ -24075,10 +24080,10 @@
       </p:sp>
       <p:pic>
         <p:nvPicPr>
-          <p:cNvPr id="25" name="Picture 24">
-            <a:extLst>
-              <a:ext uri="{FF2B5EF4-FFF2-40B4-BE49-F238E27FC236}">
-                <a16:creationId xmlns:a16="http://schemas.microsoft.com/office/drawing/2014/main" id="{CC6F6611-78F5-4950-B449-9500D405517B}"/>
+          <p:cNvPr id="6" name="Picture 5">
+            <a:extLst>
+              <a:ext uri="{FF2B5EF4-FFF2-40B4-BE49-F238E27FC236}">
+                <a16:creationId xmlns:a16="http://schemas.microsoft.com/office/drawing/2014/main" id="{8F5B3A89-1798-4991-A685-C50DC5201FF7}"/>
               </a:ext>
             </a:extLst>
           </p:cNvPr>
@@ -24101,8 +24106,8 @@
         </p:blipFill>
         <p:spPr>
           <a:xfrm>
-            <a:off x="6096000" y="1924579"/>
-            <a:ext cx="5760000" cy="2880000"/>
+            <a:off x="5763684" y="1358888"/>
+            <a:ext cx="5000625" cy="4505325"/>
           </a:xfrm>
           <a:prstGeom prst="rect">
             <a:avLst/>
@@ -24111,10 +24116,10 @@
       </p:pic>
       <p:pic>
         <p:nvPicPr>
-          <p:cNvPr id="9" name="Picture 8">
-            <a:extLst>
-              <a:ext uri="{FF2B5EF4-FFF2-40B4-BE49-F238E27FC236}">
-                <a16:creationId xmlns:a16="http://schemas.microsoft.com/office/drawing/2014/main" id="{AB88F638-1D90-45F4-8E4B-E2615F78E673}"/>
+          <p:cNvPr id="10" name="Picture 9">
+            <a:extLst>
+              <a:ext uri="{FF2B5EF4-FFF2-40B4-BE49-F238E27FC236}">
+                <a16:creationId xmlns:a16="http://schemas.microsoft.com/office/drawing/2014/main" id="{FF7EACFB-AD9F-4B90-8732-72B81D2FC6DB}"/>
               </a:ext>
             </a:extLst>
           </p:cNvPr>
@@ -24137,8 +24142,8 @@
         </p:blipFill>
         <p:spPr>
           <a:xfrm>
-            <a:off x="120167" y="1924579"/>
-            <a:ext cx="5821934" cy="2880000"/>
+            <a:off x="174576" y="1359972"/>
+            <a:ext cx="5086350" cy="4505325"/>
           </a:xfrm>
           <a:prstGeom prst="rect">
             <a:avLst/>
@@ -24414,42 +24419,6 @@
           </a:p>
         </p:txBody>
       </p:sp>
-      <p:pic>
-        <p:nvPicPr>
-          <p:cNvPr id="29" name="Picture 28">
-            <a:extLst>
-              <a:ext uri="{FF2B5EF4-FFF2-40B4-BE49-F238E27FC236}">
-                <a16:creationId xmlns:a16="http://schemas.microsoft.com/office/drawing/2014/main" id="{AE3BC691-30FC-4546-9F55-CA3E69FBB705}"/>
-              </a:ext>
-            </a:extLst>
-          </p:cNvPr>
-          <p:cNvPicPr>
-            <a:picLocks noChangeAspect="1"/>
-          </p:cNvPicPr>
-          <p:nvPr/>
-        </p:nvPicPr>
-        <p:blipFill>
-          <a:blip r:embed="rId3">
-            <a:extLst>
-              <a:ext uri="{28A0092B-C50C-407E-A947-70E740481C1C}">
-                <a14:useLocalDpi xmlns:a14="http://schemas.microsoft.com/office/drawing/2010/main" val="0"/>
-              </a:ext>
-            </a:extLst>
-          </a:blip>
-          <a:stretch>
-            <a:fillRect/>
-          </a:stretch>
-        </p:blipFill>
-        <p:spPr>
-          <a:xfrm>
-            <a:off x="174576" y="1204040"/>
-            <a:ext cx="5721289" cy="2880000"/>
-          </a:xfrm>
-          <a:prstGeom prst="rect">
-            <a:avLst/>
-          </a:prstGeom>
-        </p:spPr>
-      </p:pic>
       <p:sp>
         <p:nvSpPr>
           <p:cNvPr id="10" name="Content Placeholder 2">
@@ -24466,7 +24435,7 @@
         </p:nvSpPr>
         <p:spPr>
           <a:xfrm>
-            <a:off x="616671" y="4264693"/>
+            <a:off x="502252" y="5522544"/>
             <a:ext cx="9055649" cy="754347"/>
           </a:xfrm>
           <a:prstGeom prst="rect">
@@ -24733,6 +24702,42 @@
           </a:p>
         </p:txBody>
       </p:sp>
+      <p:pic>
+        <p:nvPicPr>
+          <p:cNvPr id="6" name="Picture 5">
+            <a:extLst>
+              <a:ext uri="{FF2B5EF4-FFF2-40B4-BE49-F238E27FC236}">
+                <a16:creationId xmlns:a16="http://schemas.microsoft.com/office/drawing/2014/main" id="{81C42556-AF1F-41B5-8266-8F7B3FA51F00}"/>
+              </a:ext>
+            </a:extLst>
+          </p:cNvPr>
+          <p:cNvPicPr>
+            <a:picLocks noChangeAspect="1"/>
+          </p:cNvPicPr>
+          <p:nvPr/>
+        </p:nvPicPr>
+        <p:blipFill>
+          <a:blip r:embed="rId3">
+            <a:extLst>
+              <a:ext uri="{28A0092B-C50C-407E-A947-70E740481C1C}">
+                <a14:useLocalDpi xmlns:a14="http://schemas.microsoft.com/office/drawing/2010/main" val="0"/>
+              </a:ext>
+            </a:extLst>
+          </a:blip>
+          <a:stretch>
+            <a:fillRect/>
+          </a:stretch>
+        </p:blipFill>
+        <p:spPr>
+          <a:xfrm>
+            <a:off x="645604" y="952421"/>
+            <a:ext cx="4962525" cy="4505325"/>
+          </a:xfrm>
+          <a:prstGeom prst="rect">
+            <a:avLst/>
+          </a:prstGeom>
+        </p:spPr>
+      </p:pic>
     </p:spTree>
     <p:extLst>
       <p:ext uri="{BB962C8B-B14F-4D97-AF65-F5344CB8AC3E}">
@@ -24958,375 +24963,11 @@
           </a:lstStyle>
           <a:p>
             <a:r>
-              <a:rPr lang="en-CA" sz="2800" dirty="0">
-                <a:latin typeface="Tw Cen MT" panose="020B0602020104020603" pitchFamily="34" charset="0"/>
-              </a:rPr>
-              <a:t>ENSEMBLE METHODS</a:t>
-            </a:r>
-          </a:p>
-        </p:txBody>
-      </p:sp>
-      <p:sp>
-        <p:nvSpPr>
-          <p:cNvPr id="9" name="Content Placeholder 2">
-            <a:extLst>
-              <a:ext uri="{FF2B5EF4-FFF2-40B4-BE49-F238E27FC236}">
-                <a16:creationId xmlns:a16="http://schemas.microsoft.com/office/drawing/2014/main" id="{3074B0E1-1574-4F63-8A26-F437FE006735}"/>
-              </a:ext>
-            </a:extLst>
-          </p:cNvPr>
-          <p:cNvSpPr txBox="1">
-            <a:spLocks/>
-          </p:cNvSpPr>
-          <p:nvPr/>
-        </p:nvSpPr>
-        <p:spPr>
-          <a:xfrm>
-            <a:off x="571199" y="1178351"/>
-            <a:ext cx="8917757" cy="4487158"/>
-          </a:xfrm>
-          <a:prstGeom prst="rect">
-            <a:avLst/>
-          </a:prstGeom>
-        </p:spPr>
-        <p:txBody>
-          <a:bodyPr vert="horz" lIns="91440" tIns="45720" rIns="91440" bIns="45720" rtlCol="0">
-            <a:noAutofit/>
-          </a:bodyPr>
-          <a:lstStyle>
-            <a:lvl1pPr marL="342900" indent="-342900" algn="l" defTabSz="457200" rtl="0" eaLnBrk="1" latinLnBrk="0" hangingPunct="1">
-              <a:spcBef>
-                <a:spcPts val="1000"/>
-              </a:spcBef>
-              <a:spcAft>
-                <a:spcPts val="0"/>
-              </a:spcAft>
-              <a:buClr>
-                <a:schemeClr val="accent1"/>
-              </a:buClr>
-              <a:buSzPct val="80000"/>
-              <a:buFont typeface="Wingdings 3" charset="2"/>
-              <a:buChar char=""/>
-              <a:defRPr sz="1800" kern="1200">
-                <a:solidFill>
-                  <a:schemeClr val="tx1">
-                    <a:lumMod val="75000"/>
-                    <a:lumOff val="25000"/>
-                  </a:schemeClr>
-                </a:solidFill>
-                <a:latin typeface="+mn-lt"/>
-                <a:ea typeface="+mn-ea"/>
-                <a:cs typeface="+mn-cs"/>
-              </a:defRPr>
-            </a:lvl1pPr>
-            <a:lvl2pPr marL="742950" indent="-285750" algn="l" defTabSz="457200" rtl="0" eaLnBrk="1" latinLnBrk="0" hangingPunct="1">
-              <a:spcBef>
-                <a:spcPts val="1000"/>
-              </a:spcBef>
-              <a:spcAft>
-                <a:spcPts val="0"/>
-              </a:spcAft>
-              <a:buClr>
-                <a:schemeClr val="accent1"/>
-              </a:buClr>
-              <a:buSzPct val="80000"/>
-              <a:buFont typeface="Wingdings 3" charset="2"/>
-              <a:buChar char=""/>
-              <a:defRPr sz="1600" kern="1200">
-                <a:solidFill>
-                  <a:schemeClr val="tx1">
-                    <a:lumMod val="75000"/>
-                    <a:lumOff val="25000"/>
-                  </a:schemeClr>
-                </a:solidFill>
-                <a:latin typeface="+mn-lt"/>
-                <a:ea typeface="+mn-ea"/>
-                <a:cs typeface="+mn-cs"/>
-              </a:defRPr>
-            </a:lvl2pPr>
-            <a:lvl3pPr marL="1143000" indent="-228600" algn="l" defTabSz="457200" rtl="0" eaLnBrk="1" latinLnBrk="0" hangingPunct="1">
-              <a:spcBef>
-                <a:spcPts val="1000"/>
-              </a:spcBef>
-              <a:spcAft>
-                <a:spcPts val="0"/>
-              </a:spcAft>
-              <a:buClr>
-                <a:schemeClr val="accent1"/>
-              </a:buClr>
-              <a:buSzPct val="80000"/>
-              <a:buFont typeface="Wingdings 3" charset="2"/>
-              <a:buChar char=""/>
-              <a:defRPr sz="1400" kern="1200">
-                <a:solidFill>
-                  <a:schemeClr val="tx1">
-                    <a:lumMod val="75000"/>
-                    <a:lumOff val="25000"/>
-                  </a:schemeClr>
-                </a:solidFill>
-                <a:latin typeface="+mn-lt"/>
-                <a:ea typeface="+mn-ea"/>
-                <a:cs typeface="+mn-cs"/>
-              </a:defRPr>
-            </a:lvl3pPr>
-            <a:lvl4pPr marL="1600200" indent="-228600" algn="l" defTabSz="457200" rtl="0" eaLnBrk="1" latinLnBrk="0" hangingPunct="1">
-              <a:spcBef>
-                <a:spcPts val="1000"/>
-              </a:spcBef>
-              <a:spcAft>
-                <a:spcPts val="0"/>
-              </a:spcAft>
-              <a:buClr>
-                <a:schemeClr val="accent1"/>
-              </a:buClr>
-              <a:buSzPct val="80000"/>
-              <a:buFont typeface="Wingdings 3" charset="2"/>
-              <a:buChar char=""/>
-              <a:defRPr sz="1200" kern="1200">
-                <a:solidFill>
-                  <a:schemeClr val="tx1">
-                    <a:lumMod val="75000"/>
-                    <a:lumOff val="25000"/>
-                  </a:schemeClr>
-                </a:solidFill>
-                <a:latin typeface="+mn-lt"/>
-                <a:ea typeface="+mn-ea"/>
-                <a:cs typeface="+mn-cs"/>
-              </a:defRPr>
-            </a:lvl4pPr>
-            <a:lvl5pPr marL="2057400" indent="-228600" algn="l" defTabSz="457200" rtl="0" eaLnBrk="1" latinLnBrk="0" hangingPunct="1">
-              <a:spcBef>
-                <a:spcPts val="1000"/>
-              </a:spcBef>
-              <a:spcAft>
-                <a:spcPts val="0"/>
-              </a:spcAft>
-              <a:buClr>
-                <a:schemeClr val="accent1"/>
-              </a:buClr>
-              <a:buSzPct val="80000"/>
-              <a:buFont typeface="Wingdings 3" charset="2"/>
-              <a:buChar char=""/>
-              <a:defRPr sz="1200" kern="1200">
-                <a:solidFill>
-                  <a:schemeClr val="tx1">
-                    <a:lumMod val="75000"/>
-                    <a:lumOff val="25000"/>
-                  </a:schemeClr>
-                </a:solidFill>
-                <a:latin typeface="+mn-lt"/>
-                <a:ea typeface="+mn-ea"/>
-                <a:cs typeface="+mn-cs"/>
-              </a:defRPr>
-            </a:lvl5pPr>
-            <a:lvl6pPr marL="2514600" indent="-228600" algn="l" defTabSz="457200" rtl="0" eaLnBrk="1" latinLnBrk="0" hangingPunct="1">
-              <a:spcBef>
-                <a:spcPts val="1000"/>
-              </a:spcBef>
-              <a:spcAft>
-                <a:spcPts val="0"/>
-              </a:spcAft>
-              <a:buClr>
-                <a:schemeClr val="accent1"/>
-              </a:buClr>
-              <a:buSzPct val="80000"/>
-              <a:buFont typeface="Wingdings 3" charset="2"/>
-              <a:buChar char=""/>
-              <a:defRPr sz="1200" kern="1200">
-                <a:solidFill>
-                  <a:schemeClr val="tx1">
-                    <a:lumMod val="75000"/>
-                    <a:lumOff val="25000"/>
-                  </a:schemeClr>
-                </a:solidFill>
-                <a:latin typeface="+mn-lt"/>
-                <a:ea typeface="+mn-ea"/>
-                <a:cs typeface="+mn-cs"/>
-              </a:defRPr>
-            </a:lvl6pPr>
-            <a:lvl7pPr marL="2971800" indent="-228600" algn="l" defTabSz="457200" rtl="0" eaLnBrk="1" latinLnBrk="0" hangingPunct="1">
-              <a:spcBef>
-                <a:spcPts val="1000"/>
-              </a:spcBef>
-              <a:spcAft>
-                <a:spcPts val="0"/>
-              </a:spcAft>
-              <a:buClr>
-                <a:schemeClr val="accent1"/>
-              </a:buClr>
-              <a:buSzPct val="80000"/>
-              <a:buFont typeface="Wingdings 3" charset="2"/>
-              <a:buChar char=""/>
-              <a:defRPr sz="1200" kern="1200">
-                <a:solidFill>
-                  <a:schemeClr val="tx1">
-                    <a:lumMod val="75000"/>
-                    <a:lumOff val="25000"/>
-                  </a:schemeClr>
-                </a:solidFill>
-                <a:latin typeface="+mn-lt"/>
-                <a:ea typeface="+mn-ea"/>
-                <a:cs typeface="+mn-cs"/>
-              </a:defRPr>
-            </a:lvl7pPr>
-            <a:lvl8pPr marL="3429000" indent="-228600" algn="l" defTabSz="457200" rtl="0" eaLnBrk="1" latinLnBrk="0" hangingPunct="1">
-              <a:spcBef>
-                <a:spcPts val="1000"/>
-              </a:spcBef>
-              <a:spcAft>
-                <a:spcPts val="0"/>
-              </a:spcAft>
-              <a:buClr>
-                <a:schemeClr val="accent1"/>
-              </a:buClr>
-              <a:buSzPct val="80000"/>
-              <a:buFont typeface="Wingdings 3" charset="2"/>
-              <a:buChar char=""/>
-              <a:defRPr sz="1200" kern="1200">
-                <a:solidFill>
-                  <a:schemeClr val="tx1">
-                    <a:lumMod val="75000"/>
-                    <a:lumOff val="25000"/>
-                  </a:schemeClr>
-                </a:solidFill>
-                <a:latin typeface="+mn-lt"/>
-                <a:ea typeface="+mn-ea"/>
-                <a:cs typeface="+mn-cs"/>
-              </a:defRPr>
-            </a:lvl8pPr>
-            <a:lvl9pPr marL="3886200" indent="-228600" algn="l" defTabSz="457200" rtl="0" eaLnBrk="1" latinLnBrk="0" hangingPunct="1">
-              <a:spcBef>
-                <a:spcPts val="1000"/>
-              </a:spcBef>
-              <a:spcAft>
-                <a:spcPts val="0"/>
-              </a:spcAft>
-              <a:buClr>
-                <a:schemeClr val="accent1"/>
-              </a:buClr>
-              <a:buSzPct val="80000"/>
-              <a:buFont typeface="Wingdings 3" charset="2"/>
-              <a:buChar char=""/>
-              <a:defRPr sz="1200" kern="1200">
-                <a:solidFill>
-                  <a:schemeClr val="tx1">
-                    <a:lumMod val="75000"/>
-                    <a:lumOff val="25000"/>
-                  </a:schemeClr>
-                </a:solidFill>
-                <a:latin typeface="+mn-lt"/>
-                <a:ea typeface="+mn-ea"/>
-                <a:cs typeface="+mn-cs"/>
-              </a:defRPr>
-            </a:lvl9pPr>
-          </a:lstStyle>
-          <a:p>
-            <a:r>
               <a:rPr lang="en-CA" sz="2400" dirty="0">
                 <a:latin typeface="Tw Cen MT" panose="020B0602020104020603" pitchFamily="34" charset="0"/>
               </a:rPr>
-              <a:t>The following ensemble methods were used</a:t>
-            </a:r>
-          </a:p>
-          <a:p>
-            <a:endParaRPr lang="en-CA" sz="2400" dirty="0">
-              <a:latin typeface="Tw Cen MT" panose="020B0602020104020603" pitchFamily="34" charset="0"/>
-            </a:endParaRPr>
-          </a:p>
-          <a:p>
-            <a:pPr lvl="1"/>
-            <a:r>
-              <a:rPr lang="en-CA" sz="2200" dirty="0">
-                <a:latin typeface="Tw Cen MT" panose="020B0602020104020603" pitchFamily="34" charset="0"/>
-              </a:rPr>
-              <a:t>Bagging</a:t>
-            </a:r>
-          </a:p>
-          <a:p>
-            <a:pPr lvl="2"/>
-            <a:r>
-              <a:rPr lang="en-CA" sz="2000" dirty="0">
-                <a:latin typeface="Tw Cen MT" panose="020B0602020104020603" pitchFamily="34" charset="0"/>
-              </a:rPr>
-              <a:t>The base estimator was chosen to be Logistic Regression</a:t>
-            </a:r>
-          </a:p>
-          <a:p>
-            <a:pPr lvl="1"/>
-            <a:endParaRPr lang="en-CA" sz="2200" dirty="0">
-              <a:latin typeface="Tw Cen MT" panose="020B0602020104020603" pitchFamily="34" charset="0"/>
-            </a:endParaRPr>
-          </a:p>
-          <a:p>
-            <a:pPr lvl="1"/>
-            <a:r>
-              <a:rPr lang="en-CA" sz="2200" dirty="0">
-                <a:latin typeface="Tw Cen MT" panose="020B0602020104020603" pitchFamily="34" charset="0"/>
-              </a:rPr>
-              <a:t>Stacking</a:t>
-            </a:r>
-          </a:p>
-          <a:p>
-            <a:pPr lvl="2"/>
-            <a:r>
-              <a:rPr lang="en-CA" sz="2000" dirty="0">
-                <a:latin typeface="Tw Cen MT" panose="020B0602020104020603" pitchFamily="34" charset="0"/>
-              </a:rPr>
-              <a:t>The initial estimators in stacking were chosen to be Naïve </a:t>
-            </a:r>
-            <a:r>
-              <a:rPr lang="en-CA" sz="2000" dirty="0" err="1">
-                <a:latin typeface="Tw Cen MT" panose="020B0602020104020603" pitchFamily="34" charset="0"/>
-              </a:rPr>
-              <a:t>bayes</a:t>
-            </a:r>
-            <a:r>
-              <a:rPr lang="en-CA" sz="2000" dirty="0">
-                <a:latin typeface="Tw Cen MT" panose="020B0602020104020603" pitchFamily="34" charset="0"/>
-              </a:rPr>
-              <a:t> and SVM. The meta learner was Logistic Regression</a:t>
-            </a:r>
-          </a:p>
-          <a:p>
-            <a:pPr lvl="1"/>
-            <a:endParaRPr lang="en-CA" sz="2200" dirty="0">
-              <a:latin typeface="Tw Cen MT" panose="020B0602020104020603" pitchFamily="34" charset="0"/>
-            </a:endParaRPr>
-          </a:p>
-          <a:p>
-            <a:pPr lvl="1"/>
-            <a:r>
-              <a:rPr lang="en-CA" sz="2200" dirty="0">
-                <a:latin typeface="Tw Cen MT" panose="020B0602020104020603" pitchFamily="34" charset="0"/>
-              </a:rPr>
-              <a:t>Boosting</a:t>
-            </a:r>
-          </a:p>
-          <a:p>
-            <a:pPr lvl="2"/>
-            <a:r>
-              <a:rPr lang="en-CA" sz="2000" dirty="0">
-                <a:latin typeface="Tw Cen MT" panose="020B0602020104020603" pitchFamily="34" charset="0"/>
-              </a:rPr>
-              <a:t>An </a:t>
-            </a:r>
-            <a:r>
-              <a:rPr lang="en-CA" sz="2000" dirty="0" err="1">
-                <a:latin typeface="Tw Cen MT" panose="020B0602020104020603" pitchFamily="34" charset="0"/>
-              </a:rPr>
-              <a:t>Adaboost</a:t>
-            </a:r>
-            <a:r>
-              <a:rPr lang="en-CA" sz="2000" dirty="0">
-                <a:latin typeface="Tw Cen MT" panose="020B0602020104020603" pitchFamily="34" charset="0"/>
-              </a:rPr>
-              <a:t> classifier was used for boosting in this iteration. </a:t>
-            </a:r>
-          </a:p>
-          <a:p>
-            <a:endParaRPr lang="en-CA" sz="2400" dirty="0">
-              <a:latin typeface="Tw Cen MT" panose="020B0602020104020603" pitchFamily="34" charset="0"/>
-            </a:endParaRPr>
+              <a:t>CROSS VALIDATION – COMPARISON OF RESULTS, CONFUSION MATRIX</a:t>
+            </a:r>
           </a:p>
         </p:txBody>
       </p:sp>
@@ -25366,10 +25007,154 @@
           </a:p>
         </p:txBody>
       </p:sp>
+      <p:pic>
+        <p:nvPicPr>
+          <p:cNvPr id="7" name="Picture 6">
+            <a:extLst>
+              <a:ext uri="{FF2B5EF4-FFF2-40B4-BE49-F238E27FC236}">
+                <a16:creationId xmlns:a16="http://schemas.microsoft.com/office/drawing/2014/main" id="{3E4C9C78-C750-40CA-9A8A-947A37D13F5C}"/>
+              </a:ext>
+            </a:extLst>
+          </p:cNvPr>
+          <p:cNvPicPr>
+            <a:picLocks noChangeAspect="1"/>
+          </p:cNvPicPr>
+          <p:nvPr/>
+        </p:nvPicPr>
+        <p:blipFill>
+          <a:blip r:embed="rId3">
+            <a:extLst>
+              <a:ext uri="{28A0092B-C50C-407E-A947-70E740481C1C}">
+                <a14:useLocalDpi xmlns:a14="http://schemas.microsoft.com/office/drawing/2010/main" val="0"/>
+              </a:ext>
+            </a:extLst>
+          </a:blip>
+          <a:stretch>
+            <a:fillRect/>
+          </a:stretch>
+        </p:blipFill>
+        <p:spPr>
+          <a:xfrm>
+            <a:off x="5411259" y="914448"/>
+            <a:ext cx="3660477" cy="2739834"/>
+          </a:xfrm>
+          <a:prstGeom prst="rect">
+            <a:avLst/>
+          </a:prstGeom>
+        </p:spPr>
+      </p:pic>
+      <p:pic>
+        <p:nvPicPr>
+          <p:cNvPr id="12" name="Picture 11">
+            <a:extLst>
+              <a:ext uri="{FF2B5EF4-FFF2-40B4-BE49-F238E27FC236}">
+                <a16:creationId xmlns:a16="http://schemas.microsoft.com/office/drawing/2014/main" id="{18575722-CFCF-4A47-91A6-734E823768C6}"/>
+              </a:ext>
+            </a:extLst>
+          </p:cNvPr>
+          <p:cNvPicPr>
+            <a:picLocks noChangeAspect="1"/>
+          </p:cNvPicPr>
+          <p:nvPr/>
+        </p:nvPicPr>
+        <p:blipFill>
+          <a:blip r:embed="rId4">
+            <a:extLst>
+              <a:ext uri="{28A0092B-C50C-407E-A947-70E740481C1C}">
+                <a14:useLocalDpi xmlns:a14="http://schemas.microsoft.com/office/drawing/2010/main" val="0"/>
+              </a:ext>
+            </a:extLst>
+          </a:blip>
+          <a:stretch>
+            <a:fillRect/>
+          </a:stretch>
+        </p:blipFill>
+        <p:spPr>
+          <a:xfrm>
+            <a:off x="731743" y="914448"/>
+            <a:ext cx="3660477" cy="2739834"/>
+          </a:xfrm>
+          <a:prstGeom prst="rect">
+            <a:avLst/>
+          </a:prstGeom>
+        </p:spPr>
+      </p:pic>
+      <p:pic>
+        <p:nvPicPr>
+          <p:cNvPr id="14" name="Picture 13">
+            <a:extLst>
+              <a:ext uri="{FF2B5EF4-FFF2-40B4-BE49-F238E27FC236}">
+                <a16:creationId xmlns:a16="http://schemas.microsoft.com/office/drawing/2014/main" id="{5E360225-1BCE-4FF0-A61D-37CDA288B1A4}"/>
+              </a:ext>
+            </a:extLst>
+          </p:cNvPr>
+          <p:cNvPicPr>
+            <a:picLocks noChangeAspect="1"/>
+          </p:cNvPicPr>
+          <p:nvPr/>
+        </p:nvPicPr>
+        <p:blipFill>
+          <a:blip r:embed="rId5">
+            <a:extLst>
+              <a:ext uri="{28A0092B-C50C-407E-A947-70E740481C1C}">
+                <a14:useLocalDpi xmlns:a14="http://schemas.microsoft.com/office/drawing/2010/main" val="0"/>
+              </a:ext>
+            </a:extLst>
+          </a:blip>
+          <a:stretch>
+            <a:fillRect/>
+          </a:stretch>
+        </p:blipFill>
+        <p:spPr>
+          <a:xfrm>
+            <a:off x="5411258" y="3821223"/>
+            <a:ext cx="3660477" cy="2739834"/>
+          </a:xfrm>
+          <a:prstGeom prst="rect">
+            <a:avLst/>
+          </a:prstGeom>
+        </p:spPr>
+      </p:pic>
+      <p:pic>
+        <p:nvPicPr>
+          <p:cNvPr id="16" name="Picture 15">
+            <a:extLst>
+              <a:ext uri="{FF2B5EF4-FFF2-40B4-BE49-F238E27FC236}">
+                <a16:creationId xmlns:a16="http://schemas.microsoft.com/office/drawing/2014/main" id="{21EFECFB-EB7F-41B9-BBF5-E2999B7CA62E}"/>
+              </a:ext>
+            </a:extLst>
+          </p:cNvPr>
+          <p:cNvPicPr>
+            <a:picLocks noChangeAspect="1"/>
+          </p:cNvPicPr>
+          <p:nvPr/>
+        </p:nvPicPr>
+        <p:blipFill>
+          <a:blip r:embed="rId6">
+            <a:extLst>
+              <a:ext uri="{28A0092B-C50C-407E-A947-70E740481C1C}">
+                <a14:useLocalDpi xmlns:a14="http://schemas.microsoft.com/office/drawing/2010/main" val="0"/>
+              </a:ext>
+            </a:extLst>
+          </a:blip>
+          <a:stretch>
+            <a:fillRect/>
+          </a:stretch>
+        </p:blipFill>
+        <p:spPr>
+          <a:xfrm>
+            <a:off x="731743" y="3821223"/>
+            <a:ext cx="3660477" cy="2739834"/>
+          </a:xfrm>
+          <a:prstGeom prst="rect">
+            <a:avLst/>
+          </a:prstGeom>
+        </p:spPr>
+      </p:pic>
     </p:spTree>
     <p:extLst>
       <p:ext uri="{BB962C8B-B14F-4D97-AF65-F5344CB8AC3E}">
-        <p14:creationId xmlns:p14="http://schemas.microsoft.com/office/powerpoint/2010/main" val="3655151572"/>
+        <p14:creationId xmlns:p14="http://schemas.microsoft.com/office/powerpoint/2010/main" val="2803747055"/>
       </p:ext>
     </p:extLst>
   </p:cSld>
@@ -25865,10 +25650,10 @@
           </a:lstStyle>
           <a:p>
             <a:r>
-              <a:rPr lang="en-CA" sz="2800" dirty="0">
-                <a:latin typeface="Tw Cen MT" panose="020B0602020104020603" pitchFamily="34" charset="0"/>
-              </a:rPr>
-              <a:t>ENSEMBLE METHODS vs OTHERS</a:t>
+              <a:rPr lang="en-CA" sz="2400" dirty="0">
+                <a:latin typeface="Tw Cen MT" panose="020B0602020104020603" pitchFamily="34" charset="0"/>
+              </a:rPr>
+              <a:t>CROSS VALIDATION – COMPARISON OF RESULTS, LEARNING CURVE</a:t>
             </a:r>
           </a:p>
         </p:txBody>
@@ -25914,7 +25699,7 @@
           <p:cNvPr id="6" name="Picture 5">
             <a:extLst>
               <a:ext uri="{FF2B5EF4-FFF2-40B4-BE49-F238E27FC236}">
-                <a16:creationId xmlns:a16="http://schemas.microsoft.com/office/drawing/2014/main" id="{9C7ED1FC-2FA1-4E8B-9D4E-90E2099C8883}"/>
+                <a16:creationId xmlns:a16="http://schemas.microsoft.com/office/drawing/2014/main" id="{9DBB4085-5DD7-42E4-9A30-D642DADE183C}"/>
               </a:ext>
             </a:extLst>
           </p:cNvPr>
@@ -25937,8 +25722,8 @@
         </p:blipFill>
         <p:spPr>
           <a:xfrm>
-            <a:off x="7030" y="1760174"/>
-            <a:ext cx="5821935" cy="2880000"/>
+            <a:off x="5903178" y="3839408"/>
+            <a:ext cx="3676613" cy="2646315"/>
           </a:xfrm>
           <a:prstGeom prst="rect">
             <a:avLst/>
@@ -25947,10 +25732,10 @@
       </p:pic>
       <p:pic>
         <p:nvPicPr>
-          <p:cNvPr id="9" name="Picture 8">
-            <a:extLst>
-              <a:ext uri="{FF2B5EF4-FFF2-40B4-BE49-F238E27FC236}">
-                <a16:creationId xmlns:a16="http://schemas.microsoft.com/office/drawing/2014/main" id="{AB1E557D-4F03-4BB0-9972-6F89000FAEEE}"/>
+          <p:cNvPr id="10" name="Picture 9">
+            <a:extLst>
+              <a:ext uri="{FF2B5EF4-FFF2-40B4-BE49-F238E27FC236}">
+                <a16:creationId xmlns:a16="http://schemas.microsoft.com/office/drawing/2014/main" id="{C7341E00-BAF5-44AC-9E60-FF0C09F40DB2}"/>
               </a:ext>
             </a:extLst>
           </p:cNvPr>
@@ -25973,8 +25758,80 @@
         </p:blipFill>
         <p:spPr>
           <a:xfrm>
-            <a:off x="6103030" y="1762763"/>
-            <a:ext cx="5760000" cy="2880000"/>
+            <a:off x="731561" y="939786"/>
+            <a:ext cx="3761295" cy="2646314"/>
+          </a:xfrm>
+          <a:prstGeom prst="rect">
+            <a:avLst/>
+          </a:prstGeom>
+        </p:spPr>
+      </p:pic>
+      <p:pic>
+        <p:nvPicPr>
+          <p:cNvPr id="15" name="Picture 14">
+            <a:extLst>
+              <a:ext uri="{FF2B5EF4-FFF2-40B4-BE49-F238E27FC236}">
+                <a16:creationId xmlns:a16="http://schemas.microsoft.com/office/drawing/2014/main" id="{1EE913E2-3A8D-443F-8BA4-C29371257020}"/>
+              </a:ext>
+            </a:extLst>
+          </p:cNvPr>
+          <p:cNvPicPr>
+            <a:picLocks noChangeAspect="1"/>
+          </p:cNvPicPr>
+          <p:nvPr/>
+        </p:nvPicPr>
+        <p:blipFill>
+          <a:blip r:embed="rId5">
+            <a:extLst>
+              <a:ext uri="{28A0092B-C50C-407E-A947-70E740481C1C}">
+                <a14:useLocalDpi xmlns:a14="http://schemas.microsoft.com/office/drawing/2010/main" val="0"/>
+              </a:ext>
+            </a:extLst>
+          </a:blip>
+          <a:stretch>
+            <a:fillRect/>
+          </a:stretch>
+        </p:blipFill>
+        <p:spPr>
+          <a:xfrm>
+            <a:off x="731560" y="3839409"/>
+            <a:ext cx="3761295" cy="2646314"/>
+          </a:xfrm>
+          <a:prstGeom prst="rect">
+            <a:avLst/>
+          </a:prstGeom>
+        </p:spPr>
+      </p:pic>
+      <p:pic>
+        <p:nvPicPr>
+          <p:cNvPr id="18" name="Picture 17">
+            <a:extLst>
+              <a:ext uri="{FF2B5EF4-FFF2-40B4-BE49-F238E27FC236}">
+                <a16:creationId xmlns:a16="http://schemas.microsoft.com/office/drawing/2014/main" id="{745B1286-A4AE-4B01-9A87-8C7AD1D70274}"/>
+              </a:ext>
+            </a:extLst>
+          </p:cNvPr>
+          <p:cNvPicPr>
+            <a:picLocks noChangeAspect="1"/>
+          </p:cNvPicPr>
+          <p:nvPr/>
+        </p:nvPicPr>
+        <p:blipFill>
+          <a:blip r:embed="rId6">
+            <a:extLst>
+              <a:ext uri="{28A0092B-C50C-407E-A947-70E740481C1C}">
+                <a14:useLocalDpi xmlns:a14="http://schemas.microsoft.com/office/drawing/2010/main" val="0"/>
+              </a:ext>
+            </a:extLst>
+          </a:blip>
+          <a:stretch>
+            <a:fillRect/>
+          </a:stretch>
+        </p:blipFill>
+        <p:spPr>
+          <a:xfrm>
+            <a:off x="5818496" y="897929"/>
+            <a:ext cx="3761295" cy="2646314"/>
           </a:xfrm>
           <a:prstGeom prst="rect">
             <a:avLst/>
@@ -25984,7 +25841,7 @@
     </p:spTree>
     <p:extLst>
       <p:ext uri="{BB962C8B-B14F-4D97-AF65-F5344CB8AC3E}">
-        <p14:creationId xmlns:p14="http://schemas.microsoft.com/office/powerpoint/2010/main" val="1814397284"/>
+        <p14:creationId xmlns:p14="http://schemas.microsoft.com/office/powerpoint/2010/main" val="2765764595"/>
       </p:ext>
     </p:extLst>
   </p:cSld>
@@ -26209,8 +26066,372 @@
               <a:rPr lang="en-CA" sz="2800" dirty="0">
                 <a:latin typeface="Tw Cen MT" panose="020B0602020104020603" pitchFamily="34" charset="0"/>
               </a:rPr>
-              <a:t>ENSEMBLE METHODS vs OTHERS</a:t>
-            </a:r>
+              <a:t>ENSEMBLE METHODS</a:t>
+            </a:r>
+          </a:p>
+        </p:txBody>
+      </p:sp>
+      <p:sp>
+        <p:nvSpPr>
+          <p:cNvPr id="9" name="Content Placeholder 2">
+            <a:extLst>
+              <a:ext uri="{FF2B5EF4-FFF2-40B4-BE49-F238E27FC236}">
+                <a16:creationId xmlns:a16="http://schemas.microsoft.com/office/drawing/2014/main" id="{3074B0E1-1574-4F63-8A26-F437FE006735}"/>
+              </a:ext>
+            </a:extLst>
+          </p:cNvPr>
+          <p:cNvSpPr txBox="1">
+            <a:spLocks/>
+          </p:cNvSpPr>
+          <p:nvPr/>
+        </p:nvSpPr>
+        <p:spPr>
+          <a:xfrm>
+            <a:off x="571199" y="1178351"/>
+            <a:ext cx="8917757" cy="4487158"/>
+          </a:xfrm>
+          <a:prstGeom prst="rect">
+            <a:avLst/>
+          </a:prstGeom>
+        </p:spPr>
+        <p:txBody>
+          <a:bodyPr vert="horz" lIns="91440" tIns="45720" rIns="91440" bIns="45720" rtlCol="0">
+            <a:noAutofit/>
+          </a:bodyPr>
+          <a:lstStyle>
+            <a:lvl1pPr marL="342900" indent="-342900" algn="l" defTabSz="457200" rtl="0" eaLnBrk="1" latinLnBrk="0" hangingPunct="1">
+              <a:spcBef>
+                <a:spcPts val="1000"/>
+              </a:spcBef>
+              <a:spcAft>
+                <a:spcPts val="0"/>
+              </a:spcAft>
+              <a:buClr>
+                <a:schemeClr val="accent1"/>
+              </a:buClr>
+              <a:buSzPct val="80000"/>
+              <a:buFont typeface="Wingdings 3" charset="2"/>
+              <a:buChar char=""/>
+              <a:defRPr sz="1800" kern="1200">
+                <a:solidFill>
+                  <a:schemeClr val="tx1">
+                    <a:lumMod val="75000"/>
+                    <a:lumOff val="25000"/>
+                  </a:schemeClr>
+                </a:solidFill>
+                <a:latin typeface="+mn-lt"/>
+                <a:ea typeface="+mn-ea"/>
+                <a:cs typeface="+mn-cs"/>
+              </a:defRPr>
+            </a:lvl1pPr>
+            <a:lvl2pPr marL="742950" indent="-285750" algn="l" defTabSz="457200" rtl="0" eaLnBrk="1" latinLnBrk="0" hangingPunct="1">
+              <a:spcBef>
+                <a:spcPts val="1000"/>
+              </a:spcBef>
+              <a:spcAft>
+                <a:spcPts val="0"/>
+              </a:spcAft>
+              <a:buClr>
+                <a:schemeClr val="accent1"/>
+              </a:buClr>
+              <a:buSzPct val="80000"/>
+              <a:buFont typeface="Wingdings 3" charset="2"/>
+              <a:buChar char=""/>
+              <a:defRPr sz="1600" kern="1200">
+                <a:solidFill>
+                  <a:schemeClr val="tx1">
+                    <a:lumMod val="75000"/>
+                    <a:lumOff val="25000"/>
+                  </a:schemeClr>
+                </a:solidFill>
+                <a:latin typeface="+mn-lt"/>
+                <a:ea typeface="+mn-ea"/>
+                <a:cs typeface="+mn-cs"/>
+              </a:defRPr>
+            </a:lvl2pPr>
+            <a:lvl3pPr marL="1143000" indent="-228600" algn="l" defTabSz="457200" rtl="0" eaLnBrk="1" latinLnBrk="0" hangingPunct="1">
+              <a:spcBef>
+                <a:spcPts val="1000"/>
+              </a:spcBef>
+              <a:spcAft>
+                <a:spcPts val="0"/>
+              </a:spcAft>
+              <a:buClr>
+                <a:schemeClr val="accent1"/>
+              </a:buClr>
+              <a:buSzPct val="80000"/>
+              <a:buFont typeface="Wingdings 3" charset="2"/>
+              <a:buChar char=""/>
+              <a:defRPr sz="1400" kern="1200">
+                <a:solidFill>
+                  <a:schemeClr val="tx1">
+                    <a:lumMod val="75000"/>
+                    <a:lumOff val="25000"/>
+                  </a:schemeClr>
+                </a:solidFill>
+                <a:latin typeface="+mn-lt"/>
+                <a:ea typeface="+mn-ea"/>
+                <a:cs typeface="+mn-cs"/>
+              </a:defRPr>
+            </a:lvl3pPr>
+            <a:lvl4pPr marL="1600200" indent="-228600" algn="l" defTabSz="457200" rtl="0" eaLnBrk="1" latinLnBrk="0" hangingPunct="1">
+              <a:spcBef>
+                <a:spcPts val="1000"/>
+              </a:spcBef>
+              <a:spcAft>
+                <a:spcPts val="0"/>
+              </a:spcAft>
+              <a:buClr>
+                <a:schemeClr val="accent1"/>
+              </a:buClr>
+              <a:buSzPct val="80000"/>
+              <a:buFont typeface="Wingdings 3" charset="2"/>
+              <a:buChar char=""/>
+              <a:defRPr sz="1200" kern="1200">
+                <a:solidFill>
+                  <a:schemeClr val="tx1">
+                    <a:lumMod val="75000"/>
+                    <a:lumOff val="25000"/>
+                  </a:schemeClr>
+                </a:solidFill>
+                <a:latin typeface="+mn-lt"/>
+                <a:ea typeface="+mn-ea"/>
+                <a:cs typeface="+mn-cs"/>
+              </a:defRPr>
+            </a:lvl4pPr>
+            <a:lvl5pPr marL="2057400" indent="-228600" algn="l" defTabSz="457200" rtl="0" eaLnBrk="1" latinLnBrk="0" hangingPunct="1">
+              <a:spcBef>
+                <a:spcPts val="1000"/>
+              </a:spcBef>
+              <a:spcAft>
+                <a:spcPts val="0"/>
+              </a:spcAft>
+              <a:buClr>
+                <a:schemeClr val="accent1"/>
+              </a:buClr>
+              <a:buSzPct val="80000"/>
+              <a:buFont typeface="Wingdings 3" charset="2"/>
+              <a:buChar char=""/>
+              <a:defRPr sz="1200" kern="1200">
+                <a:solidFill>
+                  <a:schemeClr val="tx1">
+                    <a:lumMod val="75000"/>
+                    <a:lumOff val="25000"/>
+                  </a:schemeClr>
+                </a:solidFill>
+                <a:latin typeface="+mn-lt"/>
+                <a:ea typeface="+mn-ea"/>
+                <a:cs typeface="+mn-cs"/>
+              </a:defRPr>
+            </a:lvl5pPr>
+            <a:lvl6pPr marL="2514600" indent="-228600" algn="l" defTabSz="457200" rtl="0" eaLnBrk="1" latinLnBrk="0" hangingPunct="1">
+              <a:spcBef>
+                <a:spcPts val="1000"/>
+              </a:spcBef>
+              <a:spcAft>
+                <a:spcPts val="0"/>
+              </a:spcAft>
+              <a:buClr>
+                <a:schemeClr val="accent1"/>
+              </a:buClr>
+              <a:buSzPct val="80000"/>
+              <a:buFont typeface="Wingdings 3" charset="2"/>
+              <a:buChar char=""/>
+              <a:defRPr sz="1200" kern="1200">
+                <a:solidFill>
+                  <a:schemeClr val="tx1">
+                    <a:lumMod val="75000"/>
+                    <a:lumOff val="25000"/>
+                  </a:schemeClr>
+                </a:solidFill>
+                <a:latin typeface="+mn-lt"/>
+                <a:ea typeface="+mn-ea"/>
+                <a:cs typeface="+mn-cs"/>
+              </a:defRPr>
+            </a:lvl6pPr>
+            <a:lvl7pPr marL="2971800" indent="-228600" algn="l" defTabSz="457200" rtl="0" eaLnBrk="1" latinLnBrk="0" hangingPunct="1">
+              <a:spcBef>
+                <a:spcPts val="1000"/>
+              </a:spcBef>
+              <a:spcAft>
+                <a:spcPts val="0"/>
+              </a:spcAft>
+              <a:buClr>
+                <a:schemeClr val="accent1"/>
+              </a:buClr>
+              <a:buSzPct val="80000"/>
+              <a:buFont typeface="Wingdings 3" charset="2"/>
+              <a:buChar char=""/>
+              <a:defRPr sz="1200" kern="1200">
+                <a:solidFill>
+                  <a:schemeClr val="tx1">
+                    <a:lumMod val="75000"/>
+                    <a:lumOff val="25000"/>
+                  </a:schemeClr>
+                </a:solidFill>
+                <a:latin typeface="+mn-lt"/>
+                <a:ea typeface="+mn-ea"/>
+                <a:cs typeface="+mn-cs"/>
+              </a:defRPr>
+            </a:lvl7pPr>
+            <a:lvl8pPr marL="3429000" indent="-228600" algn="l" defTabSz="457200" rtl="0" eaLnBrk="1" latinLnBrk="0" hangingPunct="1">
+              <a:spcBef>
+                <a:spcPts val="1000"/>
+              </a:spcBef>
+              <a:spcAft>
+                <a:spcPts val="0"/>
+              </a:spcAft>
+              <a:buClr>
+                <a:schemeClr val="accent1"/>
+              </a:buClr>
+              <a:buSzPct val="80000"/>
+              <a:buFont typeface="Wingdings 3" charset="2"/>
+              <a:buChar char=""/>
+              <a:defRPr sz="1200" kern="1200">
+                <a:solidFill>
+                  <a:schemeClr val="tx1">
+                    <a:lumMod val="75000"/>
+                    <a:lumOff val="25000"/>
+                  </a:schemeClr>
+                </a:solidFill>
+                <a:latin typeface="+mn-lt"/>
+                <a:ea typeface="+mn-ea"/>
+                <a:cs typeface="+mn-cs"/>
+              </a:defRPr>
+            </a:lvl8pPr>
+            <a:lvl9pPr marL="3886200" indent="-228600" algn="l" defTabSz="457200" rtl="0" eaLnBrk="1" latinLnBrk="0" hangingPunct="1">
+              <a:spcBef>
+                <a:spcPts val="1000"/>
+              </a:spcBef>
+              <a:spcAft>
+                <a:spcPts val="0"/>
+              </a:spcAft>
+              <a:buClr>
+                <a:schemeClr val="accent1"/>
+              </a:buClr>
+              <a:buSzPct val="80000"/>
+              <a:buFont typeface="Wingdings 3" charset="2"/>
+              <a:buChar char=""/>
+              <a:defRPr sz="1200" kern="1200">
+                <a:solidFill>
+                  <a:schemeClr val="tx1">
+                    <a:lumMod val="75000"/>
+                    <a:lumOff val="25000"/>
+                  </a:schemeClr>
+                </a:solidFill>
+                <a:latin typeface="+mn-lt"/>
+                <a:ea typeface="+mn-ea"/>
+                <a:cs typeface="+mn-cs"/>
+              </a:defRPr>
+            </a:lvl9pPr>
+          </a:lstStyle>
+          <a:p>
+            <a:r>
+              <a:rPr lang="en-CA" sz="2400" dirty="0">
+                <a:latin typeface="Tw Cen MT" panose="020B0602020104020603" pitchFamily="34" charset="0"/>
+              </a:rPr>
+              <a:t>The following ensemble methods were used</a:t>
+            </a:r>
+          </a:p>
+          <a:p>
+            <a:endParaRPr lang="en-CA" sz="2400" dirty="0">
+              <a:latin typeface="Tw Cen MT" panose="020B0602020104020603" pitchFamily="34" charset="0"/>
+            </a:endParaRPr>
+          </a:p>
+          <a:p>
+            <a:pPr lvl="1"/>
+            <a:r>
+              <a:rPr lang="en-CA" sz="2200" dirty="0">
+                <a:latin typeface="Tw Cen MT" panose="020B0602020104020603" pitchFamily="34" charset="0"/>
+              </a:rPr>
+              <a:t>Bagging</a:t>
+            </a:r>
+          </a:p>
+          <a:p>
+            <a:pPr lvl="2"/>
+            <a:r>
+              <a:rPr lang="en-CA" sz="2000" dirty="0">
+                <a:latin typeface="Tw Cen MT" panose="020B0602020104020603" pitchFamily="34" charset="0"/>
+              </a:rPr>
+              <a:t>The base estimator was chosen to be Logistic Regression</a:t>
+            </a:r>
+          </a:p>
+          <a:p>
+            <a:pPr lvl="1"/>
+            <a:endParaRPr lang="en-CA" sz="2200" dirty="0">
+              <a:latin typeface="Tw Cen MT" panose="020B0602020104020603" pitchFamily="34" charset="0"/>
+            </a:endParaRPr>
+          </a:p>
+          <a:p>
+            <a:pPr lvl="1"/>
+            <a:r>
+              <a:rPr lang="en-CA" sz="2200" dirty="0">
+                <a:latin typeface="Tw Cen MT" panose="020B0602020104020603" pitchFamily="34" charset="0"/>
+              </a:rPr>
+              <a:t>Stacking</a:t>
+            </a:r>
+          </a:p>
+          <a:p>
+            <a:pPr lvl="2"/>
+            <a:r>
+              <a:rPr lang="en-CA" sz="2000" dirty="0">
+                <a:latin typeface="Tw Cen MT" panose="020B0602020104020603" pitchFamily="34" charset="0"/>
+              </a:rPr>
+              <a:t>The initial estimators in stacking were chosen to be Naïve </a:t>
+            </a:r>
+            <a:r>
+              <a:rPr lang="en-CA" sz="2000" dirty="0" err="1">
+                <a:latin typeface="Tw Cen MT" panose="020B0602020104020603" pitchFamily="34" charset="0"/>
+              </a:rPr>
+              <a:t>bayes</a:t>
+            </a:r>
+            <a:r>
+              <a:rPr lang="en-CA" sz="2000" dirty="0">
+                <a:latin typeface="Tw Cen MT" panose="020B0602020104020603" pitchFamily="34" charset="0"/>
+              </a:rPr>
+              <a:t> and SVM. The meta learner was Logistic Regression</a:t>
+            </a:r>
+          </a:p>
+          <a:p>
+            <a:pPr lvl="1"/>
+            <a:endParaRPr lang="en-CA" sz="2200" dirty="0">
+              <a:latin typeface="Tw Cen MT" panose="020B0602020104020603" pitchFamily="34" charset="0"/>
+            </a:endParaRPr>
+          </a:p>
+          <a:p>
+            <a:pPr lvl="1"/>
+            <a:r>
+              <a:rPr lang="en-CA" sz="2200" dirty="0">
+                <a:latin typeface="Tw Cen MT" panose="020B0602020104020603" pitchFamily="34" charset="0"/>
+              </a:rPr>
+              <a:t>Boosting</a:t>
+            </a:r>
+          </a:p>
+          <a:p>
+            <a:pPr lvl="2"/>
+            <a:r>
+              <a:rPr lang="en-CA" sz="2000" dirty="0">
+                <a:latin typeface="Tw Cen MT" panose="020B0602020104020603" pitchFamily="34" charset="0"/>
+              </a:rPr>
+              <a:t>An </a:t>
+            </a:r>
+            <a:r>
+              <a:rPr lang="en-CA" sz="2000" dirty="0" err="1">
+                <a:latin typeface="Tw Cen MT" panose="020B0602020104020603" pitchFamily="34" charset="0"/>
+              </a:rPr>
+              <a:t>Adaboost</a:t>
+            </a:r>
+            <a:r>
+              <a:rPr lang="en-CA" sz="2000" dirty="0">
+                <a:latin typeface="Tw Cen MT" panose="020B0602020104020603" pitchFamily="34" charset="0"/>
+              </a:rPr>
+              <a:t> classifier was used for boosting in this iteration. </a:t>
+            </a:r>
+          </a:p>
+          <a:p>
+            <a:endParaRPr lang="en-CA" sz="2400" dirty="0">
+              <a:latin typeface="Tw Cen MT" panose="020B0602020104020603" pitchFamily="34" charset="0"/>
+            </a:endParaRPr>
           </a:p>
         </p:txBody>
       </p:sp>
@@ -26232,7 +26453,7 @@
         </p:nvSpPr>
         <p:spPr>
           <a:xfrm>
-            <a:off x="731743" y="5808762"/>
+            <a:off x="731743" y="5818189"/>
             <a:ext cx="8596668" cy="3880773"/>
           </a:xfrm>
         </p:spPr>
@@ -26250,82 +26471,10 @@
           </a:p>
         </p:txBody>
       </p:sp>
-      <p:pic>
-        <p:nvPicPr>
-          <p:cNvPr id="6" name="Picture 5">
-            <a:extLst>
-              <a:ext uri="{FF2B5EF4-FFF2-40B4-BE49-F238E27FC236}">
-                <a16:creationId xmlns:a16="http://schemas.microsoft.com/office/drawing/2014/main" id="{1F299FB4-E804-4656-9D4F-11AB99F31CB2}"/>
-              </a:ext>
-            </a:extLst>
-          </p:cNvPr>
-          <p:cNvPicPr>
-            <a:picLocks noChangeAspect="1"/>
-          </p:cNvPicPr>
-          <p:nvPr/>
-        </p:nvPicPr>
-        <p:blipFill>
-          <a:blip r:embed="rId3">
-            <a:extLst>
-              <a:ext uri="{28A0092B-C50C-407E-A947-70E740481C1C}">
-                <a14:useLocalDpi xmlns:a14="http://schemas.microsoft.com/office/drawing/2010/main" val="0"/>
-              </a:ext>
-            </a:extLst>
-          </a:blip>
-          <a:stretch>
-            <a:fillRect/>
-          </a:stretch>
-        </p:blipFill>
-        <p:spPr>
-          <a:xfrm>
-            <a:off x="8381" y="1765743"/>
-            <a:ext cx="5821935" cy="2880000"/>
-          </a:xfrm>
-          <a:prstGeom prst="rect">
-            <a:avLst/>
-          </a:prstGeom>
-        </p:spPr>
-      </p:pic>
-      <p:pic>
-        <p:nvPicPr>
-          <p:cNvPr id="10" name="Picture 9">
-            <a:extLst>
-              <a:ext uri="{FF2B5EF4-FFF2-40B4-BE49-F238E27FC236}">
-                <a16:creationId xmlns:a16="http://schemas.microsoft.com/office/drawing/2014/main" id="{5151524D-EF80-4C47-91E9-70FDB2124457}"/>
-              </a:ext>
-            </a:extLst>
-          </p:cNvPr>
-          <p:cNvPicPr>
-            <a:picLocks noChangeAspect="1"/>
-          </p:cNvPicPr>
-          <p:nvPr/>
-        </p:nvPicPr>
-        <p:blipFill>
-          <a:blip r:embed="rId4">
-            <a:extLst>
-              <a:ext uri="{28A0092B-C50C-407E-A947-70E740481C1C}">
-                <a14:useLocalDpi xmlns:a14="http://schemas.microsoft.com/office/drawing/2010/main" val="0"/>
-              </a:ext>
-            </a:extLst>
-          </a:blip>
-          <a:stretch>
-            <a:fillRect/>
-          </a:stretch>
-        </p:blipFill>
-        <p:spPr>
-          <a:xfrm>
-            <a:off x="6100549" y="1765743"/>
-            <a:ext cx="5760000" cy="2880000"/>
-          </a:xfrm>
-          <a:prstGeom prst="rect">
-            <a:avLst/>
-          </a:prstGeom>
-        </p:spPr>
-      </p:pic>
     </p:spTree>
     <p:extLst>
       <p:ext uri="{BB962C8B-B14F-4D97-AF65-F5344CB8AC3E}">
-        <p14:creationId xmlns:p14="http://schemas.microsoft.com/office/powerpoint/2010/main" val="2170744969"/>
+        <p14:creationId xmlns:p14="http://schemas.microsoft.com/office/powerpoint/2010/main" val="3655151572"/>
       </p:ext>
     </p:extLst>
   </p:cSld>
@@ -26596,6 +26745,688 @@
           <p:cNvPr id="6" name="Picture 5">
             <a:extLst>
               <a:ext uri="{FF2B5EF4-FFF2-40B4-BE49-F238E27FC236}">
+                <a16:creationId xmlns:a16="http://schemas.microsoft.com/office/drawing/2014/main" id="{9C7ED1FC-2FA1-4E8B-9D4E-90E2099C8883}"/>
+              </a:ext>
+            </a:extLst>
+          </p:cNvPr>
+          <p:cNvPicPr>
+            <a:picLocks noChangeAspect="1"/>
+          </p:cNvPicPr>
+          <p:nvPr/>
+        </p:nvPicPr>
+        <p:blipFill>
+          <a:blip r:embed="rId3">
+            <a:extLst>
+              <a:ext uri="{28A0092B-C50C-407E-A947-70E740481C1C}">
+                <a14:useLocalDpi xmlns:a14="http://schemas.microsoft.com/office/drawing/2010/main" val="0"/>
+              </a:ext>
+            </a:extLst>
+          </a:blip>
+          <a:stretch>
+            <a:fillRect/>
+          </a:stretch>
+        </p:blipFill>
+        <p:spPr>
+          <a:xfrm>
+            <a:off x="7030" y="1760174"/>
+            <a:ext cx="5821935" cy="2880000"/>
+          </a:xfrm>
+          <a:prstGeom prst="rect">
+            <a:avLst/>
+          </a:prstGeom>
+        </p:spPr>
+      </p:pic>
+      <p:pic>
+        <p:nvPicPr>
+          <p:cNvPr id="9" name="Picture 8">
+            <a:extLst>
+              <a:ext uri="{FF2B5EF4-FFF2-40B4-BE49-F238E27FC236}">
+                <a16:creationId xmlns:a16="http://schemas.microsoft.com/office/drawing/2014/main" id="{AB1E557D-4F03-4BB0-9972-6F89000FAEEE}"/>
+              </a:ext>
+            </a:extLst>
+          </p:cNvPr>
+          <p:cNvPicPr>
+            <a:picLocks noChangeAspect="1"/>
+          </p:cNvPicPr>
+          <p:nvPr/>
+        </p:nvPicPr>
+        <p:blipFill>
+          <a:blip r:embed="rId4">
+            <a:extLst>
+              <a:ext uri="{28A0092B-C50C-407E-A947-70E740481C1C}">
+                <a14:useLocalDpi xmlns:a14="http://schemas.microsoft.com/office/drawing/2010/main" val="0"/>
+              </a:ext>
+            </a:extLst>
+          </a:blip>
+          <a:stretch>
+            <a:fillRect/>
+          </a:stretch>
+        </p:blipFill>
+        <p:spPr>
+          <a:xfrm>
+            <a:off x="6103030" y="1762763"/>
+            <a:ext cx="5760000" cy="2880000"/>
+          </a:xfrm>
+          <a:prstGeom prst="rect">
+            <a:avLst/>
+          </a:prstGeom>
+        </p:spPr>
+      </p:pic>
+    </p:spTree>
+    <p:extLst>
+      <p:ext uri="{BB962C8B-B14F-4D97-AF65-F5344CB8AC3E}">
+        <p14:creationId xmlns:p14="http://schemas.microsoft.com/office/powerpoint/2010/main" val="1814397284"/>
+      </p:ext>
+    </p:extLst>
+  </p:cSld>
+  <p:clrMapOvr>
+    <a:masterClrMapping/>
+  </p:clrMapOvr>
+</p:sld>
+</file>
+
+<file path=ppt/slides/slide53.xml><?xml version="1.0" encoding="utf-8"?>
+<p:sld xmlns:a="http://schemas.openxmlformats.org/drawingml/2006/main" xmlns:r="http://schemas.openxmlformats.org/officeDocument/2006/relationships" xmlns:p="http://schemas.openxmlformats.org/presentationml/2006/main">
+  <p:cSld>
+    <p:spTree>
+      <p:nvGrpSpPr>
+        <p:cNvPr id="1" name=""/>
+        <p:cNvGrpSpPr/>
+        <p:nvPr/>
+      </p:nvGrpSpPr>
+      <p:grpSpPr>
+        <a:xfrm>
+          <a:off x="0" y="0"/>
+          <a:ext cx="0" cy="0"/>
+          <a:chOff x="0" y="0"/>
+          <a:chExt cx="0" cy="0"/>
+        </a:xfrm>
+      </p:grpSpPr>
+      <p:pic>
+        <p:nvPicPr>
+          <p:cNvPr id="5" name="Picture 4">
+            <a:extLst>
+              <a:ext uri="{FF2B5EF4-FFF2-40B4-BE49-F238E27FC236}">
+                <a16:creationId xmlns:a16="http://schemas.microsoft.com/office/drawing/2014/main" id="{506193B0-D684-41FB-9EE5-3A2300775B91}"/>
+              </a:ext>
+            </a:extLst>
+          </p:cNvPr>
+          <p:cNvPicPr>
+            <a:picLocks noChangeAspect="1"/>
+          </p:cNvPicPr>
+          <p:nvPr/>
+        </p:nvPicPr>
+        <p:blipFill>
+          <a:blip r:embed="rId2">
+            <a:extLst>
+              <a:ext uri="{28A0092B-C50C-407E-A947-70E740481C1C}">
+                <a14:useLocalDpi xmlns:a14="http://schemas.microsoft.com/office/drawing/2010/main" val="0"/>
+              </a:ext>
+            </a:extLst>
+          </a:blip>
+          <a:stretch>
+            <a:fillRect/>
+          </a:stretch>
+        </p:blipFill>
+        <p:spPr>
+          <a:xfrm>
+            <a:off x="9534428" y="5901274"/>
+            <a:ext cx="2657572" cy="956726"/>
+          </a:xfrm>
+          <a:prstGeom prst="rect">
+            <a:avLst/>
+          </a:prstGeom>
+        </p:spPr>
+      </p:pic>
+      <p:sp>
+        <p:nvSpPr>
+          <p:cNvPr id="11" name="Slide Number Placeholder 10">
+            <a:extLst>
+              <a:ext uri="{FF2B5EF4-FFF2-40B4-BE49-F238E27FC236}">
+                <a16:creationId xmlns:a16="http://schemas.microsoft.com/office/drawing/2014/main" id="{B0EBD5A8-AFA0-4980-A10C-C82C105F75C8}"/>
+              </a:ext>
+            </a:extLst>
+          </p:cNvPr>
+          <p:cNvSpPr>
+            <a:spLocks noGrp="1"/>
+          </p:cNvSpPr>
+          <p:nvPr>
+            <p:ph type="sldNum" sz="quarter" idx="12"/>
+          </p:nvPr>
+        </p:nvSpPr>
+        <p:spPr/>
+        <p:txBody>
+          <a:bodyPr/>
+          <a:lstStyle/>
+          <a:p>
+            <a:fld id="{0540F40C-19D0-4AE1-B3AF-4A4F01D6E71D}" type="slidenum">
+              <a:rPr lang="en-CA" smtClean="0"/>
+              <a:pPr/>
+              <a:t>53</a:t>
+            </a:fld>
+            <a:endParaRPr lang="en-CA"/>
+          </a:p>
+        </p:txBody>
+      </p:sp>
+      <p:sp>
+        <p:nvSpPr>
+          <p:cNvPr id="4" name="Title 3">
+            <a:extLst>
+              <a:ext uri="{FF2B5EF4-FFF2-40B4-BE49-F238E27FC236}">
+                <a16:creationId xmlns:a16="http://schemas.microsoft.com/office/drawing/2014/main" id="{1CA02F4A-FB97-4CE6-BCBD-2C67DCB8F437}"/>
+              </a:ext>
+            </a:extLst>
+          </p:cNvPr>
+          <p:cNvSpPr>
+            <a:spLocks noGrp="1"/>
+          </p:cNvSpPr>
+          <p:nvPr>
+            <p:ph type="title"/>
+          </p:nvPr>
+        </p:nvSpPr>
+        <p:spPr/>
+        <p:txBody>
+          <a:bodyPr/>
+          <a:lstStyle/>
+          <a:p>
+            <a:r>
+              <a:rPr lang="en-CA" dirty="0"/>
+              <a:t> </a:t>
+            </a:r>
+          </a:p>
+        </p:txBody>
+      </p:sp>
+      <p:sp>
+        <p:nvSpPr>
+          <p:cNvPr id="8" name="Title 1">
+            <a:extLst>
+              <a:ext uri="{FF2B5EF4-FFF2-40B4-BE49-F238E27FC236}">
+                <a16:creationId xmlns:a16="http://schemas.microsoft.com/office/drawing/2014/main" id="{B1FCB866-BEC6-4EA4-A1F7-455F7D408984}"/>
+              </a:ext>
+            </a:extLst>
+          </p:cNvPr>
+          <p:cNvSpPr txBox="1">
+            <a:spLocks/>
+          </p:cNvSpPr>
+          <p:nvPr/>
+        </p:nvSpPr>
+        <p:spPr>
+          <a:xfrm>
+            <a:off x="174576" y="259133"/>
+            <a:ext cx="9711004" cy="568751"/>
+          </a:xfrm>
+          <a:prstGeom prst="rect">
+            <a:avLst/>
+          </a:prstGeom>
+        </p:spPr>
+        <p:txBody>
+          <a:bodyPr vert="horz" lIns="91440" tIns="45720" rIns="91440" bIns="45720" rtlCol="0" anchor="t">
+            <a:noAutofit/>
+          </a:bodyPr>
+          <a:lstStyle>
+            <a:lvl1pPr algn="l" defTabSz="457200" rtl="0" eaLnBrk="1" latinLnBrk="0" hangingPunct="1">
+              <a:spcBef>
+                <a:spcPct val="0"/>
+              </a:spcBef>
+              <a:buNone/>
+              <a:defRPr sz="3600" kern="1200">
+                <a:solidFill>
+                  <a:schemeClr val="accent1"/>
+                </a:solidFill>
+                <a:latin typeface="+mj-lt"/>
+                <a:ea typeface="+mj-ea"/>
+                <a:cs typeface="+mj-cs"/>
+              </a:defRPr>
+            </a:lvl1pPr>
+            <a:lvl2pPr eaLnBrk="1" hangingPunct="1">
+              <a:defRPr>
+                <a:solidFill>
+                  <a:schemeClr val="tx2"/>
+                </a:solidFill>
+              </a:defRPr>
+            </a:lvl2pPr>
+            <a:lvl3pPr eaLnBrk="1" hangingPunct="1">
+              <a:defRPr>
+                <a:solidFill>
+                  <a:schemeClr val="tx2"/>
+                </a:solidFill>
+              </a:defRPr>
+            </a:lvl3pPr>
+            <a:lvl4pPr eaLnBrk="1" hangingPunct="1">
+              <a:defRPr>
+                <a:solidFill>
+                  <a:schemeClr val="tx2"/>
+                </a:solidFill>
+              </a:defRPr>
+            </a:lvl4pPr>
+            <a:lvl5pPr eaLnBrk="1" hangingPunct="1">
+              <a:defRPr>
+                <a:solidFill>
+                  <a:schemeClr val="tx2"/>
+                </a:solidFill>
+              </a:defRPr>
+            </a:lvl5pPr>
+            <a:lvl6pPr eaLnBrk="1" hangingPunct="1">
+              <a:defRPr>
+                <a:solidFill>
+                  <a:schemeClr val="tx2"/>
+                </a:solidFill>
+              </a:defRPr>
+            </a:lvl6pPr>
+            <a:lvl7pPr eaLnBrk="1" hangingPunct="1">
+              <a:defRPr>
+                <a:solidFill>
+                  <a:schemeClr val="tx2"/>
+                </a:solidFill>
+              </a:defRPr>
+            </a:lvl7pPr>
+            <a:lvl8pPr eaLnBrk="1" hangingPunct="1">
+              <a:defRPr>
+                <a:solidFill>
+                  <a:schemeClr val="tx2"/>
+                </a:solidFill>
+              </a:defRPr>
+            </a:lvl8pPr>
+            <a:lvl9pPr eaLnBrk="1" hangingPunct="1">
+              <a:defRPr>
+                <a:solidFill>
+                  <a:schemeClr val="tx2"/>
+                </a:solidFill>
+              </a:defRPr>
+            </a:lvl9pPr>
+          </a:lstStyle>
+          <a:p>
+            <a:r>
+              <a:rPr lang="en-CA" sz="2800" dirty="0">
+                <a:latin typeface="Tw Cen MT" panose="020B0602020104020603" pitchFamily="34" charset="0"/>
+              </a:rPr>
+              <a:t>ENSEMBLE METHODS vs OTHERS</a:t>
+            </a:r>
+          </a:p>
+        </p:txBody>
+      </p:sp>
+      <p:sp>
+        <p:nvSpPr>
+          <p:cNvPr id="3" name="Content Placeholder 2">
+            <a:extLst>
+              <a:ext uri="{FF2B5EF4-FFF2-40B4-BE49-F238E27FC236}">
+                <a16:creationId xmlns:a16="http://schemas.microsoft.com/office/drawing/2014/main" id="{8BD9DEA0-8EFE-4198-8B10-519F51925130}"/>
+              </a:ext>
+            </a:extLst>
+          </p:cNvPr>
+          <p:cNvSpPr>
+            <a:spLocks noGrp="1"/>
+          </p:cNvSpPr>
+          <p:nvPr>
+            <p:ph idx="1"/>
+          </p:nvPr>
+        </p:nvSpPr>
+        <p:spPr>
+          <a:xfrm>
+            <a:off x="731743" y="5808762"/>
+            <a:ext cx="8596668" cy="3880773"/>
+          </a:xfrm>
+        </p:spPr>
+        <p:txBody>
+          <a:bodyPr/>
+          <a:lstStyle/>
+          <a:p>
+            <a:pPr marL="0" indent="0">
+              <a:buNone/>
+            </a:pPr>
+            <a:r>
+              <a:rPr lang="en-CA" dirty="0"/>
+              <a:t> </a:t>
+            </a:r>
+          </a:p>
+        </p:txBody>
+      </p:sp>
+      <p:pic>
+        <p:nvPicPr>
+          <p:cNvPr id="6" name="Picture 5">
+            <a:extLst>
+              <a:ext uri="{FF2B5EF4-FFF2-40B4-BE49-F238E27FC236}">
+                <a16:creationId xmlns:a16="http://schemas.microsoft.com/office/drawing/2014/main" id="{1F299FB4-E804-4656-9D4F-11AB99F31CB2}"/>
+              </a:ext>
+            </a:extLst>
+          </p:cNvPr>
+          <p:cNvPicPr>
+            <a:picLocks noChangeAspect="1"/>
+          </p:cNvPicPr>
+          <p:nvPr/>
+        </p:nvPicPr>
+        <p:blipFill>
+          <a:blip r:embed="rId3">
+            <a:extLst>
+              <a:ext uri="{28A0092B-C50C-407E-A947-70E740481C1C}">
+                <a14:useLocalDpi xmlns:a14="http://schemas.microsoft.com/office/drawing/2010/main" val="0"/>
+              </a:ext>
+            </a:extLst>
+          </a:blip>
+          <a:stretch>
+            <a:fillRect/>
+          </a:stretch>
+        </p:blipFill>
+        <p:spPr>
+          <a:xfrm>
+            <a:off x="8381" y="1765743"/>
+            <a:ext cx="5821935" cy="2880000"/>
+          </a:xfrm>
+          <a:prstGeom prst="rect">
+            <a:avLst/>
+          </a:prstGeom>
+        </p:spPr>
+      </p:pic>
+      <p:pic>
+        <p:nvPicPr>
+          <p:cNvPr id="10" name="Picture 9">
+            <a:extLst>
+              <a:ext uri="{FF2B5EF4-FFF2-40B4-BE49-F238E27FC236}">
+                <a16:creationId xmlns:a16="http://schemas.microsoft.com/office/drawing/2014/main" id="{5151524D-EF80-4C47-91E9-70FDB2124457}"/>
+              </a:ext>
+            </a:extLst>
+          </p:cNvPr>
+          <p:cNvPicPr>
+            <a:picLocks noChangeAspect="1"/>
+          </p:cNvPicPr>
+          <p:nvPr/>
+        </p:nvPicPr>
+        <p:blipFill>
+          <a:blip r:embed="rId4">
+            <a:extLst>
+              <a:ext uri="{28A0092B-C50C-407E-A947-70E740481C1C}">
+                <a14:useLocalDpi xmlns:a14="http://schemas.microsoft.com/office/drawing/2010/main" val="0"/>
+              </a:ext>
+            </a:extLst>
+          </a:blip>
+          <a:stretch>
+            <a:fillRect/>
+          </a:stretch>
+        </p:blipFill>
+        <p:spPr>
+          <a:xfrm>
+            <a:off x="6100549" y="1765743"/>
+            <a:ext cx="5760000" cy="2880000"/>
+          </a:xfrm>
+          <a:prstGeom prst="rect">
+            <a:avLst/>
+          </a:prstGeom>
+        </p:spPr>
+      </p:pic>
+    </p:spTree>
+    <p:extLst>
+      <p:ext uri="{BB962C8B-B14F-4D97-AF65-F5344CB8AC3E}">
+        <p14:creationId xmlns:p14="http://schemas.microsoft.com/office/powerpoint/2010/main" val="2170744969"/>
+      </p:ext>
+    </p:extLst>
+  </p:cSld>
+  <p:clrMapOvr>
+    <a:masterClrMapping/>
+  </p:clrMapOvr>
+</p:sld>
+</file>
+
+<file path=ppt/slides/slide54.xml><?xml version="1.0" encoding="utf-8"?>
+<p:sld xmlns:a="http://schemas.openxmlformats.org/drawingml/2006/main" xmlns:r="http://schemas.openxmlformats.org/officeDocument/2006/relationships" xmlns:p="http://schemas.openxmlformats.org/presentationml/2006/main">
+  <p:cSld>
+    <p:spTree>
+      <p:nvGrpSpPr>
+        <p:cNvPr id="1" name=""/>
+        <p:cNvGrpSpPr/>
+        <p:nvPr/>
+      </p:nvGrpSpPr>
+      <p:grpSpPr>
+        <a:xfrm>
+          <a:off x="0" y="0"/>
+          <a:ext cx="0" cy="0"/>
+          <a:chOff x="0" y="0"/>
+          <a:chExt cx="0" cy="0"/>
+        </a:xfrm>
+      </p:grpSpPr>
+      <p:pic>
+        <p:nvPicPr>
+          <p:cNvPr id="5" name="Picture 4">
+            <a:extLst>
+              <a:ext uri="{FF2B5EF4-FFF2-40B4-BE49-F238E27FC236}">
+                <a16:creationId xmlns:a16="http://schemas.microsoft.com/office/drawing/2014/main" id="{506193B0-D684-41FB-9EE5-3A2300775B91}"/>
+              </a:ext>
+            </a:extLst>
+          </p:cNvPr>
+          <p:cNvPicPr>
+            <a:picLocks noChangeAspect="1"/>
+          </p:cNvPicPr>
+          <p:nvPr/>
+        </p:nvPicPr>
+        <p:blipFill>
+          <a:blip r:embed="rId2">
+            <a:extLst>
+              <a:ext uri="{28A0092B-C50C-407E-A947-70E740481C1C}">
+                <a14:useLocalDpi xmlns:a14="http://schemas.microsoft.com/office/drawing/2010/main" val="0"/>
+              </a:ext>
+            </a:extLst>
+          </a:blip>
+          <a:stretch>
+            <a:fillRect/>
+          </a:stretch>
+        </p:blipFill>
+        <p:spPr>
+          <a:xfrm>
+            <a:off x="9534428" y="5901274"/>
+            <a:ext cx="2657572" cy="956726"/>
+          </a:xfrm>
+          <a:prstGeom prst="rect">
+            <a:avLst/>
+          </a:prstGeom>
+        </p:spPr>
+      </p:pic>
+      <p:sp>
+        <p:nvSpPr>
+          <p:cNvPr id="11" name="Slide Number Placeholder 10">
+            <a:extLst>
+              <a:ext uri="{FF2B5EF4-FFF2-40B4-BE49-F238E27FC236}">
+                <a16:creationId xmlns:a16="http://schemas.microsoft.com/office/drawing/2014/main" id="{B0EBD5A8-AFA0-4980-A10C-C82C105F75C8}"/>
+              </a:ext>
+            </a:extLst>
+          </p:cNvPr>
+          <p:cNvSpPr>
+            <a:spLocks noGrp="1"/>
+          </p:cNvSpPr>
+          <p:nvPr>
+            <p:ph type="sldNum" sz="quarter" idx="12"/>
+          </p:nvPr>
+        </p:nvSpPr>
+        <p:spPr/>
+        <p:txBody>
+          <a:bodyPr/>
+          <a:lstStyle/>
+          <a:p>
+            <a:fld id="{0540F40C-19D0-4AE1-B3AF-4A4F01D6E71D}" type="slidenum">
+              <a:rPr lang="en-CA" smtClean="0"/>
+              <a:pPr/>
+              <a:t>54</a:t>
+            </a:fld>
+            <a:endParaRPr lang="en-CA"/>
+          </a:p>
+        </p:txBody>
+      </p:sp>
+      <p:sp>
+        <p:nvSpPr>
+          <p:cNvPr id="4" name="Title 3">
+            <a:extLst>
+              <a:ext uri="{FF2B5EF4-FFF2-40B4-BE49-F238E27FC236}">
+                <a16:creationId xmlns:a16="http://schemas.microsoft.com/office/drawing/2014/main" id="{1CA02F4A-FB97-4CE6-BCBD-2C67DCB8F437}"/>
+              </a:ext>
+            </a:extLst>
+          </p:cNvPr>
+          <p:cNvSpPr>
+            <a:spLocks noGrp="1"/>
+          </p:cNvSpPr>
+          <p:nvPr>
+            <p:ph type="title"/>
+          </p:nvPr>
+        </p:nvSpPr>
+        <p:spPr/>
+        <p:txBody>
+          <a:bodyPr/>
+          <a:lstStyle/>
+          <a:p>
+            <a:r>
+              <a:rPr lang="en-CA" dirty="0"/>
+              <a:t> </a:t>
+            </a:r>
+          </a:p>
+        </p:txBody>
+      </p:sp>
+      <p:sp>
+        <p:nvSpPr>
+          <p:cNvPr id="8" name="Title 1">
+            <a:extLst>
+              <a:ext uri="{FF2B5EF4-FFF2-40B4-BE49-F238E27FC236}">
+                <a16:creationId xmlns:a16="http://schemas.microsoft.com/office/drawing/2014/main" id="{B1FCB866-BEC6-4EA4-A1F7-455F7D408984}"/>
+              </a:ext>
+            </a:extLst>
+          </p:cNvPr>
+          <p:cNvSpPr txBox="1">
+            <a:spLocks/>
+          </p:cNvSpPr>
+          <p:nvPr/>
+        </p:nvSpPr>
+        <p:spPr>
+          <a:xfrm>
+            <a:off x="174576" y="259133"/>
+            <a:ext cx="9711004" cy="568751"/>
+          </a:xfrm>
+          <a:prstGeom prst="rect">
+            <a:avLst/>
+          </a:prstGeom>
+        </p:spPr>
+        <p:txBody>
+          <a:bodyPr vert="horz" lIns="91440" tIns="45720" rIns="91440" bIns="45720" rtlCol="0" anchor="t">
+            <a:noAutofit/>
+          </a:bodyPr>
+          <a:lstStyle>
+            <a:lvl1pPr algn="l" defTabSz="457200" rtl="0" eaLnBrk="1" latinLnBrk="0" hangingPunct="1">
+              <a:spcBef>
+                <a:spcPct val="0"/>
+              </a:spcBef>
+              <a:buNone/>
+              <a:defRPr sz="3600" kern="1200">
+                <a:solidFill>
+                  <a:schemeClr val="accent1"/>
+                </a:solidFill>
+                <a:latin typeface="+mj-lt"/>
+                <a:ea typeface="+mj-ea"/>
+                <a:cs typeface="+mj-cs"/>
+              </a:defRPr>
+            </a:lvl1pPr>
+            <a:lvl2pPr eaLnBrk="1" hangingPunct="1">
+              <a:defRPr>
+                <a:solidFill>
+                  <a:schemeClr val="tx2"/>
+                </a:solidFill>
+              </a:defRPr>
+            </a:lvl2pPr>
+            <a:lvl3pPr eaLnBrk="1" hangingPunct="1">
+              <a:defRPr>
+                <a:solidFill>
+                  <a:schemeClr val="tx2"/>
+                </a:solidFill>
+              </a:defRPr>
+            </a:lvl3pPr>
+            <a:lvl4pPr eaLnBrk="1" hangingPunct="1">
+              <a:defRPr>
+                <a:solidFill>
+                  <a:schemeClr val="tx2"/>
+                </a:solidFill>
+              </a:defRPr>
+            </a:lvl4pPr>
+            <a:lvl5pPr eaLnBrk="1" hangingPunct="1">
+              <a:defRPr>
+                <a:solidFill>
+                  <a:schemeClr val="tx2"/>
+                </a:solidFill>
+              </a:defRPr>
+            </a:lvl5pPr>
+            <a:lvl6pPr eaLnBrk="1" hangingPunct="1">
+              <a:defRPr>
+                <a:solidFill>
+                  <a:schemeClr val="tx2"/>
+                </a:solidFill>
+              </a:defRPr>
+            </a:lvl6pPr>
+            <a:lvl7pPr eaLnBrk="1" hangingPunct="1">
+              <a:defRPr>
+                <a:solidFill>
+                  <a:schemeClr val="tx2"/>
+                </a:solidFill>
+              </a:defRPr>
+            </a:lvl7pPr>
+            <a:lvl8pPr eaLnBrk="1" hangingPunct="1">
+              <a:defRPr>
+                <a:solidFill>
+                  <a:schemeClr val="tx2"/>
+                </a:solidFill>
+              </a:defRPr>
+            </a:lvl8pPr>
+            <a:lvl9pPr eaLnBrk="1" hangingPunct="1">
+              <a:defRPr>
+                <a:solidFill>
+                  <a:schemeClr val="tx2"/>
+                </a:solidFill>
+              </a:defRPr>
+            </a:lvl9pPr>
+          </a:lstStyle>
+          <a:p>
+            <a:r>
+              <a:rPr lang="en-CA" sz="2800" dirty="0">
+                <a:latin typeface="Tw Cen MT" panose="020B0602020104020603" pitchFamily="34" charset="0"/>
+              </a:rPr>
+              <a:t>ENSEMBLE METHODS vs OTHERS</a:t>
+            </a:r>
+          </a:p>
+        </p:txBody>
+      </p:sp>
+      <p:sp>
+        <p:nvSpPr>
+          <p:cNvPr id="3" name="Content Placeholder 2">
+            <a:extLst>
+              <a:ext uri="{FF2B5EF4-FFF2-40B4-BE49-F238E27FC236}">
+                <a16:creationId xmlns:a16="http://schemas.microsoft.com/office/drawing/2014/main" id="{8BD9DEA0-8EFE-4198-8B10-519F51925130}"/>
+              </a:ext>
+            </a:extLst>
+          </p:cNvPr>
+          <p:cNvSpPr>
+            <a:spLocks noGrp="1"/>
+          </p:cNvSpPr>
+          <p:nvPr>
+            <p:ph idx="1"/>
+          </p:nvPr>
+        </p:nvSpPr>
+        <p:spPr>
+          <a:xfrm>
+            <a:off x="731743" y="5818189"/>
+            <a:ext cx="8596668" cy="3880773"/>
+          </a:xfrm>
+        </p:spPr>
+        <p:txBody>
+          <a:bodyPr/>
+          <a:lstStyle/>
+          <a:p>
+            <a:pPr marL="0" indent="0">
+              <a:buNone/>
+            </a:pPr>
+            <a:r>
+              <a:rPr lang="en-CA" dirty="0"/>
+              <a:t> </a:t>
+            </a:r>
+          </a:p>
+        </p:txBody>
+      </p:sp>
+      <p:pic>
+        <p:nvPicPr>
+          <p:cNvPr id="6" name="Picture 5">
+            <a:extLst>
+              <a:ext uri="{FF2B5EF4-FFF2-40B4-BE49-F238E27FC236}">
                 <a16:creationId xmlns:a16="http://schemas.microsoft.com/office/drawing/2014/main" id="{B1350752-AF0D-4C57-AD2C-CCD2C1B65414}"/>
               </a:ext>
             </a:extLst>
@@ -26931,6 +27762,813 @@
     <p:extLst>
       <p:ext uri="{BB962C8B-B14F-4D97-AF65-F5344CB8AC3E}">
         <p14:creationId xmlns:p14="http://schemas.microsoft.com/office/powerpoint/2010/main" val="1588180185"/>
+      </p:ext>
+    </p:extLst>
+  </p:cSld>
+  <p:clrMapOvr>
+    <a:masterClrMapping/>
+  </p:clrMapOvr>
+</p:sld>
+</file>
+
+<file path=ppt/slides/slide55.xml><?xml version="1.0" encoding="utf-8"?>
+<p:sld xmlns:a="http://schemas.openxmlformats.org/drawingml/2006/main" xmlns:r="http://schemas.openxmlformats.org/officeDocument/2006/relationships" xmlns:p="http://schemas.openxmlformats.org/presentationml/2006/main">
+  <p:cSld>
+    <p:spTree>
+      <p:nvGrpSpPr>
+        <p:cNvPr id="1" name=""/>
+        <p:cNvGrpSpPr/>
+        <p:nvPr/>
+      </p:nvGrpSpPr>
+      <p:grpSpPr>
+        <a:xfrm>
+          <a:off x="0" y="0"/>
+          <a:ext cx="0" cy="0"/>
+          <a:chOff x="0" y="0"/>
+          <a:chExt cx="0" cy="0"/>
+        </a:xfrm>
+      </p:grpSpPr>
+      <p:pic>
+        <p:nvPicPr>
+          <p:cNvPr id="5" name="Picture 4">
+            <a:extLst>
+              <a:ext uri="{FF2B5EF4-FFF2-40B4-BE49-F238E27FC236}">
+                <a16:creationId xmlns:a16="http://schemas.microsoft.com/office/drawing/2014/main" id="{506193B0-D684-41FB-9EE5-3A2300775B91}"/>
+              </a:ext>
+            </a:extLst>
+          </p:cNvPr>
+          <p:cNvPicPr>
+            <a:picLocks noChangeAspect="1"/>
+          </p:cNvPicPr>
+          <p:nvPr/>
+        </p:nvPicPr>
+        <p:blipFill>
+          <a:blip r:embed="rId2">
+            <a:extLst>
+              <a:ext uri="{28A0092B-C50C-407E-A947-70E740481C1C}">
+                <a14:useLocalDpi xmlns:a14="http://schemas.microsoft.com/office/drawing/2010/main" val="0"/>
+              </a:ext>
+            </a:extLst>
+          </a:blip>
+          <a:stretch>
+            <a:fillRect/>
+          </a:stretch>
+        </p:blipFill>
+        <p:spPr>
+          <a:xfrm>
+            <a:off x="9534428" y="5901274"/>
+            <a:ext cx="2657572" cy="956726"/>
+          </a:xfrm>
+          <a:prstGeom prst="rect">
+            <a:avLst/>
+          </a:prstGeom>
+        </p:spPr>
+      </p:pic>
+      <p:sp>
+        <p:nvSpPr>
+          <p:cNvPr id="11" name="Slide Number Placeholder 10">
+            <a:extLst>
+              <a:ext uri="{FF2B5EF4-FFF2-40B4-BE49-F238E27FC236}">
+                <a16:creationId xmlns:a16="http://schemas.microsoft.com/office/drawing/2014/main" id="{B0EBD5A8-AFA0-4980-A10C-C82C105F75C8}"/>
+              </a:ext>
+            </a:extLst>
+          </p:cNvPr>
+          <p:cNvSpPr>
+            <a:spLocks noGrp="1"/>
+          </p:cNvSpPr>
+          <p:nvPr>
+            <p:ph type="sldNum" sz="quarter" idx="12"/>
+          </p:nvPr>
+        </p:nvSpPr>
+        <p:spPr/>
+        <p:txBody>
+          <a:bodyPr/>
+          <a:lstStyle/>
+          <a:p>
+            <a:fld id="{0540F40C-19D0-4AE1-B3AF-4A4F01D6E71D}" type="slidenum">
+              <a:rPr lang="en-CA" smtClean="0"/>
+              <a:pPr/>
+              <a:t>55</a:t>
+            </a:fld>
+            <a:endParaRPr lang="en-CA"/>
+          </a:p>
+        </p:txBody>
+      </p:sp>
+      <p:sp>
+        <p:nvSpPr>
+          <p:cNvPr id="4" name="Title 3">
+            <a:extLst>
+              <a:ext uri="{FF2B5EF4-FFF2-40B4-BE49-F238E27FC236}">
+                <a16:creationId xmlns:a16="http://schemas.microsoft.com/office/drawing/2014/main" id="{1CA02F4A-FB97-4CE6-BCBD-2C67DCB8F437}"/>
+              </a:ext>
+            </a:extLst>
+          </p:cNvPr>
+          <p:cNvSpPr>
+            <a:spLocks noGrp="1"/>
+          </p:cNvSpPr>
+          <p:nvPr>
+            <p:ph type="title"/>
+          </p:nvPr>
+        </p:nvSpPr>
+        <p:spPr/>
+        <p:txBody>
+          <a:bodyPr/>
+          <a:lstStyle/>
+          <a:p>
+            <a:r>
+              <a:rPr lang="en-CA" dirty="0"/>
+              <a:t> </a:t>
+            </a:r>
+          </a:p>
+        </p:txBody>
+      </p:sp>
+      <p:sp>
+        <p:nvSpPr>
+          <p:cNvPr id="8" name="Title 1">
+            <a:extLst>
+              <a:ext uri="{FF2B5EF4-FFF2-40B4-BE49-F238E27FC236}">
+                <a16:creationId xmlns:a16="http://schemas.microsoft.com/office/drawing/2014/main" id="{B1FCB866-BEC6-4EA4-A1F7-455F7D408984}"/>
+              </a:ext>
+            </a:extLst>
+          </p:cNvPr>
+          <p:cNvSpPr txBox="1">
+            <a:spLocks/>
+          </p:cNvSpPr>
+          <p:nvPr/>
+        </p:nvSpPr>
+        <p:spPr>
+          <a:xfrm>
+            <a:off x="174576" y="259133"/>
+            <a:ext cx="9711004" cy="568751"/>
+          </a:xfrm>
+          <a:prstGeom prst="rect">
+            <a:avLst/>
+          </a:prstGeom>
+        </p:spPr>
+        <p:txBody>
+          <a:bodyPr vert="horz" lIns="91440" tIns="45720" rIns="91440" bIns="45720" rtlCol="0" anchor="t">
+            <a:noAutofit/>
+          </a:bodyPr>
+          <a:lstStyle>
+            <a:lvl1pPr algn="l" defTabSz="457200" rtl="0" eaLnBrk="1" latinLnBrk="0" hangingPunct="1">
+              <a:spcBef>
+                <a:spcPct val="0"/>
+              </a:spcBef>
+              <a:buNone/>
+              <a:defRPr sz="3600" kern="1200">
+                <a:solidFill>
+                  <a:schemeClr val="accent1"/>
+                </a:solidFill>
+                <a:latin typeface="+mj-lt"/>
+                <a:ea typeface="+mj-ea"/>
+                <a:cs typeface="+mj-cs"/>
+              </a:defRPr>
+            </a:lvl1pPr>
+            <a:lvl2pPr eaLnBrk="1" hangingPunct="1">
+              <a:defRPr>
+                <a:solidFill>
+                  <a:schemeClr val="tx2"/>
+                </a:solidFill>
+              </a:defRPr>
+            </a:lvl2pPr>
+            <a:lvl3pPr eaLnBrk="1" hangingPunct="1">
+              <a:defRPr>
+                <a:solidFill>
+                  <a:schemeClr val="tx2"/>
+                </a:solidFill>
+              </a:defRPr>
+            </a:lvl3pPr>
+            <a:lvl4pPr eaLnBrk="1" hangingPunct="1">
+              <a:defRPr>
+                <a:solidFill>
+                  <a:schemeClr val="tx2"/>
+                </a:solidFill>
+              </a:defRPr>
+            </a:lvl4pPr>
+            <a:lvl5pPr eaLnBrk="1" hangingPunct="1">
+              <a:defRPr>
+                <a:solidFill>
+                  <a:schemeClr val="tx2"/>
+                </a:solidFill>
+              </a:defRPr>
+            </a:lvl5pPr>
+            <a:lvl6pPr eaLnBrk="1" hangingPunct="1">
+              <a:defRPr>
+                <a:solidFill>
+                  <a:schemeClr val="tx2"/>
+                </a:solidFill>
+              </a:defRPr>
+            </a:lvl6pPr>
+            <a:lvl7pPr eaLnBrk="1" hangingPunct="1">
+              <a:defRPr>
+                <a:solidFill>
+                  <a:schemeClr val="tx2"/>
+                </a:solidFill>
+              </a:defRPr>
+            </a:lvl7pPr>
+            <a:lvl8pPr eaLnBrk="1" hangingPunct="1">
+              <a:defRPr>
+                <a:solidFill>
+                  <a:schemeClr val="tx2"/>
+                </a:solidFill>
+              </a:defRPr>
+            </a:lvl8pPr>
+            <a:lvl9pPr eaLnBrk="1" hangingPunct="1">
+              <a:defRPr>
+                <a:solidFill>
+                  <a:schemeClr val="tx2"/>
+                </a:solidFill>
+              </a:defRPr>
+            </a:lvl9pPr>
+          </a:lstStyle>
+          <a:p>
+            <a:r>
+              <a:rPr lang="en-CA" sz="2800" dirty="0">
+                <a:latin typeface="Tw Cen MT" panose="020B0602020104020603" pitchFamily="34" charset="0"/>
+              </a:rPr>
+              <a:t>HYPERPARAMETER TUNING</a:t>
+            </a:r>
+          </a:p>
+        </p:txBody>
+      </p:sp>
+      <p:sp>
+        <p:nvSpPr>
+          <p:cNvPr id="3" name="Content Placeholder 2">
+            <a:extLst>
+              <a:ext uri="{FF2B5EF4-FFF2-40B4-BE49-F238E27FC236}">
+                <a16:creationId xmlns:a16="http://schemas.microsoft.com/office/drawing/2014/main" id="{8BD9DEA0-8EFE-4198-8B10-519F51925130}"/>
+              </a:ext>
+            </a:extLst>
+          </p:cNvPr>
+          <p:cNvSpPr>
+            <a:spLocks noGrp="1"/>
+          </p:cNvSpPr>
+          <p:nvPr>
+            <p:ph idx="1"/>
+          </p:nvPr>
+        </p:nvSpPr>
+        <p:spPr>
+          <a:xfrm>
+            <a:off x="731743" y="5818189"/>
+            <a:ext cx="8596668" cy="3880773"/>
+          </a:xfrm>
+        </p:spPr>
+        <p:txBody>
+          <a:bodyPr/>
+          <a:lstStyle/>
+          <a:p>
+            <a:pPr marL="0" indent="0">
+              <a:buNone/>
+            </a:pPr>
+            <a:r>
+              <a:rPr lang="en-CA" dirty="0"/>
+              <a:t> </a:t>
+            </a:r>
+          </a:p>
+        </p:txBody>
+      </p:sp>
+    </p:spTree>
+    <p:extLst>
+      <p:ext uri="{BB962C8B-B14F-4D97-AF65-F5344CB8AC3E}">
+        <p14:creationId xmlns:p14="http://schemas.microsoft.com/office/powerpoint/2010/main" val="1611600827"/>
+      </p:ext>
+    </p:extLst>
+  </p:cSld>
+  <p:clrMapOvr>
+    <a:masterClrMapping/>
+  </p:clrMapOvr>
+</p:sld>
+</file>
+
+<file path=ppt/slides/slide56.xml><?xml version="1.0" encoding="utf-8"?>
+<p:sld xmlns:a="http://schemas.openxmlformats.org/drawingml/2006/main" xmlns:r="http://schemas.openxmlformats.org/officeDocument/2006/relationships" xmlns:p="http://schemas.openxmlformats.org/presentationml/2006/main">
+  <p:cSld>
+    <p:spTree>
+      <p:nvGrpSpPr>
+        <p:cNvPr id="1" name=""/>
+        <p:cNvGrpSpPr/>
+        <p:nvPr/>
+      </p:nvGrpSpPr>
+      <p:grpSpPr>
+        <a:xfrm>
+          <a:off x="0" y="0"/>
+          <a:ext cx="0" cy="0"/>
+          <a:chOff x="0" y="0"/>
+          <a:chExt cx="0" cy="0"/>
+        </a:xfrm>
+      </p:grpSpPr>
+      <p:pic>
+        <p:nvPicPr>
+          <p:cNvPr id="5" name="Picture 4">
+            <a:extLst>
+              <a:ext uri="{FF2B5EF4-FFF2-40B4-BE49-F238E27FC236}">
+                <a16:creationId xmlns:a16="http://schemas.microsoft.com/office/drawing/2014/main" id="{506193B0-D684-41FB-9EE5-3A2300775B91}"/>
+              </a:ext>
+            </a:extLst>
+          </p:cNvPr>
+          <p:cNvPicPr>
+            <a:picLocks noChangeAspect="1"/>
+          </p:cNvPicPr>
+          <p:nvPr/>
+        </p:nvPicPr>
+        <p:blipFill>
+          <a:blip r:embed="rId2">
+            <a:extLst>
+              <a:ext uri="{28A0092B-C50C-407E-A947-70E740481C1C}">
+                <a14:useLocalDpi xmlns:a14="http://schemas.microsoft.com/office/drawing/2010/main" val="0"/>
+              </a:ext>
+            </a:extLst>
+          </a:blip>
+          <a:stretch>
+            <a:fillRect/>
+          </a:stretch>
+        </p:blipFill>
+        <p:spPr>
+          <a:xfrm>
+            <a:off x="9534428" y="5901274"/>
+            <a:ext cx="2657572" cy="956726"/>
+          </a:xfrm>
+          <a:prstGeom prst="rect">
+            <a:avLst/>
+          </a:prstGeom>
+        </p:spPr>
+      </p:pic>
+      <p:sp>
+        <p:nvSpPr>
+          <p:cNvPr id="11" name="Slide Number Placeholder 10">
+            <a:extLst>
+              <a:ext uri="{FF2B5EF4-FFF2-40B4-BE49-F238E27FC236}">
+                <a16:creationId xmlns:a16="http://schemas.microsoft.com/office/drawing/2014/main" id="{B0EBD5A8-AFA0-4980-A10C-C82C105F75C8}"/>
+              </a:ext>
+            </a:extLst>
+          </p:cNvPr>
+          <p:cNvSpPr>
+            <a:spLocks noGrp="1"/>
+          </p:cNvSpPr>
+          <p:nvPr>
+            <p:ph type="sldNum" sz="quarter" idx="12"/>
+          </p:nvPr>
+        </p:nvSpPr>
+        <p:spPr/>
+        <p:txBody>
+          <a:bodyPr/>
+          <a:lstStyle/>
+          <a:p>
+            <a:fld id="{0540F40C-19D0-4AE1-B3AF-4A4F01D6E71D}" type="slidenum">
+              <a:rPr lang="en-CA" smtClean="0"/>
+              <a:pPr/>
+              <a:t>56</a:t>
+            </a:fld>
+            <a:endParaRPr lang="en-CA"/>
+          </a:p>
+        </p:txBody>
+      </p:sp>
+      <p:sp>
+        <p:nvSpPr>
+          <p:cNvPr id="4" name="Title 3">
+            <a:extLst>
+              <a:ext uri="{FF2B5EF4-FFF2-40B4-BE49-F238E27FC236}">
+                <a16:creationId xmlns:a16="http://schemas.microsoft.com/office/drawing/2014/main" id="{1CA02F4A-FB97-4CE6-BCBD-2C67DCB8F437}"/>
+              </a:ext>
+            </a:extLst>
+          </p:cNvPr>
+          <p:cNvSpPr>
+            <a:spLocks noGrp="1"/>
+          </p:cNvSpPr>
+          <p:nvPr>
+            <p:ph type="title"/>
+          </p:nvPr>
+        </p:nvSpPr>
+        <p:spPr/>
+        <p:txBody>
+          <a:bodyPr/>
+          <a:lstStyle/>
+          <a:p>
+            <a:r>
+              <a:rPr lang="en-CA" dirty="0"/>
+              <a:t> </a:t>
+            </a:r>
+          </a:p>
+        </p:txBody>
+      </p:sp>
+      <p:sp>
+        <p:nvSpPr>
+          <p:cNvPr id="8" name="Title 1">
+            <a:extLst>
+              <a:ext uri="{FF2B5EF4-FFF2-40B4-BE49-F238E27FC236}">
+                <a16:creationId xmlns:a16="http://schemas.microsoft.com/office/drawing/2014/main" id="{B1FCB866-BEC6-4EA4-A1F7-455F7D408984}"/>
+              </a:ext>
+            </a:extLst>
+          </p:cNvPr>
+          <p:cNvSpPr txBox="1">
+            <a:spLocks/>
+          </p:cNvSpPr>
+          <p:nvPr/>
+        </p:nvSpPr>
+        <p:spPr>
+          <a:xfrm>
+            <a:off x="174576" y="259133"/>
+            <a:ext cx="9711004" cy="568751"/>
+          </a:xfrm>
+          <a:prstGeom prst="rect">
+            <a:avLst/>
+          </a:prstGeom>
+        </p:spPr>
+        <p:txBody>
+          <a:bodyPr vert="horz" lIns="91440" tIns="45720" rIns="91440" bIns="45720" rtlCol="0" anchor="t">
+            <a:noAutofit/>
+          </a:bodyPr>
+          <a:lstStyle>
+            <a:lvl1pPr algn="l" defTabSz="457200" rtl="0" eaLnBrk="1" latinLnBrk="0" hangingPunct="1">
+              <a:spcBef>
+                <a:spcPct val="0"/>
+              </a:spcBef>
+              <a:buNone/>
+              <a:defRPr sz="3600" kern="1200">
+                <a:solidFill>
+                  <a:schemeClr val="accent1"/>
+                </a:solidFill>
+                <a:latin typeface="+mj-lt"/>
+                <a:ea typeface="+mj-ea"/>
+                <a:cs typeface="+mj-cs"/>
+              </a:defRPr>
+            </a:lvl1pPr>
+            <a:lvl2pPr eaLnBrk="1" hangingPunct="1">
+              <a:defRPr>
+                <a:solidFill>
+                  <a:schemeClr val="tx2"/>
+                </a:solidFill>
+              </a:defRPr>
+            </a:lvl2pPr>
+            <a:lvl3pPr eaLnBrk="1" hangingPunct="1">
+              <a:defRPr>
+                <a:solidFill>
+                  <a:schemeClr val="tx2"/>
+                </a:solidFill>
+              </a:defRPr>
+            </a:lvl3pPr>
+            <a:lvl4pPr eaLnBrk="1" hangingPunct="1">
+              <a:defRPr>
+                <a:solidFill>
+                  <a:schemeClr val="tx2"/>
+                </a:solidFill>
+              </a:defRPr>
+            </a:lvl4pPr>
+            <a:lvl5pPr eaLnBrk="1" hangingPunct="1">
+              <a:defRPr>
+                <a:solidFill>
+                  <a:schemeClr val="tx2"/>
+                </a:solidFill>
+              </a:defRPr>
+            </a:lvl5pPr>
+            <a:lvl6pPr eaLnBrk="1" hangingPunct="1">
+              <a:defRPr>
+                <a:solidFill>
+                  <a:schemeClr val="tx2"/>
+                </a:solidFill>
+              </a:defRPr>
+            </a:lvl6pPr>
+            <a:lvl7pPr eaLnBrk="1" hangingPunct="1">
+              <a:defRPr>
+                <a:solidFill>
+                  <a:schemeClr val="tx2"/>
+                </a:solidFill>
+              </a:defRPr>
+            </a:lvl7pPr>
+            <a:lvl8pPr eaLnBrk="1" hangingPunct="1">
+              <a:defRPr>
+                <a:solidFill>
+                  <a:schemeClr val="tx2"/>
+                </a:solidFill>
+              </a:defRPr>
+            </a:lvl8pPr>
+            <a:lvl9pPr eaLnBrk="1" hangingPunct="1">
+              <a:defRPr>
+                <a:solidFill>
+                  <a:schemeClr val="tx2"/>
+                </a:solidFill>
+              </a:defRPr>
+            </a:lvl9pPr>
+          </a:lstStyle>
+          <a:p>
+            <a:r>
+              <a:rPr lang="en-CA" sz="2800" dirty="0">
+                <a:latin typeface="Tw Cen MT" panose="020B0602020104020603" pitchFamily="34" charset="0"/>
+              </a:rPr>
+              <a:t>MODEL INTERPRETABILITY - LIME</a:t>
+            </a:r>
+          </a:p>
+        </p:txBody>
+      </p:sp>
+      <p:sp>
+        <p:nvSpPr>
+          <p:cNvPr id="3" name="Content Placeholder 2">
+            <a:extLst>
+              <a:ext uri="{FF2B5EF4-FFF2-40B4-BE49-F238E27FC236}">
+                <a16:creationId xmlns:a16="http://schemas.microsoft.com/office/drawing/2014/main" id="{8BD9DEA0-8EFE-4198-8B10-519F51925130}"/>
+              </a:ext>
+            </a:extLst>
+          </p:cNvPr>
+          <p:cNvSpPr>
+            <a:spLocks noGrp="1"/>
+          </p:cNvSpPr>
+          <p:nvPr>
+            <p:ph idx="1"/>
+          </p:nvPr>
+        </p:nvSpPr>
+        <p:spPr>
+          <a:xfrm>
+            <a:off x="731743" y="5818189"/>
+            <a:ext cx="8596668" cy="3880773"/>
+          </a:xfrm>
+        </p:spPr>
+        <p:txBody>
+          <a:bodyPr/>
+          <a:lstStyle/>
+          <a:p>
+            <a:pPr marL="0" indent="0">
+              <a:buNone/>
+            </a:pPr>
+            <a:r>
+              <a:rPr lang="en-CA" dirty="0"/>
+              <a:t> </a:t>
+            </a:r>
+          </a:p>
+        </p:txBody>
+      </p:sp>
+    </p:spTree>
+    <p:extLst>
+      <p:ext uri="{BB962C8B-B14F-4D97-AF65-F5344CB8AC3E}">
+        <p14:creationId xmlns:p14="http://schemas.microsoft.com/office/powerpoint/2010/main" val="3106275509"/>
+      </p:ext>
+    </p:extLst>
+  </p:cSld>
+  <p:clrMapOvr>
+    <a:masterClrMapping/>
+  </p:clrMapOvr>
+</p:sld>
+</file>
+
+<file path=ppt/slides/slide57.xml><?xml version="1.0" encoding="utf-8"?>
+<p:sld xmlns:a="http://schemas.openxmlformats.org/drawingml/2006/main" xmlns:r="http://schemas.openxmlformats.org/officeDocument/2006/relationships" xmlns:p="http://schemas.openxmlformats.org/presentationml/2006/main">
+  <p:cSld>
+    <p:spTree>
+      <p:nvGrpSpPr>
+        <p:cNvPr id="1" name=""/>
+        <p:cNvGrpSpPr/>
+        <p:nvPr/>
+      </p:nvGrpSpPr>
+      <p:grpSpPr>
+        <a:xfrm>
+          <a:off x="0" y="0"/>
+          <a:ext cx="0" cy="0"/>
+          <a:chOff x="0" y="0"/>
+          <a:chExt cx="0" cy="0"/>
+        </a:xfrm>
+      </p:grpSpPr>
+      <p:pic>
+        <p:nvPicPr>
+          <p:cNvPr id="5" name="Picture 4">
+            <a:extLst>
+              <a:ext uri="{FF2B5EF4-FFF2-40B4-BE49-F238E27FC236}">
+                <a16:creationId xmlns:a16="http://schemas.microsoft.com/office/drawing/2014/main" id="{506193B0-D684-41FB-9EE5-3A2300775B91}"/>
+              </a:ext>
+            </a:extLst>
+          </p:cNvPr>
+          <p:cNvPicPr>
+            <a:picLocks noChangeAspect="1"/>
+          </p:cNvPicPr>
+          <p:nvPr/>
+        </p:nvPicPr>
+        <p:blipFill>
+          <a:blip r:embed="rId2">
+            <a:extLst>
+              <a:ext uri="{28A0092B-C50C-407E-A947-70E740481C1C}">
+                <a14:useLocalDpi xmlns:a14="http://schemas.microsoft.com/office/drawing/2010/main" val="0"/>
+              </a:ext>
+            </a:extLst>
+          </a:blip>
+          <a:stretch>
+            <a:fillRect/>
+          </a:stretch>
+        </p:blipFill>
+        <p:spPr>
+          <a:xfrm>
+            <a:off x="9534428" y="5901274"/>
+            <a:ext cx="2657572" cy="956726"/>
+          </a:xfrm>
+          <a:prstGeom prst="rect">
+            <a:avLst/>
+          </a:prstGeom>
+        </p:spPr>
+      </p:pic>
+      <p:sp>
+        <p:nvSpPr>
+          <p:cNvPr id="11" name="Slide Number Placeholder 10">
+            <a:extLst>
+              <a:ext uri="{FF2B5EF4-FFF2-40B4-BE49-F238E27FC236}">
+                <a16:creationId xmlns:a16="http://schemas.microsoft.com/office/drawing/2014/main" id="{B0EBD5A8-AFA0-4980-A10C-C82C105F75C8}"/>
+              </a:ext>
+            </a:extLst>
+          </p:cNvPr>
+          <p:cNvSpPr>
+            <a:spLocks noGrp="1"/>
+          </p:cNvSpPr>
+          <p:nvPr>
+            <p:ph type="sldNum" sz="quarter" idx="12"/>
+          </p:nvPr>
+        </p:nvSpPr>
+        <p:spPr/>
+        <p:txBody>
+          <a:bodyPr/>
+          <a:lstStyle/>
+          <a:p>
+            <a:fld id="{0540F40C-19D0-4AE1-B3AF-4A4F01D6E71D}" type="slidenum">
+              <a:rPr lang="en-CA" smtClean="0"/>
+              <a:pPr/>
+              <a:t>57</a:t>
+            </a:fld>
+            <a:endParaRPr lang="en-CA"/>
+          </a:p>
+        </p:txBody>
+      </p:sp>
+      <p:sp>
+        <p:nvSpPr>
+          <p:cNvPr id="4" name="Title 3">
+            <a:extLst>
+              <a:ext uri="{FF2B5EF4-FFF2-40B4-BE49-F238E27FC236}">
+                <a16:creationId xmlns:a16="http://schemas.microsoft.com/office/drawing/2014/main" id="{1CA02F4A-FB97-4CE6-BCBD-2C67DCB8F437}"/>
+              </a:ext>
+            </a:extLst>
+          </p:cNvPr>
+          <p:cNvSpPr>
+            <a:spLocks noGrp="1"/>
+          </p:cNvSpPr>
+          <p:nvPr>
+            <p:ph type="title"/>
+          </p:nvPr>
+        </p:nvSpPr>
+        <p:spPr/>
+        <p:txBody>
+          <a:bodyPr/>
+          <a:lstStyle/>
+          <a:p>
+            <a:r>
+              <a:rPr lang="en-CA" dirty="0"/>
+              <a:t> </a:t>
+            </a:r>
+          </a:p>
+        </p:txBody>
+      </p:sp>
+      <p:sp>
+        <p:nvSpPr>
+          <p:cNvPr id="8" name="Title 1">
+            <a:extLst>
+              <a:ext uri="{FF2B5EF4-FFF2-40B4-BE49-F238E27FC236}">
+                <a16:creationId xmlns:a16="http://schemas.microsoft.com/office/drawing/2014/main" id="{B1FCB866-BEC6-4EA4-A1F7-455F7D408984}"/>
+              </a:ext>
+            </a:extLst>
+          </p:cNvPr>
+          <p:cNvSpPr txBox="1">
+            <a:spLocks/>
+          </p:cNvSpPr>
+          <p:nvPr/>
+        </p:nvSpPr>
+        <p:spPr>
+          <a:xfrm>
+            <a:off x="174576" y="259133"/>
+            <a:ext cx="9711004" cy="568751"/>
+          </a:xfrm>
+          <a:prstGeom prst="rect">
+            <a:avLst/>
+          </a:prstGeom>
+        </p:spPr>
+        <p:txBody>
+          <a:bodyPr vert="horz" lIns="91440" tIns="45720" rIns="91440" bIns="45720" rtlCol="0" anchor="t">
+            <a:noAutofit/>
+          </a:bodyPr>
+          <a:lstStyle>
+            <a:lvl1pPr algn="l" defTabSz="457200" rtl="0" eaLnBrk="1" latinLnBrk="0" hangingPunct="1">
+              <a:spcBef>
+                <a:spcPct val="0"/>
+              </a:spcBef>
+              <a:buNone/>
+              <a:defRPr sz="3600" kern="1200">
+                <a:solidFill>
+                  <a:schemeClr val="accent1"/>
+                </a:solidFill>
+                <a:latin typeface="+mj-lt"/>
+                <a:ea typeface="+mj-ea"/>
+                <a:cs typeface="+mj-cs"/>
+              </a:defRPr>
+            </a:lvl1pPr>
+            <a:lvl2pPr eaLnBrk="1" hangingPunct="1">
+              <a:defRPr>
+                <a:solidFill>
+                  <a:schemeClr val="tx2"/>
+                </a:solidFill>
+              </a:defRPr>
+            </a:lvl2pPr>
+            <a:lvl3pPr eaLnBrk="1" hangingPunct="1">
+              <a:defRPr>
+                <a:solidFill>
+                  <a:schemeClr val="tx2"/>
+                </a:solidFill>
+              </a:defRPr>
+            </a:lvl3pPr>
+            <a:lvl4pPr eaLnBrk="1" hangingPunct="1">
+              <a:defRPr>
+                <a:solidFill>
+                  <a:schemeClr val="tx2"/>
+                </a:solidFill>
+              </a:defRPr>
+            </a:lvl4pPr>
+            <a:lvl5pPr eaLnBrk="1" hangingPunct="1">
+              <a:defRPr>
+                <a:solidFill>
+                  <a:schemeClr val="tx2"/>
+                </a:solidFill>
+              </a:defRPr>
+            </a:lvl5pPr>
+            <a:lvl6pPr eaLnBrk="1" hangingPunct="1">
+              <a:defRPr>
+                <a:solidFill>
+                  <a:schemeClr val="tx2"/>
+                </a:solidFill>
+              </a:defRPr>
+            </a:lvl6pPr>
+            <a:lvl7pPr eaLnBrk="1" hangingPunct="1">
+              <a:defRPr>
+                <a:solidFill>
+                  <a:schemeClr val="tx2"/>
+                </a:solidFill>
+              </a:defRPr>
+            </a:lvl7pPr>
+            <a:lvl8pPr eaLnBrk="1" hangingPunct="1">
+              <a:defRPr>
+                <a:solidFill>
+                  <a:schemeClr val="tx2"/>
+                </a:solidFill>
+              </a:defRPr>
+            </a:lvl8pPr>
+            <a:lvl9pPr eaLnBrk="1" hangingPunct="1">
+              <a:defRPr>
+                <a:solidFill>
+                  <a:schemeClr val="tx2"/>
+                </a:solidFill>
+              </a:defRPr>
+            </a:lvl9pPr>
+          </a:lstStyle>
+          <a:p>
+            <a:r>
+              <a:rPr lang="en-CA" sz="2800" dirty="0">
+                <a:latin typeface="Tw Cen MT" panose="020B0602020104020603" pitchFamily="34" charset="0"/>
+              </a:rPr>
+              <a:t>RESULTS &amp; DISCUSSION</a:t>
+            </a:r>
+          </a:p>
+        </p:txBody>
+      </p:sp>
+      <p:sp>
+        <p:nvSpPr>
+          <p:cNvPr id="3" name="Content Placeholder 2">
+            <a:extLst>
+              <a:ext uri="{FF2B5EF4-FFF2-40B4-BE49-F238E27FC236}">
+                <a16:creationId xmlns:a16="http://schemas.microsoft.com/office/drawing/2014/main" id="{8BD9DEA0-8EFE-4198-8B10-519F51925130}"/>
+              </a:ext>
+            </a:extLst>
+          </p:cNvPr>
+          <p:cNvSpPr>
+            <a:spLocks noGrp="1"/>
+          </p:cNvSpPr>
+          <p:nvPr>
+            <p:ph idx="1"/>
+          </p:nvPr>
+        </p:nvSpPr>
+        <p:spPr>
+          <a:xfrm>
+            <a:off x="731743" y="5818189"/>
+            <a:ext cx="8596668" cy="3880773"/>
+          </a:xfrm>
+        </p:spPr>
+        <p:txBody>
+          <a:bodyPr/>
+          <a:lstStyle/>
+          <a:p>
+            <a:pPr marL="0" indent="0">
+              <a:buNone/>
+            </a:pPr>
+            <a:r>
+              <a:rPr lang="en-CA" dirty="0"/>
+              <a:t> </a:t>
+            </a:r>
+          </a:p>
+        </p:txBody>
+      </p:sp>
+    </p:spTree>
+    <p:extLst>
+      <p:ext uri="{BB962C8B-B14F-4D97-AF65-F5344CB8AC3E}">
+        <p14:creationId xmlns:p14="http://schemas.microsoft.com/office/powerpoint/2010/main" val="1082698953"/>
       </p:ext>
     </p:extLst>
   </p:cSld>

--- a/presentation/CSML-1010-Group 20-project final presentation.pptx
+++ b/presentation/CSML-1010-Group 20-project final presentation.pptx
@@ -47,11 +47,11 @@
     <p:sldId id="294" r:id="rId38"/>
     <p:sldId id="295" r:id="rId39"/>
     <p:sldId id="296" r:id="rId40"/>
-    <p:sldId id="297" r:id="rId41"/>
-    <p:sldId id="298" r:id="rId42"/>
-    <p:sldId id="299" r:id="rId43"/>
-    <p:sldId id="300" r:id="rId44"/>
-    <p:sldId id="301" r:id="rId45"/>
+    <p:sldId id="298" r:id="rId41"/>
+    <p:sldId id="299" r:id="rId42"/>
+    <p:sldId id="300" r:id="rId43"/>
+    <p:sldId id="301" r:id="rId44"/>
+    <p:sldId id="297" r:id="rId45"/>
     <p:sldId id="302" r:id="rId46"/>
     <p:sldId id="303" r:id="rId47"/>
     <p:sldId id="304" r:id="rId48"/>
@@ -60,7 +60,7 @@
     <p:sldId id="311" r:id="rId51"/>
     <p:sldId id="306" r:id="rId52"/>
     <p:sldId id="307" r:id="rId53"/>
-    <p:sldId id="308" r:id="rId54"/>
+    <p:sldId id="315" r:id="rId54"/>
     <p:sldId id="309" r:id="rId55"/>
     <p:sldId id="312" r:id="rId56"/>
     <p:sldId id="313" r:id="rId57"/>
@@ -20577,189 +20577,7 @@
 </file>
 
 <file path=ppt/slides/slide40.xml><?xml version="1.0" encoding="utf-8"?>
-<p:sld xmlns:a="http://schemas.openxmlformats.org/drawingml/2006/main" xmlns:r="http://schemas.openxmlformats.org/officeDocument/2006/relationships" xmlns:p="http://schemas.openxmlformats.org/presentationml/2006/main">
-  <p:cSld>
-    <p:spTree>
-      <p:nvGrpSpPr>
-        <p:cNvPr id="1" name=""/>
-        <p:cNvGrpSpPr/>
-        <p:nvPr/>
-      </p:nvGrpSpPr>
-      <p:grpSpPr>
-        <a:xfrm>
-          <a:off x="0" y="0"/>
-          <a:ext cx="0" cy="0"/>
-          <a:chOff x="0" y="0"/>
-          <a:chExt cx="0" cy="0"/>
-        </a:xfrm>
-      </p:grpSpPr>
-      <p:sp>
-        <p:nvSpPr>
-          <p:cNvPr id="2" name="Title 1">
-            <a:extLst>
-              <a:ext uri="{FF2B5EF4-FFF2-40B4-BE49-F238E27FC236}">
-                <a16:creationId xmlns:a16="http://schemas.microsoft.com/office/drawing/2014/main" id="{EA589DF6-D5DE-4CF4-8016-035CD759DB88}"/>
-              </a:ext>
-            </a:extLst>
-          </p:cNvPr>
-          <p:cNvSpPr>
-            <a:spLocks noGrp="1"/>
-          </p:cNvSpPr>
-          <p:nvPr>
-            <p:ph type="title"/>
-          </p:nvPr>
-        </p:nvSpPr>
-        <p:spPr>
-          <a:xfrm>
-            <a:off x="1959380" y="3144624"/>
-            <a:ext cx="7891630" cy="568751"/>
-          </a:xfrm>
-        </p:spPr>
-        <p:txBody>
-          <a:bodyPr>
-            <a:normAutofit fontScale="90000"/>
-          </a:bodyPr>
-          <a:lstStyle/>
-          <a:p>
-            <a:pPr algn="ctr"/>
-            <a:r>
-              <a:rPr lang="en-CA" dirty="0">
-                <a:latin typeface="Tw Cen MT" panose="020B0602020104020603" pitchFamily="34" charset="0"/>
-              </a:rPr>
-              <a:t>PROJECT MILESTONE 2 – 6</a:t>
-            </a:r>
-            <a:r>
-              <a:rPr lang="en-CA" baseline="30000" dirty="0">
-                <a:latin typeface="Tw Cen MT" panose="020B0602020104020603" pitchFamily="34" charset="0"/>
-              </a:rPr>
-              <a:t>th</a:t>
-            </a:r>
-            <a:r>
-              <a:rPr lang="en-CA" dirty="0">
-                <a:latin typeface="Tw Cen MT" panose="020B0602020104020603" pitchFamily="34" charset="0"/>
-              </a:rPr>
-              <a:t> May 2020</a:t>
-            </a:r>
-          </a:p>
-        </p:txBody>
-      </p:sp>
-      <p:pic>
-        <p:nvPicPr>
-          <p:cNvPr id="5" name="Picture 4">
-            <a:extLst>
-              <a:ext uri="{FF2B5EF4-FFF2-40B4-BE49-F238E27FC236}">
-                <a16:creationId xmlns:a16="http://schemas.microsoft.com/office/drawing/2014/main" id="{506193B0-D684-41FB-9EE5-3A2300775B91}"/>
-              </a:ext>
-            </a:extLst>
-          </p:cNvPr>
-          <p:cNvPicPr>
-            <a:picLocks noChangeAspect="1"/>
-          </p:cNvPicPr>
-          <p:nvPr/>
-        </p:nvPicPr>
-        <p:blipFill>
-          <a:blip r:embed="rId2">
-            <a:extLst>
-              <a:ext uri="{28A0092B-C50C-407E-A947-70E740481C1C}">
-                <a14:useLocalDpi xmlns:a14="http://schemas.microsoft.com/office/drawing/2010/main" val="0"/>
-              </a:ext>
-            </a:extLst>
-          </a:blip>
-          <a:stretch>
-            <a:fillRect/>
-          </a:stretch>
-        </p:blipFill>
-        <p:spPr>
-          <a:xfrm>
-            <a:off x="9534428" y="5901274"/>
-            <a:ext cx="2657572" cy="956726"/>
-          </a:xfrm>
-          <a:prstGeom prst="rect">
-            <a:avLst/>
-          </a:prstGeom>
-        </p:spPr>
-      </p:pic>
-      <p:sp>
-        <p:nvSpPr>
-          <p:cNvPr id="10" name="Content Placeholder 9">
-            <a:extLst>
-              <a:ext uri="{FF2B5EF4-FFF2-40B4-BE49-F238E27FC236}">
-                <a16:creationId xmlns:a16="http://schemas.microsoft.com/office/drawing/2014/main" id="{C2A1B61D-2375-4D1A-BA96-036226947825}"/>
-              </a:ext>
-            </a:extLst>
-          </p:cNvPr>
-          <p:cNvSpPr>
-            <a:spLocks noGrp="1"/>
-          </p:cNvSpPr>
-          <p:nvPr>
-            <p:ph idx="1"/>
-          </p:nvPr>
-        </p:nvSpPr>
-        <p:spPr>
-          <a:xfrm>
-            <a:off x="447147" y="3885693"/>
-            <a:ext cx="8596668" cy="3880773"/>
-          </a:xfrm>
-        </p:spPr>
-        <p:txBody>
-          <a:bodyPr/>
-          <a:lstStyle/>
-          <a:p>
-            <a:pPr marL="0" indent="0">
-              <a:buNone/>
-            </a:pPr>
-            <a:r>
-              <a:rPr lang="en-CA" dirty="0"/>
-              <a:t> </a:t>
-            </a:r>
-          </a:p>
-        </p:txBody>
-      </p:sp>
-      <p:sp>
-        <p:nvSpPr>
-          <p:cNvPr id="11" name="Slide Number Placeholder 10">
-            <a:extLst>
-              <a:ext uri="{FF2B5EF4-FFF2-40B4-BE49-F238E27FC236}">
-                <a16:creationId xmlns:a16="http://schemas.microsoft.com/office/drawing/2014/main" id="{B0EBD5A8-AFA0-4980-A10C-C82C105F75C8}"/>
-              </a:ext>
-            </a:extLst>
-          </p:cNvPr>
-          <p:cNvSpPr>
-            <a:spLocks noGrp="1"/>
-          </p:cNvSpPr>
-          <p:nvPr>
-            <p:ph type="sldNum" sz="quarter" idx="12"/>
-          </p:nvPr>
-        </p:nvSpPr>
-        <p:spPr/>
-        <p:txBody>
-          <a:bodyPr/>
-          <a:lstStyle/>
-          <a:p>
-            <a:fld id="{0540F40C-19D0-4AE1-B3AF-4A4F01D6E71D}" type="slidenum">
-              <a:rPr lang="en-CA" smtClean="0"/>
-              <a:pPr/>
-              <a:t>40</a:t>
-            </a:fld>
-            <a:endParaRPr lang="en-CA"/>
-          </a:p>
-        </p:txBody>
-      </p:sp>
-    </p:spTree>
-    <p:extLst>
-      <p:ext uri="{BB962C8B-B14F-4D97-AF65-F5344CB8AC3E}">
-        <p14:creationId xmlns:p14="http://schemas.microsoft.com/office/powerpoint/2010/main" val="2613143915"/>
-      </p:ext>
-    </p:extLst>
-  </p:cSld>
-  <p:clrMapOvr>
-    <a:masterClrMapping/>
-  </p:clrMapOvr>
-</p:sld>
-</file>
-
-<file path=ppt/slides/slide41.xml><?xml version="1.0" encoding="utf-8"?>
-<p:sld xmlns:a="http://schemas.openxmlformats.org/drawingml/2006/main" xmlns:r="http://schemas.openxmlformats.org/officeDocument/2006/relationships" xmlns:p="http://schemas.openxmlformats.org/presentationml/2006/main">
+<p:sld xmlns:a="http://schemas.openxmlformats.org/drawingml/2006/main" xmlns:r="http://schemas.openxmlformats.org/officeDocument/2006/relationships" xmlns:p="http://schemas.openxmlformats.org/presentationml/2006/main" show="0">
   <p:cSld>
     <p:spTree>
       <p:nvGrpSpPr>
@@ -20871,7 +20689,7 @@
             <a:fld id="{0540F40C-19D0-4AE1-B3AF-4A4F01D6E71D}" type="slidenum">
               <a:rPr lang="en-CA" smtClean="0"/>
               <a:pPr/>
-              <a:t>41</a:t>
+              <a:t>40</a:t>
             </a:fld>
             <a:endParaRPr lang="en-CA"/>
           </a:p>
@@ -21357,8 +21175,8 @@
 </p:sld>
 </file>
 
-<file path=ppt/slides/slide42.xml><?xml version="1.0" encoding="utf-8"?>
-<p:sld xmlns:a="http://schemas.openxmlformats.org/drawingml/2006/main" xmlns:r="http://schemas.openxmlformats.org/officeDocument/2006/relationships" xmlns:p="http://schemas.openxmlformats.org/presentationml/2006/main">
+<file path=ppt/slides/slide41.xml><?xml version="1.0" encoding="utf-8"?>
+<p:sld xmlns:a="http://schemas.openxmlformats.org/drawingml/2006/main" xmlns:r="http://schemas.openxmlformats.org/officeDocument/2006/relationships" xmlns:p="http://schemas.openxmlformats.org/presentationml/2006/main" show="0">
   <p:cSld>
     <p:spTree>
       <p:nvGrpSpPr>
@@ -21470,7 +21288,7 @@
             <a:fld id="{0540F40C-19D0-4AE1-B3AF-4A4F01D6E71D}" type="slidenum">
               <a:rPr lang="en-CA" smtClean="0"/>
               <a:pPr/>
-              <a:t>42</a:t>
+              <a:t>41</a:t>
             </a:fld>
             <a:endParaRPr lang="en-CA"/>
           </a:p>
@@ -21866,8 +21684,8 @@
 </p:sld>
 </file>
 
-<file path=ppt/slides/slide43.xml><?xml version="1.0" encoding="utf-8"?>
-<p:sld xmlns:a="http://schemas.openxmlformats.org/drawingml/2006/main" xmlns:r="http://schemas.openxmlformats.org/officeDocument/2006/relationships" xmlns:p="http://schemas.openxmlformats.org/presentationml/2006/main">
+<file path=ppt/slides/slide42.xml><?xml version="1.0" encoding="utf-8"?>
+<p:sld xmlns:a="http://schemas.openxmlformats.org/drawingml/2006/main" xmlns:r="http://schemas.openxmlformats.org/officeDocument/2006/relationships" xmlns:p="http://schemas.openxmlformats.org/presentationml/2006/main" show="0">
   <p:cSld>
     <p:spTree>
       <p:nvGrpSpPr>
@@ -21979,7 +21797,7 @@
             <a:fld id="{0540F40C-19D0-4AE1-B3AF-4A4F01D6E71D}" type="slidenum">
               <a:rPr lang="en-CA" smtClean="0"/>
               <a:pPr/>
-              <a:t>43</a:t>
+              <a:t>42</a:t>
             </a:fld>
             <a:endParaRPr lang="en-CA"/>
           </a:p>
@@ -22375,8 +22193,8 @@
 </p:sld>
 </file>
 
-<file path=ppt/slides/slide44.xml><?xml version="1.0" encoding="utf-8"?>
-<p:sld xmlns:a="http://schemas.openxmlformats.org/drawingml/2006/main" xmlns:r="http://schemas.openxmlformats.org/officeDocument/2006/relationships" xmlns:p="http://schemas.openxmlformats.org/presentationml/2006/main">
+<file path=ppt/slides/slide43.xml><?xml version="1.0" encoding="utf-8"?>
+<p:sld xmlns:a="http://schemas.openxmlformats.org/drawingml/2006/main" xmlns:r="http://schemas.openxmlformats.org/officeDocument/2006/relationships" xmlns:p="http://schemas.openxmlformats.org/presentationml/2006/main" show="0">
   <p:cSld>
     <p:spTree>
       <p:nvGrpSpPr>
@@ -22488,7 +22306,7 @@
             <a:fld id="{0540F40C-19D0-4AE1-B3AF-4A4F01D6E71D}" type="slidenum">
               <a:rPr lang="en-CA" smtClean="0"/>
               <a:pPr/>
-              <a:t>44</a:t>
+              <a:t>43</a:t>
             </a:fld>
             <a:endParaRPr lang="en-CA"/>
           </a:p>
@@ -22875,6 +22693,188 @@
     <p:extLst>
       <p:ext uri="{BB962C8B-B14F-4D97-AF65-F5344CB8AC3E}">
         <p14:creationId xmlns:p14="http://schemas.microsoft.com/office/powerpoint/2010/main" val="1339429151"/>
+      </p:ext>
+    </p:extLst>
+  </p:cSld>
+  <p:clrMapOvr>
+    <a:masterClrMapping/>
+  </p:clrMapOvr>
+</p:sld>
+</file>
+
+<file path=ppt/slides/slide44.xml><?xml version="1.0" encoding="utf-8"?>
+<p:sld xmlns:a="http://schemas.openxmlformats.org/drawingml/2006/main" xmlns:r="http://schemas.openxmlformats.org/officeDocument/2006/relationships" xmlns:p="http://schemas.openxmlformats.org/presentationml/2006/main">
+  <p:cSld>
+    <p:spTree>
+      <p:nvGrpSpPr>
+        <p:cNvPr id="1" name=""/>
+        <p:cNvGrpSpPr/>
+        <p:nvPr/>
+      </p:nvGrpSpPr>
+      <p:grpSpPr>
+        <a:xfrm>
+          <a:off x="0" y="0"/>
+          <a:ext cx="0" cy="0"/>
+          <a:chOff x="0" y="0"/>
+          <a:chExt cx="0" cy="0"/>
+        </a:xfrm>
+      </p:grpSpPr>
+      <p:sp>
+        <p:nvSpPr>
+          <p:cNvPr id="2" name="Title 1">
+            <a:extLst>
+              <a:ext uri="{FF2B5EF4-FFF2-40B4-BE49-F238E27FC236}">
+                <a16:creationId xmlns:a16="http://schemas.microsoft.com/office/drawing/2014/main" id="{EA589DF6-D5DE-4CF4-8016-035CD759DB88}"/>
+              </a:ext>
+            </a:extLst>
+          </p:cNvPr>
+          <p:cNvSpPr>
+            <a:spLocks noGrp="1"/>
+          </p:cNvSpPr>
+          <p:nvPr>
+            <p:ph type="title"/>
+          </p:nvPr>
+        </p:nvSpPr>
+        <p:spPr>
+          <a:xfrm>
+            <a:off x="1162902" y="3144624"/>
+            <a:ext cx="8596668" cy="568751"/>
+          </a:xfrm>
+        </p:spPr>
+        <p:txBody>
+          <a:bodyPr>
+            <a:normAutofit fontScale="90000"/>
+          </a:bodyPr>
+          <a:lstStyle/>
+          <a:p>
+            <a:pPr algn="ctr"/>
+            <a:r>
+              <a:rPr lang="en-CA" dirty="0">
+                <a:latin typeface="Tw Cen MT" panose="020B0602020104020603" pitchFamily="34" charset="0"/>
+              </a:rPr>
+              <a:t>FINAL PROJECT PRESENTATION – 22</a:t>
+            </a:r>
+            <a:r>
+              <a:rPr lang="en-CA" baseline="30000" dirty="0">
+                <a:latin typeface="Tw Cen MT" panose="020B0602020104020603" pitchFamily="34" charset="0"/>
+              </a:rPr>
+              <a:t>nd</a:t>
+            </a:r>
+            <a:r>
+              <a:rPr lang="en-CA" dirty="0">
+                <a:latin typeface="Tw Cen MT" panose="020B0602020104020603" pitchFamily="34" charset="0"/>
+              </a:rPr>
+              <a:t> May 2020</a:t>
+            </a:r>
+          </a:p>
+        </p:txBody>
+      </p:sp>
+      <p:pic>
+        <p:nvPicPr>
+          <p:cNvPr id="5" name="Picture 4">
+            <a:extLst>
+              <a:ext uri="{FF2B5EF4-FFF2-40B4-BE49-F238E27FC236}">
+                <a16:creationId xmlns:a16="http://schemas.microsoft.com/office/drawing/2014/main" id="{506193B0-D684-41FB-9EE5-3A2300775B91}"/>
+              </a:ext>
+            </a:extLst>
+          </p:cNvPr>
+          <p:cNvPicPr>
+            <a:picLocks noChangeAspect="1"/>
+          </p:cNvPicPr>
+          <p:nvPr/>
+        </p:nvPicPr>
+        <p:blipFill>
+          <a:blip r:embed="rId2">
+            <a:extLst>
+              <a:ext uri="{28A0092B-C50C-407E-A947-70E740481C1C}">
+                <a14:useLocalDpi xmlns:a14="http://schemas.microsoft.com/office/drawing/2010/main" val="0"/>
+              </a:ext>
+            </a:extLst>
+          </a:blip>
+          <a:stretch>
+            <a:fillRect/>
+          </a:stretch>
+        </p:blipFill>
+        <p:spPr>
+          <a:xfrm>
+            <a:off x="9534428" y="5901274"/>
+            <a:ext cx="2657572" cy="956726"/>
+          </a:xfrm>
+          <a:prstGeom prst="rect">
+            <a:avLst/>
+          </a:prstGeom>
+        </p:spPr>
+      </p:pic>
+      <p:sp>
+        <p:nvSpPr>
+          <p:cNvPr id="10" name="Content Placeholder 9">
+            <a:extLst>
+              <a:ext uri="{FF2B5EF4-FFF2-40B4-BE49-F238E27FC236}">
+                <a16:creationId xmlns:a16="http://schemas.microsoft.com/office/drawing/2014/main" id="{C2A1B61D-2375-4D1A-BA96-036226947825}"/>
+              </a:ext>
+            </a:extLst>
+          </p:cNvPr>
+          <p:cNvSpPr>
+            <a:spLocks noGrp="1"/>
+          </p:cNvSpPr>
+          <p:nvPr>
+            <p:ph idx="1"/>
+          </p:nvPr>
+        </p:nvSpPr>
+        <p:spPr>
+          <a:xfrm>
+            <a:off x="447147" y="3885693"/>
+            <a:ext cx="8596668" cy="3880773"/>
+          </a:xfrm>
+        </p:spPr>
+        <p:txBody>
+          <a:bodyPr/>
+          <a:lstStyle/>
+          <a:p>
+            <a:pPr marL="0" indent="0">
+              <a:buNone/>
+            </a:pPr>
+            <a:r>
+              <a:rPr lang="en-CA" dirty="0"/>
+              <a:t> </a:t>
+            </a:r>
+          </a:p>
+        </p:txBody>
+      </p:sp>
+      <p:sp>
+        <p:nvSpPr>
+          <p:cNvPr id="11" name="Slide Number Placeholder 10">
+            <a:extLst>
+              <a:ext uri="{FF2B5EF4-FFF2-40B4-BE49-F238E27FC236}">
+                <a16:creationId xmlns:a16="http://schemas.microsoft.com/office/drawing/2014/main" id="{B0EBD5A8-AFA0-4980-A10C-C82C105F75C8}"/>
+              </a:ext>
+            </a:extLst>
+          </p:cNvPr>
+          <p:cNvSpPr>
+            <a:spLocks noGrp="1"/>
+          </p:cNvSpPr>
+          <p:nvPr>
+            <p:ph type="sldNum" sz="quarter" idx="12"/>
+          </p:nvPr>
+        </p:nvSpPr>
+        <p:spPr/>
+        <p:txBody>
+          <a:bodyPr/>
+          <a:lstStyle/>
+          <a:p>
+            <a:fld id="{0540F40C-19D0-4AE1-B3AF-4A4F01D6E71D}" type="slidenum">
+              <a:rPr lang="en-CA" smtClean="0"/>
+              <a:pPr/>
+              <a:t>44</a:t>
+            </a:fld>
+            <a:endParaRPr lang="en-CA"/>
+          </a:p>
+        </p:txBody>
+      </p:sp>
+    </p:spTree>
+    <p:extLst>
+      <p:ext uri="{BB962C8B-B14F-4D97-AF65-F5344CB8AC3E}">
+        <p14:creationId xmlns:p14="http://schemas.microsoft.com/office/powerpoint/2010/main" val="2613143915"/>
       </p:ext>
     </p:extLst>
   </p:cSld>
@@ -26413,19 +26413,7 @@
               <a:rPr lang="en-CA" sz="2000" dirty="0">
                 <a:latin typeface="Tw Cen MT" panose="020B0602020104020603" pitchFamily="34" charset="0"/>
               </a:rPr>
-              <a:t>An </a:t>
-            </a:r>
-            <a:r>
-              <a:rPr lang="en-CA" sz="2000" dirty="0" err="1">
-                <a:latin typeface="Tw Cen MT" panose="020B0602020104020603" pitchFamily="34" charset="0"/>
-              </a:rPr>
-              <a:t>Adaboost</a:t>
-            </a:r>
-            <a:r>
-              <a:rPr lang="en-CA" sz="2000" dirty="0">
-                <a:latin typeface="Tw Cen MT" panose="020B0602020104020603" pitchFamily="34" charset="0"/>
-              </a:rPr>
-              <a:t> classifier was used for boosting in this iteration. </a:t>
+              <a:t>An Adaboost classifier was used for boosting in this iteration. </a:t>
             </a:r>
           </a:p>
           <a:p>
@@ -26742,10 +26730,10 @@
       </p:sp>
       <p:pic>
         <p:nvPicPr>
-          <p:cNvPr id="6" name="Picture 5">
-            <a:extLst>
-              <a:ext uri="{FF2B5EF4-FFF2-40B4-BE49-F238E27FC236}">
-                <a16:creationId xmlns:a16="http://schemas.microsoft.com/office/drawing/2014/main" id="{9C7ED1FC-2FA1-4E8B-9D4E-90E2099C8883}"/>
+          <p:cNvPr id="7" name="Picture 6">
+            <a:extLst>
+              <a:ext uri="{FF2B5EF4-FFF2-40B4-BE49-F238E27FC236}">
+                <a16:creationId xmlns:a16="http://schemas.microsoft.com/office/drawing/2014/main" id="{9ABA3047-7409-431B-AD69-3EF3E0B427E7}"/>
               </a:ext>
             </a:extLst>
           </p:cNvPr>
@@ -26768,20 +26756,231 @@
         </p:blipFill>
         <p:spPr>
           <a:xfrm>
-            <a:off x="7030" y="1760174"/>
-            <a:ext cx="5821935" cy="2880000"/>
+            <a:off x="5104563" y="1312864"/>
+            <a:ext cx="5000625" cy="4505325"/>
           </a:xfrm>
           <a:prstGeom prst="rect">
             <a:avLst/>
           </a:prstGeom>
         </p:spPr>
       </p:pic>
+      <p:grpSp>
+        <p:nvGrpSpPr>
+          <p:cNvPr id="28" name="Group 27">
+            <a:extLst>
+              <a:ext uri="{FF2B5EF4-FFF2-40B4-BE49-F238E27FC236}">
+                <a16:creationId xmlns:a16="http://schemas.microsoft.com/office/drawing/2014/main" id="{F4107917-4464-4E30-8AE9-384818E76022}"/>
+              </a:ext>
+            </a:extLst>
+          </p:cNvPr>
+          <p:cNvGrpSpPr/>
+          <p:nvPr/>
+        </p:nvGrpSpPr>
+        <p:grpSpPr>
+          <a:xfrm>
+            <a:off x="65756" y="1312864"/>
+            <a:ext cx="4666500" cy="4505324"/>
+            <a:chOff x="65756" y="1312864"/>
+            <a:chExt cx="5000625" cy="4505325"/>
+          </a:xfrm>
+        </p:grpSpPr>
+        <p:sp>
+          <p:nvSpPr>
+            <p:cNvPr id="24" name="TextBox 23">
+              <a:extLst>
+                <a:ext uri="{FF2B5EF4-FFF2-40B4-BE49-F238E27FC236}">
+                  <a16:creationId xmlns:a16="http://schemas.microsoft.com/office/drawing/2014/main" id="{46E9E901-A918-4599-8029-EF2849C7CE90}"/>
+                </a:ext>
+              </a:extLst>
+            </p:cNvPr>
+            <p:cNvSpPr txBox="1"/>
+            <p:nvPr/>
+          </p:nvSpPr>
+          <p:spPr>
+            <a:xfrm rot="18892864">
+              <a:off x="4108032" y="4506882"/>
+              <a:ext cx="864288" cy="276999"/>
+            </a:xfrm>
+            <a:prstGeom prst="rect">
+              <a:avLst/>
+            </a:prstGeom>
+            <a:noFill/>
+          </p:spPr>
+          <p:txBody>
+            <a:bodyPr wrap="square" rtlCol="0">
+              <a:spAutoFit/>
+            </a:bodyPr>
+            <a:lstStyle/>
+            <a:p>
+              <a:r>
+                <a:rPr lang="en-CA" sz="1200" dirty="0"/>
+                <a:t>Adaboost</a:t>
+              </a:r>
+            </a:p>
+          </p:txBody>
+        </p:sp>
+        <p:sp>
+          <p:nvSpPr>
+            <p:cNvPr id="17" name="TextBox 16">
+              <a:extLst>
+                <a:ext uri="{FF2B5EF4-FFF2-40B4-BE49-F238E27FC236}">
+                  <a16:creationId xmlns:a16="http://schemas.microsoft.com/office/drawing/2014/main" id="{2DBC87EB-3954-49D0-8CC5-D63347B74875}"/>
+                </a:ext>
+              </a:extLst>
+            </p:cNvPr>
+            <p:cNvSpPr txBox="1"/>
+            <p:nvPr/>
+          </p:nvSpPr>
+          <p:spPr>
+            <a:xfrm rot="18892864">
+              <a:off x="3665221" y="4455796"/>
+              <a:ext cx="720090" cy="276999"/>
+            </a:xfrm>
+            <a:prstGeom prst="rect">
+              <a:avLst/>
+            </a:prstGeom>
+            <a:noFill/>
+          </p:spPr>
+          <p:txBody>
+            <a:bodyPr wrap="square" rtlCol="0">
+              <a:spAutoFit/>
+            </a:bodyPr>
+            <a:lstStyle/>
+            <a:p>
+              <a:r>
+                <a:rPr lang="en-CA" sz="1200" dirty="0"/>
+                <a:t>Bagging</a:t>
+              </a:r>
+            </a:p>
+          </p:txBody>
+        </p:sp>
+        <p:pic>
+          <p:nvPicPr>
+            <p:cNvPr id="12" name="Picture 11">
+              <a:extLst>
+                <a:ext uri="{FF2B5EF4-FFF2-40B4-BE49-F238E27FC236}">
+                  <a16:creationId xmlns:a16="http://schemas.microsoft.com/office/drawing/2014/main" id="{04884C2D-7BC4-4FDF-A7F1-AF86BDF2066D}"/>
+                </a:ext>
+              </a:extLst>
+            </p:cNvPr>
+            <p:cNvPicPr>
+              <a:picLocks noChangeAspect="1"/>
+            </p:cNvPicPr>
+            <p:nvPr/>
+          </p:nvPicPr>
+          <p:blipFill>
+            <a:blip r:embed="rId4">
+              <a:extLst>
+                <a:ext uri="{28A0092B-C50C-407E-A947-70E740481C1C}">
+                  <a14:useLocalDpi xmlns:a14="http://schemas.microsoft.com/office/drawing/2010/main" val="0"/>
+                </a:ext>
+              </a:extLst>
+            </a:blip>
+            <a:stretch>
+              <a:fillRect/>
+            </a:stretch>
+          </p:blipFill>
+          <p:spPr>
+            <a:xfrm>
+              <a:off x="65756" y="1312864"/>
+              <a:ext cx="5000625" cy="4505325"/>
+            </a:xfrm>
+            <a:prstGeom prst="rect">
+              <a:avLst/>
+            </a:prstGeom>
+          </p:spPr>
+        </p:pic>
+        <p:cxnSp>
+          <p:nvCxnSpPr>
+            <p:cNvPr id="16" name="Straight Connector 15">
+              <a:extLst>
+                <a:ext uri="{FF2B5EF4-FFF2-40B4-BE49-F238E27FC236}">
+                  <a16:creationId xmlns:a16="http://schemas.microsoft.com/office/drawing/2014/main" id="{3C66FDA7-524E-470F-9028-8A2D83B1586D}"/>
+                </a:ext>
+              </a:extLst>
+            </p:cNvPr>
+            <p:cNvCxnSpPr/>
+            <p:nvPr/>
+          </p:nvCxnSpPr>
+          <p:spPr>
+            <a:xfrm>
+              <a:off x="4053840" y="4358640"/>
+              <a:ext cx="0" cy="28800"/>
+            </a:xfrm>
+            <a:prstGeom prst="line">
+              <a:avLst/>
+            </a:prstGeom>
+            <a:ln>
+              <a:solidFill>
+                <a:srgbClr val="262626"/>
+              </a:solidFill>
+            </a:ln>
+          </p:spPr>
+          <p:style>
+            <a:lnRef idx="1">
+              <a:schemeClr val="accent1"/>
+            </a:lnRef>
+            <a:fillRef idx="0">
+              <a:schemeClr val="accent1"/>
+            </a:fillRef>
+            <a:effectRef idx="0">
+              <a:schemeClr val="accent1"/>
+            </a:effectRef>
+            <a:fontRef idx="minor">
+              <a:schemeClr val="tx1"/>
+            </a:fontRef>
+          </p:style>
+        </p:cxnSp>
+        <p:cxnSp>
+          <p:nvCxnSpPr>
+            <p:cNvPr id="19" name="Straight Connector 18">
+              <a:extLst>
+                <a:ext uri="{FF2B5EF4-FFF2-40B4-BE49-F238E27FC236}">
+                  <a16:creationId xmlns:a16="http://schemas.microsoft.com/office/drawing/2014/main" id="{65AB591F-BC8F-4726-AA58-C733AAC9B49D}"/>
+                </a:ext>
+              </a:extLst>
+            </p:cNvPr>
+            <p:cNvCxnSpPr>
+              <a:cxnSpLocks/>
+            </p:cNvCxnSpPr>
+            <p:nvPr/>
+          </p:nvCxnSpPr>
+          <p:spPr>
+            <a:xfrm>
+              <a:off x="4615366" y="4358640"/>
+              <a:ext cx="0" cy="28800"/>
+            </a:xfrm>
+            <a:prstGeom prst="line">
+              <a:avLst/>
+            </a:prstGeom>
+            <a:ln>
+              <a:solidFill>
+                <a:srgbClr val="262626"/>
+              </a:solidFill>
+            </a:ln>
+          </p:spPr>
+          <p:style>
+            <a:lnRef idx="1">
+              <a:schemeClr val="accent1"/>
+            </a:lnRef>
+            <a:fillRef idx="0">
+              <a:schemeClr val="accent1"/>
+            </a:fillRef>
+            <a:effectRef idx="0">
+              <a:schemeClr val="accent1"/>
+            </a:effectRef>
+            <a:fontRef idx="minor">
+              <a:schemeClr val="tx1"/>
+            </a:fontRef>
+          </p:style>
+        </p:cxnSp>
+      </p:grpSp>
       <p:pic>
         <p:nvPicPr>
-          <p:cNvPr id="9" name="Picture 8">
-            <a:extLst>
-              <a:ext uri="{FF2B5EF4-FFF2-40B4-BE49-F238E27FC236}">
-                <a16:creationId xmlns:a16="http://schemas.microsoft.com/office/drawing/2014/main" id="{AB1E557D-4F03-4BB0-9972-6F89000FAEEE}"/>
+          <p:cNvPr id="27" name="Picture 26">
+            <a:extLst>
+              <a:ext uri="{FF2B5EF4-FFF2-40B4-BE49-F238E27FC236}">
+                <a16:creationId xmlns:a16="http://schemas.microsoft.com/office/drawing/2014/main" id="{82BA4F8C-E03B-402F-91ED-989690FEE1E3}"/>
               </a:ext>
             </a:extLst>
           </p:cNvPr>
@@ -26791,21 +26990,15 @@
           <p:nvPr/>
         </p:nvPicPr>
         <p:blipFill>
-          <a:blip r:embed="rId4">
-            <a:extLst>
-              <a:ext uri="{28A0092B-C50C-407E-A947-70E740481C1C}">
-                <a14:useLocalDpi xmlns:a14="http://schemas.microsoft.com/office/drawing/2010/main" val="0"/>
-              </a:ext>
-            </a:extLst>
-          </a:blip>
+          <a:blip r:embed="rId5"/>
           <a:stretch>
             <a:fillRect/>
           </a:stretch>
         </p:blipFill>
         <p:spPr>
           <a:xfrm>
-            <a:off x="6103030" y="1762763"/>
-            <a:ext cx="5760000" cy="2880000"/>
+            <a:off x="8750252" y="4352544"/>
+            <a:ext cx="1063052" cy="699662"/>
           </a:xfrm>
           <a:prstGeom prst="rect">
             <a:avLst/>
@@ -26844,10 +27037,10 @@
       </p:grpSpPr>
       <p:pic>
         <p:nvPicPr>
-          <p:cNvPr id="5" name="Picture 4">
-            <a:extLst>
-              <a:ext uri="{FF2B5EF4-FFF2-40B4-BE49-F238E27FC236}">
-                <a16:creationId xmlns:a16="http://schemas.microsoft.com/office/drawing/2014/main" id="{506193B0-D684-41FB-9EE5-3A2300775B91}"/>
+          <p:cNvPr id="14" name="Picture 13">
+            <a:extLst>
+              <a:ext uri="{FF2B5EF4-FFF2-40B4-BE49-F238E27FC236}">
+                <a16:creationId xmlns:a16="http://schemas.microsoft.com/office/drawing/2014/main" id="{2D0FE5DE-AAEB-4AB4-A55A-2B5F253F75E1}"/>
               </a:ext>
             </a:extLst>
           </p:cNvPr>
@@ -26858,6 +27051,42 @@
         </p:nvPicPr>
         <p:blipFill>
           <a:blip r:embed="rId2">
+            <a:extLst>
+              <a:ext uri="{28A0092B-C50C-407E-A947-70E740481C1C}">
+                <a14:useLocalDpi xmlns:a14="http://schemas.microsoft.com/office/drawing/2010/main" val="0"/>
+              </a:ext>
+            </a:extLst>
+          </a:blip>
+          <a:stretch>
+            <a:fillRect/>
+          </a:stretch>
+        </p:blipFill>
+        <p:spPr>
+          <a:xfrm>
+            <a:off x="5199732" y="1518376"/>
+            <a:ext cx="4801768" cy="4326164"/>
+          </a:xfrm>
+          <a:prstGeom prst="rect">
+            <a:avLst/>
+          </a:prstGeom>
+        </p:spPr>
+      </p:pic>
+      <p:pic>
+        <p:nvPicPr>
+          <p:cNvPr id="5" name="Picture 4">
+            <a:extLst>
+              <a:ext uri="{FF2B5EF4-FFF2-40B4-BE49-F238E27FC236}">
+                <a16:creationId xmlns:a16="http://schemas.microsoft.com/office/drawing/2014/main" id="{506193B0-D684-41FB-9EE5-3A2300775B91}"/>
+              </a:ext>
+            </a:extLst>
+          </p:cNvPr>
+          <p:cNvPicPr>
+            <a:picLocks noChangeAspect="1"/>
+          </p:cNvPicPr>
+          <p:nvPr/>
+        </p:nvPicPr>
+        <p:blipFill>
+          <a:blip r:embed="rId3">
             <a:extLst>
               <a:ext uri="{28A0092B-C50C-407E-A947-70E740481C1C}">
                 <a14:useLocalDpi xmlns:a14="http://schemas.microsoft.com/office/drawing/2010/main" val="0"/>
@@ -27045,48 +27274,12 @@
           </a:p>
         </p:txBody>
       </p:sp>
-      <p:sp>
-        <p:nvSpPr>
-          <p:cNvPr id="3" name="Content Placeholder 2">
-            <a:extLst>
-              <a:ext uri="{FF2B5EF4-FFF2-40B4-BE49-F238E27FC236}">
-                <a16:creationId xmlns:a16="http://schemas.microsoft.com/office/drawing/2014/main" id="{8BD9DEA0-8EFE-4198-8B10-519F51925130}"/>
-              </a:ext>
-            </a:extLst>
-          </p:cNvPr>
-          <p:cNvSpPr>
-            <a:spLocks noGrp="1"/>
-          </p:cNvSpPr>
-          <p:nvPr>
-            <p:ph idx="1"/>
-          </p:nvPr>
-        </p:nvSpPr>
-        <p:spPr>
-          <a:xfrm>
-            <a:off x="731743" y="5808762"/>
-            <a:ext cx="8596668" cy="3880773"/>
-          </a:xfrm>
-        </p:spPr>
-        <p:txBody>
-          <a:bodyPr/>
-          <a:lstStyle/>
-          <a:p>
-            <a:pPr marL="0" indent="0">
-              <a:buNone/>
-            </a:pPr>
-            <a:r>
-              <a:rPr lang="en-CA" dirty="0"/>
-              <a:t> </a:t>
-            </a:r>
-          </a:p>
-        </p:txBody>
-      </p:sp>
       <p:pic>
         <p:nvPicPr>
-          <p:cNvPr id="6" name="Picture 5">
-            <a:extLst>
-              <a:ext uri="{FF2B5EF4-FFF2-40B4-BE49-F238E27FC236}">
-                <a16:creationId xmlns:a16="http://schemas.microsoft.com/office/drawing/2014/main" id="{1F299FB4-E804-4656-9D4F-11AB99F31CB2}"/>
+          <p:cNvPr id="27" name="Picture 26">
+            <a:extLst>
+              <a:ext uri="{FF2B5EF4-FFF2-40B4-BE49-F238E27FC236}">
+                <a16:creationId xmlns:a16="http://schemas.microsoft.com/office/drawing/2014/main" id="{82BA4F8C-E03B-402F-91ED-989690FEE1E3}"/>
               </a:ext>
             </a:extLst>
           </p:cNvPr>
@@ -27096,21 +27289,15 @@
           <p:nvPr/>
         </p:nvPicPr>
         <p:blipFill>
-          <a:blip r:embed="rId3">
-            <a:extLst>
-              <a:ext uri="{28A0092B-C50C-407E-A947-70E740481C1C}">
-                <a14:useLocalDpi xmlns:a14="http://schemas.microsoft.com/office/drawing/2010/main" val="0"/>
-              </a:ext>
-            </a:extLst>
-          </a:blip>
+          <a:blip r:embed="rId4"/>
           <a:stretch>
             <a:fillRect/>
           </a:stretch>
         </p:blipFill>
         <p:spPr>
           <a:xfrm>
-            <a:off x="8381" y="1765743"/>
-            <a:ext cx="5821935" cy="2880000"/>
+            <a:off x="8747107" y="4434054"/>
+            <a:ext cx="1053790" cy="693566"/>
           </a:xfrm>
           <a:prstGeom prst="rect">
             <a:avLst/>
@@ -27119,10 +27306,10 @@
       </p:pic>
       <p:pic>
         <p:nvPicPr>
-          <p:cNvPr id="10" name="Picture 9">
-            <a:extLst>
-              <a:ext uri="{FF2B5EF4-FFF2-40B4-BE49-F238E27FC236}">
-                <a16:creationId xmlns:a16="http://schemas.microsoft.com/office/drawing/2014/main" id="{5151524D-EF80-4C47-91E9-70FDB2124457}"/>
+          <p:cNvPr id="6" name="Picture 5">
+            <a:extLst>
+              <a:ext uri="{FF2B5EF4-FFF2-40B4-BE49-F238E27FC236}">
+                <a16:creationId xmlns:a16="http://schemas.microsoft.com/office/drawing/2014/main" id="{7088E36F-E2E0-4071-AD85-6A8302FF4630}"/>
               </a:ext>
             </a:extLst>
           </p:cNvPr>
@@ -27132,7 +27319,7 @@
           <p:nvPr/>
         </p:nvPicPr>
         <p:blipFill>
-          <a:blip r:embed="rId4">
+          <a:blip r:embed="rId5">
             <a:extLst>
               <a:ext uri="{28A0092B-C50C-407E-A947-70E740481C1C}">
                 <a14:useLocalDpi xmlns:a14="http://schemas.microsoft.com/office/drawing/2010/main" val="0"/>
@@ -27145,18 +27332,76 @@
         </p:blipFill>
         <p:spPr>
           <a:xfrm>
-            <a:off x="6100549" y="1765743"/>
-            <a:ext cx="5760000" cy="2880000"/>
+            <a:off x="-5578" y="1500894"/>
+            <a:ext cx="4818197" cy="4267804"/>
           </a:xfrm>
           <a:prstGeom prst="rect">
             <a:avLst/>
           </a:prstGeom>
         </p:spPr>
       </p:pic>
+      <p:pic>
+        <p:nvPicPr>
+          <p:cNvPr id="18" name="Picture 17">
+            <a:extLst>
+              <a:ext uri="{FF2B5EF4-FFF2-40B4-BE49-F238E27FC236}">
+                <a16:creationId xmlns:a16="http://schemas.microsoft.com/office/drawing/2014/main" id="{09C82AC2-704D-440D-B4DB-709B4822729F}"/>
+              </a:ext>
+            </a:extLst>
+          </p:cNvPr>
+          <p:cNvPicPr>
+            <a:picLocks noChangeAspect="1"/>
+          </p:cNvPicPr>
+          <p:nvPr/>
+        </p:nvPicPr>
+        <p:blipFill>
+          <a:blip r:embed="rId4"/>
+          <a:stretch>
+            <a:fillRect/>
+          </a:stretch>
+        </p:blipFill>
+        <p:spPr>
+          <a:xfrm>
+            <a:off x="3619277" y="4381024"/>
+            <a:ext cx="1007008" cy="662776"/>
+          </a:xfrm>
+          <a:prstGeom prst="rect">
+            <a:avLst/>
+          </a:prstGeom>
+        </p:spPr>
+      </p:pic>
+      <p:sp>
+        <p:nvSpPr>
+          <p:cNvPr id="10" name="Content Placeholder 9">
+            <a:extLst>
+              <a:ext uri="{FF2B5EF4-FFF2-40B4-BE49-F238E27FC236}">
+                <a16:creationId xmlns:a16="http://schemas.microsoft.com/office/drawing/2014/main" id="{87B49071-8D45-45F6-96A6-5A8CDFE1C958}"/>
+              </a:ext>
+            </a:extLst>
+          </p:cNvPr>
+          <p:cNvSpPr>
+            <a:spLocks noGrp="1"/>
+          </p:cNvSpPr>
+          <p:nvPr>
+            <p:ph idx="1"/>
+          </p:nvPr>
+        </p:nvSpPr>
+        <p:spPr/>
+        <p:txBody>
+          <a:bodyPr/>
+          <a:lstStyle/>
+          <a:p>
+            <a:r>
+              <a:rPr lang="en-CA" dirty="0"/>
+              <a:t> </a:t>
+            </a:r>
+          </a:p>
+        </p:txBody>
+      </p:sp>
     </p:spTree>
     <p:extLst>
       <p:ext uri="{BB962C8B-B14F-4D97-AF65-F5344CB8AC3E}">
-        <p14:creationId xmlns:p14="http://schemas.microsoft.com/office/powerpoint/2010/main" val="2170744969"/>
+        <p14:creationId xmlns:p14="http://schemas.microsoft.com/office/powerpoint/2010/main" val="1094465562"/>
       </p:ext>
     </p:extLst>
   </p:cSld>
@@ -27422,42 +27667,6 @@
           </a:p>
         </p:txBody>
       </p:sp>
-      <p:pic>
-        <p:nvPicPr>
-          <p:cNvPr id="6" name="Picture 5">
-            <a:extLst>
-              <a:ext uri="{FF2B5EF4-FFF2-40B4-BE49-F238E27FC236}">
-                <a16:creationId xmlns:a16="http://schemas.microsoft.com/office/drawing/2014/main" id="{B1350752-AF0D-4C57-AD2C-CCD2C1B65414}"/>
-              </a:ext>
-            </a:extLst>
-          </p:cNvPr>
-          <p:cNvPicPr>
-            <a:picLocks noChangeAspect="1"/>
-          </p:cNvPicPr>
-          <p:nvPr/>
-        </p:nvPicPr>
-        <p:blipFill>
-          <a:blip r:embed="rId3">
-            <a:extLst>
-              <a:ext uri="{28A0092B-C50C-407E-A947-70E740481C1C}">
-                <a14:useLocalDpi xmlns:a14="http://schemas.microsoft.com/office/drawing/2010/main" val="0"/>
-              </a:ext>
-            </a:extLst>
-          </a:blip>
-          <a:stretch>
-            <a:fillRect/>
-          </a:stretch>
-        </p:blipFill>
-        <p:spPr>
-          <a:xfrm>
-            <a:off x="20320" y="1761858"/>
-            <a:ext cx="5790968" cy="2880000"/>
-          </a:xfrm>
-          <a:prstGeom prst="rect">
-            <a:avLst/>
-          </a:prstGeom>
-        </p:spPr>
-      </p:pic>
       <p:sp>
         <p:nvSpPr>
           <p:cNvPr id="10" name="Content Placeholder 2">
@@ -27758,6 +27967,72 @@
           </a:p>
         </p:txBody>
       </p:sp>
+      <p:pic>
+        <p:nvPicPr>
+          <p:cNvPr id="7" name="Picture 6">
+            <a:extLst>
+              <a:ext uri="{FF2B5EF4-FFF2-40B4-BE49-F238E27FC236}">
+                <a16:creationId xmlns:a16="http://schemas.microsoft.com/office/drawing/2014/main" id="{7BB38F1A-268D-4680-9C36-20F059489597}"/>
+              </a:ext>
+            </a:extLst>
+          </p:cNvPr>
+          <p:cNvPicPr>
+            <a:picLocks noChangeAspect="1"/>
+          </p:cNvPicPr>
+          <p:nvPr/>
+        </p:nvPicPr>
+        <p:blipFill>
+          <a:blip r:embed="rId3">
+            <a:extLst>
+              <a:ext uri="{28A0092B-C50C-407E-A947-70E740481C1C}">
+                <a14:useLocalDpi xmlns:a14="http://schemas.microsoft.com/office/drawing/2010/main" val="0"/>
+              </a:ext>
+            </a:extLst>
+          </a:blip>
+          <a:stretch>
+            <a:fillRect/>
+          </a:stretch>
+        </p:blipFill>
+        <p:spPr>
+          <a:xfrm>
+            <a:off x="447147" y="1343491"/>
+            <a:ext cx="4739924" cy="4230159"/>
+          </a:xfrm>
+          <a:prstGeom prst="rect">
+            <a:avLst/>
+          </a:prstGeom>
+        </p:spPr>
+      </p:pic>
+      <p:pic>
+        <p:nvPicPr>
+          <p:cNvPr id="12" name="Picture 11">
+            <a:extLst>
+              <a:ext uri="{FF2B5EF4-FFF2-40B4-BE49-F238E27FC236}">
+                <a16:creationId xmlns:a16="http://schemas.microsoft.com/office/drawing/2014/main" id="{FFCC5A4B-AEE5-4D29-8C92-131FFA2EB863}"/>
+              </a:ext>
+            </a:extLst>
+          </p:cNvPr>
+          <p:cNvPicPr>
+            <a:picLocks noChangeAspect="1"/>
+          </p:cNvPicPr>
+          <p:nvPr/>
+        </p:nvPicPr>
+        <p:blipFill>
+          <a:blip r:embed="rId4"/>
+          <a:stretch>
+            <a:fillRect/>
+          </a:stretch>
+        </p:blipFill>
+        <p:spPr>
+          <a:xfrm>
+            <a:off x="3948340" y="4198785"/>
+            <a:ext cx="1007008" cy="662776"/>
+          </a:xfrm>
+          <a:prstGeom prst="rect">
+            <a:avLst/>
+          </a:prstGeom>
+        </p:spPr>
+      </p:pic>
     </p:spTree>
     <p:extLst>
       <p:ext uri="{BB962C8B-B14F-4D97-AF65-F5344CB8AC3E}">
@@ -28027,6 +28302,868 @@
           </a:p>
         </p:txBody>
       </p:sp>
+      <p:grpSp>
+        <p:nvGrpSpPr>
+          <p:cNvPr id="12" name="Group 11">
+            <a:extLst>
+              <a:ext uri="{FF2B5EF4-FFF2-40B4-BE49-F238E27FC236}">
+                <a16:creationId xmlns:a16="http://schemas.microsoft.com/office/drawing/2014/main" id="{EB3837A3-ADB3-4B3E-817A-697BED261E8A}"/>
+              </a:ext>
+            </a:extLst>
+          </p:cNvPr>
+          <p:cNvGrpSpPr/>
+          <p:nvPr/>
+        </p:nvGrpSpPr>
+        <p:grpSpPr>
+          <a:xfrm>
+            <a:off x="283874" y="932590"/>
+            <a:ext cx="8778845" cy="5093094"/>
+            <a:chOff x="314354" y="1155306"/>
+            <a:chExt cx="8778845" cy="5093094"/>
+          </a:xfrm>
+        </p:grpSpPr>
+        <p:sp>
+          <p:nvSpPr>
+            <p:cNvPr id="7" name="Content Placeholder 2">
+              <a:extLst>
+                <a:ext uri="{FF2B5EF4-FFF2-40B4-BE49-F238E27FC236}">
+                  <a16:creationId xmlns:a16="http://schemas.microsoft.com/office/drawing/2014/main" id="{78F09225-5B67-4C19-BA7C-834B2D8315B1}"/>
+                </a:ext>
+              </a:extLst>
+            </p:cNvPr>
+            <p:cNvSpPr txBox="1">
+              <a:spLocks/>
+            </p:cNvSpPr>
+            <p:nvPr/>
+          </p:nvSpPr>
+          <p:spPr>
+            <a:xfrm>
+              <a:off x="314354" y="1155306"/>
+              <a:ext cx="8778845" cy="5093094"/>
+            </a:xfrm>
+            <a:prstGeom prst="rect">
+              <a:avLst/>
+            </a:prstGeom>
+          </p:spPr>
+          <p:txBody>
+            <a:bodyPr vert="horz" lIns="91440" tIns="45720" rIns="91440" bIns="45720" rtlCol="0">
+              <a:noAutofit/>
+            </a:bodyPr>
+            <a:lstStyle>
+              <a:lvl1pPr marL="342900" indent="-342900" algn="l" defTabSz="457200" rtl="0" eaLnBrk="1" latinLnBrk="0" hangingPunct="1">
+                <a:spcBef>
+                  <a:spcPts val="1000"/>
+                </a:spcBef>
+                <a:spcAft>
+                  <a:spcPts val="0"/>
+                </a:spcAft>
+                <a:buClr>
+                  <a:schemeClr val="accent1"/>
+                </a:buClr>
+                <a:buSzPct val="80000"/>
+                <a:buFont typeface="Wingdings 3" charset="2"/>
+                <a:buChar char=""/>
+                <a:defRPr sz="1800" kern="1200">
+                  <a:solidFill>
+                    <a:schemeClr val="tx1">
+                      <a:lumMod val="75000"/>
+                      <a:lumOff val="25000"/>
+                    </a:schemeClr>
+                  </a:solidFill>
+                  <a:latin typeface="+mn-lt"/>
+                  <a:ea typeface="+mn-ea"/>
+                  <a:cs typeface="+mn-cs"/>
+                </a:defRPr>
+              </a:lvl1pPr>
+              <a:lvl2pPr marL="742950" indent="-285750" algn="l" defTabSz="457200" rtl="0" eaLnBrk="1" latinLnBrk="0" hangingPunct="1">
+                <a:spcBef>
+                  <a:spcPts val="1000"/>
+                </a:spcBef>
+                <a:spcAft>
+                  <a:spcPts val="0"/>
+                </a:spcAft>
+                <a:buClr>
+                  <a:schemeClr val="accent1"/>
+                </a:buClr>
+                <a:buSzPct val="80000"/>
+                <a:buFont typeface="Wingdings 3" charset="2"/>
+                <a:buChar char=""/>
+                <a:defRPr sz="1600" kern="1200">
+                  <a:solidFill>
+                    <a:schemeClr val="tx1">
+                      <a:lumMod val="75000"/>
+                      <a:lumOff val="25000"/>
+                    </a:schemeClr>
+                  </a:solidFill>
+                  <a:latin typeface="+mn-lt"/>
+                  <a:ea typeface="+mn-ea"/>
+                  <a:cs typeface="+mn-cs"/>
+                </a:defRPr>
+              </a:lvl2pPr>
+              <a:lvl3pPr marL="1143000" indent="-228600" algn="l" defTabSz="457200" rtl="0" eaLnBrk="1" latinLnBrk="0" hangingPunct="1">
+                <a:spcBef>
+                  <a:spcPts val="1000"/>
+                </a:spcBef>
+                <a:spcAft>
+                  <a:spcPts val="0"/>
+                </a:spcAft>
+                <a:buClr>
+                  <a:schemeClr val="accent1"/>
+                </a:buClr>
+                <a:buSzPct val="80000"/>
+                <a:buFont typeface="Wingdings 3" charset="2"/>
+                <a:buChar char=""/>
+                <a:defRPr sz="1400" kern="1200">
+                  <a:solidFill>
+                    <a:schemeClr val="tx1">
+                      <a:lumMod val="75000"/>
+                      <a:lumOff val="25000"/>
+                    </a:schemeClr>
+                  </a:solidFill>
+                  <a:latin typeface="+mn-lt"/>
+                  <a:ea typeface="+mn-ea"/>
+                  <a:cs typeface="+mn-cs"/>
+                </a:defRPr>
+              </a:lvl3pPr>
+              <a:lvl4pPr marL="1600200" indent="-228600" algn="l" defTabSz="457200" rtl="0" eaLnBrk="1" latinLnBrk="0" hangingPunct="1">
+                <a:spcBef>
+                  <a:spcPts val="1000"/>
+                </a:spcBef>
+                <a:spcAft>
+                  <a:spcPts val="0"/>
+                </a:spcAft>
+                <a:buClr>
+                  <a:schemeClr val="accent1"/>
+                </a:buClr>
+                <a:buSzPct val="80000"/>
+                <a:buFont typeface="Wingdings 3" charset="2"/>
+                <a:buChar char=""/>
+                <a:defRPr sz="1200" kern="1200">
+                  <a:solidFill>
+                    <a:schemeClr val="tx1">
+                      <a:lumMod val="75000"/>
+                      <a:lumOff val="25000"/>
+                    </a:schemeClr>
+                  </a:solidFill>
+                  <a:latin typeface="+mn-lt"/>
+                  <a:ea typeface="+mn-ea"/>
+                  <a:cs typeface="+mn-cs"/>
+                </a:defRPr>
+              </a:lvl4pPr>
+              <a:lvl5pPr marL="2057400" indent="-228600" algn="l" defTabSz="457200" rtl="0" eaLnBrk="1" latinLnBrk="0" hangingPunct="1">
+                <a:spcBef>
+                  <a:spcPts val="1000"/>
+                </a:spcBef>
+                <a:spcAft>
+                  <a:spcPts val="0"/>
+                </a:spcAft>
+                <a:buClr>
+                  <a:schemeClr val="accent1"/>
+                </a:buClr>
+                <a:buSzPct val="80000"/>
+                <a:buFont typeface="Wingdings 3" charset="2"/>
+                <a:buChar char=""/>
+                <a:defRPr sz="1200" kern="1200">
+                  <a:solidFill>
+                    <a:schemeClr val="tx1">
+                      <a:lumMod val="75000"/>
+                      <a:lumOff val="25000"/>
+                    </a:schemeClr>
+                  </a:solidFill>
+                  <a:latin typeface="+mn-lt"/>
+                  <a:ea typeface="+mn-ea"/>
+                  <a:cs typeface="+mn-cs"/>
+                </a:defRPr>
+              </a:lvl5pPr>
+              <a:lvl6pPr marL="2514600" indent="-228600" algn="l" defTabSz="457200" rtl="0" eaLnBrk="1" latinLnBrk="0" hangingPunct="1">
+                <a:spcBef>
+                  <a:spcPts val="1000"/>
+                </a:spcBef>
+                <a:spcAft>
+                  <a:spcPts val="0"/>
+                </a:spcAft>
+                <a:buClr>
+                  <a:schemeClr val="accent1"/>
+                </a:buClr>
+                <a:buSzPct val="80000"/>
+                <a:buFont typeface="Wingdings 3" charset="2"/>
+                <a:buChar char=""/>
+                <a:defRPr sz="1200" kern="1200">
+                  <a:solidFill>
+                    <a:schemeClr val="tx1">
+                      <a:lumMod val="75000"/>
+                      <a:lumOff val="25000"/>
+                    </a:schemeClr>
+                  </a:solidFill>
+                  <a:latin typeface="+mn-lt"/>
+                  <a:ea typeface="+mn-ea"/>
+                  <a:cs typeface="+mn-cs"/>
+                </a:defRPr>
+              </a:lvl6pPr>
+              <a:lvl7pPr marL="2971800" indent="-228600" algn="l" defTabSz="457200" rtl="0" eaLnBrk="1" latinLnBrk="0" hangingPunct="1">
+                <a:spcBef>
+                  <a:spcPts val="1000"/>
+                </a:spcBef>
+                <a:spcAft>
+                  <a:spcPts val="0"/>
+                </a:spcAft>
+                <a:buClr>
+                  <a:schemeClr val="accent1"/>
+                </a:buClr>
+                <a:buSzPct val="80000"/>
+                <a:buFont typeface="Wingdings 3" charset="2"/>
+                <a:buChar char=""/>
+                <a:defRPr sz="1200" kern="1200">
+                  <a:solidFill>
+                    <a:schemeClr val="tx1">
+                      <a:lumMod val="75000"/>
+                      <a:lumOff val="25000"/>
+                    </a:schemeClr>
+                  </a:solidFill>
+                  <a:latin typeface="+mn-lt"/>
+                  <a:ea typeface="+mn-ea"/>
+                  <a:cs typeface="+mn-cs"/>
+                </a:defRPr>
+              </a:lvl7pPr>
+              <a:lvl8pPr marL="3429000" indent="-228600" algn="l" defTabSz="457200" rtl="0" eaLnBrk="1" latinLnBrk="0" hangingPunct="1">
+                <a:spcBef>
+                  <a:spcPts val="1000"/>
+                </a:spcBef>
+                <a:spcAft>
+                  <a:spcPts val="0"/>
+                </a:spcAft>
+                <a:buClr>
+                  <a:schemeClr val="accent1"/>
+                </a:buClr>
+                <a:buSzPct val="80000"/>
+                <a:buFont typeface="Wingdings 3" charset="2"/>
+                <a:buChar char=""/>
+                <a:defRPr sz="1200" kern="1200">
+                  <a:solidFill>
+                    <a:schemeClr val="tx1">
+                      <a:lumMod val="75000"/>
+                      <a:lumOff val="25000"/>
+                    </a:schemeClr>
+                  </a:solidFill>
+                  <a:latin typeface="+mn-lt"/>
+                  <a:ea typeface="+mn-ea"/>
+                  <a:cs typeface="+mn-cs"/>
+                </a:defRPr>
+              </a:lvl8pPr>
+              <a:lvl9pPr marL="3886200" indent="-228600" algn="l" defTabSz="457200" rtl="0" eaLnBrk="1" latinLnBrk="0" hangingPunct="1">
+                <a:spcBef>
+                  <a:spcPts val="1000"/>
+                </a:spcBef>
+                <a:spcAft>
+                  <a:spcPts val="0"/>
+                </a:spcAft>
+                <a:buClr>
+                  <a:schemeClr val="accent1"/>
+                </a:buClr>
+                <a:buSzPct val="80000"/>
+                <a:buFont typeface="Wingdings 3" charset="2"/>
+                <a:buChar char=""/>
+                <a:defRPr sz="1200" kern="1200">
+                  <a:solidFill>
+                    <a:schemeClr val="tx1">
+                      <a:lumMod val="75000"/>
+                      <a:lumOff val="25000"/>
+                    </a:schemeClr>
+                  </a:solidFill>
+                  <a:latin typeface="+mn-lt"/>
+                  <a:ea typeface="+mn-ea"/>
+                  <a:cs typeface="+mn-cs"/>
+                </a:defRPr>
+              </a:lvl9pPr>
+            </a:lstStyle>
+            <a:p>
+              <a:r>
+                <a:rPr lang="en-CA" sz="1600" dirty="0">
+                  <a:latin typeface="Tw Cen MT" panose="020B0602020104020603" pitchFamily="34" charset="0"/>
+                </a:rPr>
+                <a:t>We performed hyperparameter tuning with Grid Search</a:t>
+              </a:r>
+            </a:p>
+            <a:p>
+              <a:endParaRPr lang="en-CA" sz="1600" dirty="0">
+                <a:latin typeface="Tw Cen MT" panose="020B0602020104020603" pitchFamily="34" charset="0"/>
+              </a:endParaRPr>
+            </a:p>
+            <a:p>
+              <a:r>
+                <a:rPr lang="en-CA" sz="1600" dirty="0">
+                  <a:latin typeface="Tw Cen MT" panose="020B0602020104020603" pitchFamily="34" charset="0"/>
+                </a:rPr>
+                <a:t>For Gaussian Naïve Bayes, ‘</a:t>
+              </a:r>
+              <a:r>
+                <a:rPr lang="en-CA" sz="1600" dirty="0" err="1">
+                  <a:latin typeface="Tw Cen MT" panose="020B0602020104020603" pitchFamily="34" charset="0"/>
+                </a:rPr>
+                <a:t>var_smoothing</a:t>
+              </a:r>
+              <a:r>
+                <a:rPr lang="en-CA" sz="1600" dirty="0">
+                  <a:latin typeface="Tw Cen MT" panose="020B0602020104020603" pitchFamily="34" charset="0"/>
+                </a:rPr>
+                <a:t>’ parameter was tuned</a:t>
+              </a:r>
+            </a:p>
+            <a:p>
+              <a:endParaRPr lang="en-CA" sz="1600" dirty="0">
+                <a:latin typeface="Tw Cen MT" panose="020B0602020104020603" pitchFamily="34" charset="0"/>
+              </a:endParaRPr>
+            </a:p>
+            <a:p>
+              <a:endParaRPr lang="en-CA" sz="1600" dirty="0">
+                <a:latin typeface="Tw Cen MT" panose="020B0602020104020603" pitchFamily="34" charset="0"/>
+              </a:endParaRPr>
+            </a:p>
+            <a:p>
+              <a:r>
+                <a:rPr lang="en-CA" sz="1600" dirty="0">
+                  <a:latin typeface="Tw Cen MT" panose="020B0602020104020603" pitchFamily="34" charset="0"/>
+                </a:rPr>
+                <a:t>For Logistic Regression, ‘penalty’, ‘C’, ‘Solver’ hyperparameters were tuned</a:t>
+              </a:r>
+            </a:p>
+            <a:p>
+              <a:endParaRPr lang="en-CA" sz="1600" dirty="0">
+                <a:latin typeface="Tw Cen MT" panose="020B0602020104020603" pitchFamily="34" charset="0"/>
+              </a:endParaRPr>
+            </a:p>
+            <a:p>
+              <a:endParaRPr lang="en-CA" sz="1600" dirty="0">
+                <a:latin typeface="Tw Cen MT" panose="020B0602020104020603" pitchFamily="34" charset="0"/>
+              </a:endParaRPr>
+            </a:p>
+            <a:p>
+              <a:r>
+                <a:rPr lang="en-CA" sz="1600" dirty="0">
+                  <a:latin typeface="Tw Cen MT" panose="020B0602020104020603" pitchFamily="34" charset="0"/>
+                </a:rPr>
+                <a:t>For SVM, estimator penalty, tolerance, loss &amp; C parameters were tuned</a:t>
+              </a:r>
+            </a:p>
+            <a:p>
+              <a:endParaRPr lang="en-CA" sz="1600" dirty="0">
+                <a:latin typeface="Tw Cen MT" panose="020B0602020104020603" pitchFamily="34" charset="0"/>
+              </a:endParaRPr>
+            </a:p>
+            <a:p>
+              <a:endParaRPr lang="en-CA" sz="1600" dirty="0">
+                <a:latin typeface="Tw Cen MT" panose="020B0602020104020603" pitchFamily="34" charset="0"/>
+              </a:endParaRPr>
+            </a:p>
+            <a:p>
+              <a:r>
+                <a:rPr lang="en-CA" sz="1600" dirty="0">
+                  <a:latin typeface="Tw Cen MT" panose="020B0602020104020603" pitchFamily="34" charset="0"/>
+                </a:rPr>
+                <a:t>For Decision trees, ‘splitter’, ‘</a:t>
+              </a:r>
+              <a:r>
+                <a:rPr lang="en-CA" sz="1600" dirty="0" err="1">
+                  <a:latin typeface="Tw Cen MT" panose="020B0602020104020603" pitchFamily="34" charset="0"/>
+                </a:rPr>
+                <a:t>min_samples_split</a:t>
+              </a:r>
+              <a:r>
+                <a:rPr lang="en-CA" sz="1600" dirty="0">
+                  <a:latin typeface="Tw Cen MT" panose="020B0602020104020603" pitchFamily="34" charset="0"/>
+                </a:rPr>
+                <a:t>’ were tuned</a:t>
+              </a:r>
+            </a:p>
+            <a:p>
+              <a:pPr marL="0" indent="0">
+                <a:buNone/>
+              </a:pPr>
+              <a:endParaRPr lang="en-CA" sz="1600" dirty="0">
+                <a:latin typeface="Tw Cen MT" panose="020B0602020104020603" pitchFamily="34" charset="0"/>
+              </a:endParaRPr>
+            </a:p>
+            <a:p>
+              <a:endParaRPr lang="en-CA" sz="1600" dirty="0">
+                <a:latin typeface="Tw Cen MT" panose="020B0602020104020603" pitchFamily="34" charset="0"/>
+              </a:endParaRPr>
+            </a:p>
+            <a:p>
+              <a:endParaRPr lang="en-CA" sz="1600" dirty="0">
+                <a:latin typeface="Tw Cen MT" panose="020B0602020104020603" pitchFamily="34" charset="0"/>
+              </a:endParaRPr>
+            </a:p>
+            <a:p>
+              <a:endParaRPr lang="en-CA" sz="1600" dirty="0">
+                <a:latin typeface="Tw Cen MT" panose="020B0602020104020603" pitchFamily="34" charset="0"/>
+              </a:endParaRPr>
+            </a:p>
+            <a:p>
+              <a:endParaRPr lang="en-CA" sz="1600" dirty="0">
+                <a:latin typeface="Tw Cen MT" panose="020B0602020104020603" pitchFamily="34" charset="0"/>
+              </a:endParaRPr>
+            </a:p>
+            <a:p>
+              <a:endParaRPr lang="en-CA" sz="1600" dirty="0">
+                <a:latin typeface="Tw Cen MT" panose="020B0602020104020603" pitchFamily="34" charset="0"/>
+              </a:endParaRPr>
+            </a:p>
+            <a:p>
+              <a:endParaRPr lang="en-CA" sz="1600" dirty="0">
+                <a:latin typeface="Tw Cen MT" panose="020B0602020104020603" pitchFamily="34" charset="0"/>
+              </a:endParaRPr>
+            </a:p>
+            <a:p>
+              <a:endParaRPr lang="en-CA" sz="1600" dirty="0">
+                <a:latin typeface="Tw Cen MT" panose="020B0602020104020603" pitchFamily="34" charset="0"/>
+              </a:endParaRPr>
+            </a:p>
+            <a:p>
+              <a:endParaRPr lang="en-CA" sz="1600" dirty="0">
+                <a:latin typeface="Tw Cen MT" panose="020B0602020104020603" pitchFamily="34" charset="0"/>
+              </a:endParaRPr>
+            </a:p>
+            <a:p>
+              <a:endParaRPr lang="en-CA" sz="1600" dirty="0">
+                <a:latin typeface="Tw Cen MT" panose="020B0602020104020603" pitchFamily="34" charset="0"/>
+              </a:endParaRPr>
+            </a:p>
+            <a:p>
+              <a:endParaRPr lang="en-CA" sz="1600" dirty="0">
+                <a:latin typeface="Tw Cen MT" panose="020B0602020104020603" pitchFamily="34" charset="0"/>
+              </a:endParaRPr>
+            </a:p>
+          </p:txBody>
+        </p:sp>
+        <p:pic>
+          <p:nvPicPr>
+            <p:cNvPr id="2" name="Picture 1">
+              <a:extLst>
+                <a:ext uri="{FF2B5EF4-FFF2-40B4-BE49-F238E27FC236}">
+                  <a16:creationId xmlns:a16="http://schemas.microsoft.com/office/drawing/2014/main" id="{66192282-5583-41AD-BD61-4B8D5AFE1770}"/>
+                </a:ext>
+              </a:extLst>
+            </p:cNvPr>
+            <p:cNvPicPr>
+              <a:picLocks noChangeAspect="1"/>
+            </p:cNvPicPr>
+            <p:nvPr/>
+          </p:nvPicPr>
+          <p:blipFill>
+            <a:blip r:embed="rId3"/>
+            <a:stretch>
+              <a:fillRect/>
+            </a:stretch>
+          </p:blipFill>
+          <p:spPr>
+            <a:xfrm>
+              <a:off x="932327" y="3324480"/>
+              <a:ext cx="5305913" cy="701552"/>
+            </a:xfrm>
+            <a:prstGeom prst="rect">
+              <a:avLst/>
+            </a:prstGeom>
+          </p:spPr>
+        </p:pic>
+        <p:pic>
+          <p:nvPicPr>
+            <p:cNvPr id="6" name="Picture 5">
+              <a:extLst>
+                <a:ext uri="{FF2B5EF4-FFF2-40B4-BE49-F238E27FC236}">
+                  <a16:creationId xmlns:a16="http://schemas.microsoft.com/office/drawing/2014/main" id="{015CD040-8858-4ACF-9612-BA846EFE1099}"/>
+                </a:ext>
+              </a:extLst>
+            </p:cNvPr>
+            <p:cNvPicPr>
+              <a:picLocks noChangeAspect="1"/>
+            </p:cNvPicPr>
+            <p:nvPr/>
+          </p:nvPicPr>
+          <p:blipFill>
+            <a:blip r:embed="rId4"/>
+            <a:stretch>
+              <a:fillRect/>
+            </a:stretch>
+          </p:blipFill>
+          <p:spPr>
+            <a:xfrm>
+              <a:off x="932327" y="4471833"/>
+              <a:ext cx="5600553" cy="658463"/>
+            </a:xfrm>
+            <a:prstGeom prst="rect">
+              <a:avLst/>
+            </a:prstGeom>
+          </p:spPr>
+        </p:pic>
+        <p:pic>
+          <p:nvPicPr>
+            <p:cNvPr id="9" name="Picture 8">
+              <a:extLst>
+                <a:ext uri="{FF2B5EF4-FFF2-40B4-BE49-F238E27FC236}">
+                  <a16:creationId xmlns:a16="http://schemas.microsoft.com/office/drawing/2014/main" id="{D77417DB-9461-43BF-8964-F9D0C1FBD207}"/>
+                </a:ext>
+              </a:extLst>
+            </p:cNvPr>
+            <p:cNvPicPr>
+              <a:picLocks noChangeAspect="1"/>
+            </p:cNvPicPr>
+            <p:nvPr/>
+          </p:nvPicPr>
+          <p:blipFill>
+            <a:blip r:embed="rId5"/>
+            <a:stretch>
+              <a:fillRect/>
+            </a:stretch>
+          </p:blipFill>
+          <p:spPr>
+            <a:xfrm>
+              <a:off x="932327" y="5576097"/>
+              <a:ext cx="5708954" cy="584206"/>
+            </a:xfrm>
+            <a:prstGeom prst="rect">
+              <a:avLst/>
+            </a:prstGeom>
+          </p:spPr>
+        </p:pic>
+        <p:pic>
+          <p:nvPicPr>
+            <p:cNvPr id="10" name="Picture 9">
+              <a:extLst>
+                <a:ext uri="{FF2B5EF4-FFF2-40B4-BE49-F238E27FC236}">
+                  <a16:creationId xmlns:a16="http://schemas.microsoft.com/office/drawing/2014/main" id="{01ABCD2F-3D60-4072-ACDD-F3B51B1DCAF2}"/>
+                </a:ext>
+              </a:extLst>
+            </p:cNvPr>
+            <p:cNvPicPr>
+              <a:picLocks noChangeAspect="1"/>
+            </p:cNvPicPr>
+            <p:nvPr/>
+          </p:nvPicPr>
+          <p:blipFill>
+            <a:blip r:embed="rId6"/>
+            <a:stretch>
+              <a:fillRect/>
+            </a:stretch>
+          </p:blipFill>
+          <p:spPr>
+            <a:xfrm>
+              <a:off x="966690" y="2257822"/>
+              <a:ext cx="4062481" cy="526018"/>
+            </a:xfrm>
+            <a:prstGeom prst="rect">
+              <a:avLst/>
+            </a:prstGeom>
+          </p:spPr>
+        </p:pic>
+      </p:grpSp>
+      <p:sp>
+        <p:nvSpPr>
+          <p:cNvPr id="13" name="Content Placeholder 2">
+            <a:extLst>
+              <a:ext uri="{FF2B5EF4-FFF2-40B4-BE49-F238E27FC236}">
+                <a16:creationId xmlns:a16="http://schemas.microsoft.com/office/drawing/2014/main" id="{F5E5736F-12C9-443E-9F8A-FD194898E0E5}"/>
+              </a:ext>
+            </a:extLst>
+          </p:cNvPr>
+          <p:cNvSpPr txBox="1">
+            <a:spLocks/>
+          </p:cNvSpPr>
+          <p:nvPr/>
+        </p:nvSpPr>
+        <p:spPr>
+          <a:xfrm>
+            <a:off x="7294879" y="1560992"/>
+            <a:ext cx="3119121" cy="3524088"/>
+          </a:xfrm>
+          <a:prstGeom prst="rect">
+            <a:avLst/>
+          </a:prstGeom>
+          <a:ln>
+            <a:solidFill>
+              <a:schemeClr val="tx1"/>
+            </a:solidFill>
+          </a:ln>
+        </p:spPr>
+        <p:txBody>
+          <a:bodyPr vert="horz" lIns="91440" tIns="45720" rIns="91440" bIns="45720" rtlCol="0">
+            <a:noAutofit/>
+          </a:bodyPr>
+          <a:lstStyle>
+            <a:lvl1pPr marL="342900" indent="-342900" algn="l" defTabSz="457200" rtl="0" eaLnBrk="1" latinLnBrk="0" hangingPunct="1">
+              <a:spcBef>
+                <a:spcPts val="1000"/>
+              </a:spcBef>
+              <a:spcAft>
+                <a:spcPts val="0"/>
+              </a:spcAft>
+              <a:buClr>
+                <a:schemeClr val="accent1"/>
+              </a:buClr>
+              <a:buSzPct val="80000"/>
+              <a:buFont typeface="Wingdings 3" charset="2"/>
+              <a:buChar char=""/>
+              <a:defRPr sz="1800" kern="1200">
+                <a:solidFill>
+                  <a:schemeClr val="tx1">
+                    <a:lumMod val="75000"/>
+                    <a:lumOff val="25000"/>
+                  </a:schemeClr>
+                </a:solidFill>
+                <a:latin typeface="+mn-lt"/>
+                <a:ea typeface="+mn-ea"/>
+                <a:cs typeface="+mn-cs"/>
+              </a:defRPr>
+            </a:lvl1pPr>
+            <a:lvl2pPr marL="742950" indent="-285750" algn="l" defTabSz="457200" rtl="0" eaLnBrk="1" latinLnBrk="0" hangingPunct="1">
+              <a:spcBef>
+                <a:spcPts val="1000"/>
+              </a:spcBef>
+              <a:spcAft>
+                <a:spcPts val="0"/>
+              </a:spcAft>
+              <a:buClr>
+                <a:schemeClr val="accent1"/>
+              </a:buClr>
+              <a:buSzPct val="80000"/>
+              <a:buFont typeface="Wingdings 3" charset="2"/>
+              <a:buChar char=""/>
+              <a:defRPr sz="1600" kern="1200">
+                <a:solidFill>
+                  <a:schemeClr val="tx1">
+                    <a:lumMod val="75000"/>
+                    <a:lumOff val="25000"/>
+                  </a:schemeClr>
+                </a:solidFill>
+                <a:latin typeface="+mn-lt"/>
+                <a:ea typeface="+mn-ea"/>
+                <a:cs typeface="+mn-cs"/>
+              </a:defRPr>
+            </a:lvl2pPr>
+            <a:lvl3pPr marL="1143000" indent="-228600" algn="l" defTabSz="457200" rtl="0" eaLnBrk="1" latinLnBrk="0" hangingPunct="1">
+              <a:spcBef>
+                <a:spcPts val="1000"/>
+              </a:spcBef>
+              <a:spcAft>
+                <a:spcPts val="0"/>
+              </a:spcAft>
+              <a:buClr>
+                <a:schemeClr val="accent1"/>
+              </a:buClr>
+              <a:buSzPct val="80000"/>
+              <a:buFont typeface="Wingdings 3" charset="2"/>
+              <a:buChar char=""/>
+              <a:defRPr sz="1400" kern="1200">
+                <a:solidFill>
+                  <a:schemeClr val="tx1">
+                    <a:lumMod val="75000"/>
+                    <a:lumOff val="25000"/>
+                  </a:schemeClr>
+                </a:solidFill>
+                <a:latin typeface="+mn-lt"/>
+                <a:ea typeface="+mn-ea"/>
+                <a:cs typeface="+mn-cs"/>
+              </a:defRPr>
+            </a:lvl3pPr>
+            <a:lvl4pPr marL="1600200" indent="-228600" algn="l" defTabSz="457200" rtl="0" eaLnBrk="1" latinLnBrk="0" hangingPunct="1">
+              <a:spcBef>
+                <a:spcPts val="1000"/>
+              </a:spcBef>
+              <a:spcAft>
+                <a:spcPts val="0"/>
+              </a:spcAft>
+              <a:buClr>
+                <a:schemeClr val="accent1"/>
+              </a:buClr>
+              <a:buSzPct val="80000"/>
+              <a:buFont typeface="Wingdings 3" charset="2"/>
+              <a:buChar char=""/>
+              <a:defRPr sz="1200" kern="1200">
+                <a:solidFill>
+                  <a:schemeClr val="tx1">
+                    <a:lumMod val="75000"/>
+                    <a:lumOff val="25000"/>
+                  </a:schemeClr>
+                </a:solidFill>
+                <a:latin typeface="+mn-lt"/>
+                <a:ea typeface="+mn-ea"/>
+                <a:cs typeface="+mn-cs"/>
+              </a:defRPr>
+            </a:lvl4pPr>
+            <a:lvl5pPr marL="2057400" indent="-228600" algn="l" defTabSz="457200" rtl="0" eaLnBrk="1" latinLnBrk="0" hangingPunct="1">
+              <a:spcBef>
+                <a:spcPts val="1000"/>
+              </a:spcBef>
+              <a:spcAft>
+                <a:spcPts val="0"/>
+              </a:spcAft>
+              <a:buClr>
+                <a:schemeClr val="accent1"/>
+              </a:buClr>
+              <a:buSzPct val="80000"/>
+              <a:buFont typeface="Wingdings 3" charset="2"/>
+              <a:buChar char=""/>
+              <a:defRPr sz="1200" kern="1200">
+                <a:solidFill>
+                  <a:schemeClr val="tx1">
+                    <a:lumMod val="75000"/>
+                    <a:lumOff val="25000"/>
+                  </a:schemeClr>
+                </a:solidFill>
+                <a:latin typeface="+mn-lt"/>
+                <a:ea typeface="+mn-ea"/>
+                <a:cs typeface="+mn-cs"/>
+              </a:defRPr>
+            </a:lvl5pPr>
+            <a:lvl6pPr marL="2514600" indent="-228600" algn="l" defTabSz="457200" rtl="0" eaLnBrk="1" latinLnBrk="0" hangingPunct="1">
+              <a:spcBef>
+                <a:spcPts val="1000"/>
+              </a:spcBef>
+              <a:spcAft>
+                <a:spcPts val="0"/>
+              </a:spcAft>
+              <a:buClr>
+                <a:schemeClr val="accent1"/>
+              </a:buClr>
+              <a:buSzPct val="80000"/>
+              <a:buFont typeface="Wingdings 3" charset="2"/>
+              <a:buChar char=""/>
+              <a:defRPr sz="1200" kern="1200">
+                <a:solidFill>
+                  <a:schemeClr val="tx1">
+                    <a:lumMod val="75000"/>
+                    <a:lumOff val="25000"/>
+                  </a:schemeClr>
+                </a:solidFill>
+                <a:latin typeface="+mn-lt"/>
+                <a:ea typeface="+mn-ea"/>
+                <a:cs typeface="+mn-cs"/>
+              </a:defRPr>
+            </a:lvl6pPr>
+            <a:lvl7pPr marL="2971800" indent="-228600" algn="l" defTabSz="457200" rtl="0" eaLnBrk="1" latinLnBrk="0" hangingPunct="1">
+              <a:spcBef>
+                <a:spcPts val="1000"/>
+              </a:spcBef>
+              <a:spcAft>
+                <a:spcPts val="0"/>
+              </a:spcAft>
+              <a:buClr>
+                <a:schemeClr val="accent1"/>
+              </a:buClr>
+              <a:buSzPct val="80000"/>
+              <a:buFont typeface="Wingdings 3" charset="2"/>
+              <a:buChar char=""/>
+              <a:defRPr sz="1200" kern="1200">
+                <a:solidFill>
+                  <a:schemeClr val="tx1">
+                    <a:lumMod val="75000"/>
+                    <a:lumOff val="25000"/>
+                  </a:schemeClr>
+                </a:solidFill>
+                <a:latin typeface="+mn-lt"/>
+                <a:ea typeface="+mn-ea"/>
+                <a:cs typeface="+mn-cs"/>
+              </a:defRPr>
+            </a:lvl7pPr>
+            <a:lvl8pPr marL="3429000" indent="-228600" algn="l" defTabSz="457200" rtl="0" eaLnBrk="1" latinLnBrk="0" hangingPunct="1">
+              <a:spcBef>
+                <a:spcPts val="1000"/>
+              </a:spcBef>
+              <a:spcAft>
+                <a:spcPts val="0"/>
+              </a:spcAft>
+              <a:buClr>
+                <a:schemeClr val="accent1"/>
+              </a:buClr>
+              <a:buSzPct val="80000"/>
+              <a:buFont typeface="Wingdings 3" charset="2"/>
+              <a:buChar char=""/>
+              <a:defRPr sz="1200" kern="1200">
+                <a:solidFill>
+                  <a:schemeClr val="tx1">
+                    <a:lumMod val="75000"/>
+                    <a:lumOff val="25000"/>
+                  </a:schemeClr>
+                </a:solidFill>
+                <a:latin typeface="+mn-lt"/>
+                <a:ea typeface="+mn-ea"/>
+                <a:cs typeface="+mn-cs"/>
+              </a:defRPr>
+            </a:lvl8pPr>
+            <a:lvl9pPr marL="3886200" indent="-228600" algn="l" defTabSz="457200" rtl="0" eaLnBrk="1" latinLnBrk="0" hangingPunct="1">
+              <a:spcBef>
+                <a:spcPts val="1000"/>
+              </a:spcBef>
+              <a:spcAft>
+                <a:spcPts val="0"/>
+              </a:spcAft>
+              <a:buClr>
+                <a:schemeClr val="accent1"/>
+              </a:buClr>
+              <a:buSzPct val="80000"/>
+              <a:buFont typeface="Wingdings 3" charset="2"/>
+              <a:buChar char=""/>
+              <a:defRPr sz="1200" kern="1200">
+                <a:solidFill>
+                  <a:schemeClr val="tx1">
+                    <a:lumMod val="75000"/>
+                    <a:lumOff val="25000"/>
+                  </a:schemeClr>
+                </a:solidFill>
+                <a:latin typeface="+mn-lt"/>
+                <a:ea typeface="+mn-ea"/>
+                <a:cs typeface="+mn-cs"/>
+              </a:defRPr>
+            </a:lvl9pPr>
+          </a:lstStyle>
+          <a:p>
+            <a:pPr marL="0" indent="0" algn="just">
+              <a:buNone/>
+            </a:pPr>
+            <a:r>
+              <a:rPr lang="en-US" sz="2000" dirty="0">
+                <a:latin typeface="Tw Cen MT" panose="020B0602020104020603" pitchFamily="34" charset="0"/>
+              </a:rPr>
+              <a:t>Clearly, the best params are pretty much the default ones. </a:t>
+            </a:r>
+          </a:p>
+          <a:p>
+            <a:pPr marL="0" indent="0" algn="just">
+              <a:buNone/>
+            </a:pPr>
+            <a:endParaRPr lang="en-US" sz="2000" dirty="0">
+              <a:latin typeface="Tw Cen MT" panose="020B0602020104020603" pitchFamily="34" charset="0"/>
+            </a:endParaRPr>
+          </a:p>
+          <a:p>
+            <a:pPr marL="0" indent="0" algn="just">
+              <a:buNone/>
+            </a:pPr>
+            <a:r>
+              <a:rPr lang="en-US" sz="2000" dirty="0">
+                <a:latin typeface="Tw Cen MT" panose="020B0602020104020603" pitchFamily="34" charset="0"/>
+              </a:rPr>
+              <a:t>The algorithms are already pretty smart about the defaults or can calculate them. Tuning these hyper-parameters might actually cause overfitting</a:t>
+            </a:r>
+            <a:endParaRPr lang="en-CA" sz="2000" dirty="0">
+              <a:latin typeface="Tw Cen MT" panose="020B0602020104020603" pitchFamily="34" charset="0"/>
+            </a:endParaRPr>
+          </a:p>
+          <a:p>
+            <a:pPr marL="0" indent="0" algn="just">
+              <a:buNone/>
+            </a:pPr>
+            <a:endParaRPr lang="en-CA" sz="2000" dirty="0">
+              <a:latin typeface="Tw Cen MT" panose="020B0602020104020603" pitchFamily="34" charset="0"/>
+            </a:endParaRPr>
+          </a:p>
+          <a:p>
+            <a:pPr algn="just"/>
+            <a:endParaRPr lang="en-CA" sz="2000" dirty="0">
+              <a:latin typeface="Tw Cen MT" panose="020B0602020104020603" pitchFamily="34" charset="0"/>
+            </a:endParaRPr>
+          </a:p>
+        </p:txBody>
+      </p:sp>
     </p:spTree>
     <p:extLst>
       <p:ext uri="{BB962C8B-B14F-4D97-AF65-F5344CB8AC3E}">
@@ -28296,6 +29433,393 @@
           </a:p>
         </p:txBody>
       </p:sp>
+      <p:sp>
+        <p:nvSpPr>
+          <p:cNvPr id="7" name="Content Placeholder 2">
+            <a:extLst>
+              <a:ext uri="{FF2B5EF4-FFF2-40B4-BE49-F238E27FC236}">
+                <a16:creationId xmlns:a16="http://schemas.microsoft.com/office/drawing/2014/main" id="{4C343A6C-333A-49DD-8A65-8A8203D9BF3A}"/>
+              </a:ext>
+            </a:extLst>
+          </p:cNvPr>
+          <p:cNvSpPr txBox="1">
+            <a:spLocks/>
+          </p:cNvSpPr>
+          <p:nvPr/>
+        </p:nvSpPr>
+        <p:spPr>
+          <a:xfrm>
+            <a:off x="314354" y="1010114"/>
+            <a:ext cx="9014057" cy="4708929"/>
+          </a:xfrm>
+          <a:prstGeom prst="rect">
+            <a:avLst/>
+          </a:prstGeom>
+        </p:spPr>
+        <p:txBody>
+          <a:bodyPr vert="horz" lIns="91440" tIns="45720" rIns="91440" bIns="45720" rtlCol="0">
+            <a:noAutofit/>
+          </a:bodyPr>
+          <a:lstStyle>
+            <a:lvl1pPr marL="342900" indent="-342900" algn="l" defTabSz="457200" rtl="0" eaLnBrk="1" latinLnBrk="0" hangingPunct="1">
+              <a:spcBef>
+                <a:spcPts val="1000"/>
+              </a:spcBef>
+              <a:spcAft>
+                <a:spcPts val="0"/>
+              </a:spcAft>
+              <a:buClr>
+                <a:schemeClr val="accent1"/>
+              </a:buClr>
+              <a:buSzPct val="80000"/>
+              <a:buFont typeface="Wingdings 3" charset="2"/>
+              <a:buChar char=""/>
+              <a:defRPr sz="1800" kern="1200">
+                <a:solidFill>
+                  <a:schemeClr val="tx1">
+                    <a:lumMod val="75000"/>
+                    <a:lumOff val="25000"/>
+                  </a:schemeClr>
+                </a:solidFill>
+                <a:latin typeface="+mn-lt"/>
+                <a:ea typeface="+mn-ea"/>
+                <a:cs typeface="+mn-cs"/>
+              </a:defRPr>
+            </a:lvl1pPr>
+            <a:lvl2pPr marL="742950" indent="-285750" algn="l" defTabSz="457200" rtl="0" eaLnBrk="1" latinLnBrk="0" hangingPunct="1">
+              <a:spcBef>
+                <a:spcPts val="1000"/>
+              </a:spcBef>
+              <a:spcAft>
+                <a:spcPts val="0"/>
+              </a:spcAft>
+              <a:buClr>
+                <a:schemeClr val="accent1"/>
+              </a:buClr>
+              <a:buSzPct val="80000"/>
+              <a:buFont typeface="Wingdings 3" charset="2"/>
+              <a:buChar char=""/>
+              <a:defRPr sz="1600" kern="1200">
+                <a:solidFill>
+                  <a:schemeClr val="tx1">
+                    <a:lumMod val="75000"/>
+                    <a:lumOff val="25000"/>
+                  </a:schemeClr>
+                </a:solidFill>
+                <a:latin typeface="+mn-lt"/>
+                <a:ea typeface="+mn-ea"/>
+                <a:cs typeface="+mn-cs"/>
+              </a:defRPr>
+            </a:lvl2pPr>
+            <a:lvl3pPr marL="1143000" indent="-228600" algn="l" defTabSz="457200" rtl="0" eaLnBrk="1" latinLnBrk="0" hangingPunct="1">
+              <a:spcBef>
+                <a:spcPts val="1000"/>
+              </a:spcBef>
+              <a:spcAft>
+                <a:spcPts val="0"/>
+              </a:spcAft>
+              <a:buClr>
+                <a:schemeClr val="accent1"/>
+              </a:buClr>
+              <a:buSzPct val="80000"/>
+              <a:buFont typeface="Wingdings 3" charset="2"/>
+              <a:buChar char=""/>
+              <a:defRPr sz="1400" kern="1200">
+                <a:solidFill>
+                  <a:schemeClr val="tx1">
+                    <a:lumMod val="75000"/>
+                    <a:lumOff val="25000"/>
+                  </a:schemeClr>
+                </a:solidFill>
+                <a:latin typeface="+mn-lt"/>
+                <a:ea typeface="+mn-ea"/>
+                <a:cs typeface="+mn-cs"/>
+              </a:defRPr>
+            </a:lvl3pPr>
+            <a:lvl4pPr marL="1600200" indent="-228600" algn="l" defTabSz="457200" rtl="0" eaLnBrk="1" latinLnBrk="0" hangingPunct="1">
+              <a:spcBef>
+                <a:spcPts val="1000"/>
+              </a:spcBef>
+              <a:spcAft>
+                <a:spcPts val="0"/>
+              </a:spcAft>
+              <a:buClr>
+                <a:schemeClr val="accent1"/>
+              </a:buClr>
+              <a:buSzPct val="80000"/>
+              <a:buFont typeface="Wingdings 3" charset="2"/>
+              <a:buChar char=""/>
+              <a:defRPr sz="1200" kern="1200">
+                <a:solidFill>
+                  <a:schemeClr val="tx1">
+                    <a:lumMod val="75000"/>
+                    <a:lumOff val="25000"/>
+                  </a:schemeClr>
+                </a:solidFill>
+                <a:latin typeface="+mn-lt"/>
+                <a:ea typeface="+mn-ea"/>
+                <a:cs typeface="+mn-cs"/>
+              </a:defRPr>
+            </a:lvl4pPr>
+            <a:lvl5pPr marL="2057400" indent="-228600" algn="l" defTabSz="457200" rtl="0" eaLnBrk="1" latinLnBrk="0" hangingPunct="1">
+              <a:spcBef>
+                <a:spcPts val="1000"/>
+              </a:spcBef>
+              <a:spcAft>
+                <a:spcPts val="0"/>
+              </a:spcAft>
+              <a:buClr>
+                <a:schemeClr val="accent1"/>
+              </a:buClr>
+              <a:buSzPct val="80000"/>
+              <a:buFont typeface="Wingdings 3" charset="2"/>
+              <a:buChar char=""/>
+              <a:defRPr sz="1200" kern="1200">
+                <a:solidFill>
+                  <a:schemeClr val="tx1">
+                    <a:lumMod val="75000"/>
+                    <a:lumOff val="25000"/>
+                  </a:schemeClr>
+                </a:solidFill>
+                <a:latin typeface="+mn-lt"/>
+                <a:ea typeface="+mn-ea"/>
+                <a:cs typeface="+mn-cs"/>
+              </a:defRPr>
+            </a:lvl5pPr>
+            <a:lvl6pPr marL="2514600" indent="-228600" algn="l" defTabSz="457200" rtl="0" eaLnBrk="1" latinLnBrk="0" hangingPunct="1">
+              <a:spcBef>
+                <a:spcPts val="1000"/>
+              </a:spcBef>
+              <a:spcAft>
+                <a:spcPts val="0"/>
+              </a:spcAft>
+              <a:buClr>
+                <a:schemeClr val="accent1"/>
+              </a:buClr>
+              <a:buSzPct val="80000"/>
+              <a:buFont typeface="Wingdings 3" charset="2"/>
+              <a:buChar char=""/>
+              <a:defRPr sz="1200" kern="1200">
+                <a:solidFill>
+                  <a:schemeClr val="tx1">
+                    <a:lumMod val="75000"/>
+                    <a:lumOff val="25000"/>
+                  </a:schemeClr>
+                </a:solidFill>
+                <a:latin typeface="+mn-lt"/>
+                <a:ea typeface="+mn-ea"/>
+                <a:cs typeface="+mn-cs"/>
+              </a:defRPr>
+            </a:lvl6pPr>
+            <a:lvl7pPr marL="2971800" indent="-228600" algn="l" defTabSz="457200" rtl="0" eaLnBrk="1" latinLnBrk="0" hangingPunct="1">
+              <a:spcBef>
+                <a:spcPts val="1000"/>
+              </a:spcBef>
+              <a:spcAft>
+                <a:spcPts val="0"/>
+              </a:spcAft>
+              <a:buClr>
+                <a:schemeClr val="accent1"/>
+              </a:buClr>
+              <a:buSzPct val="80000"/>
+              <a:buFont typeface="Wingdings 3" charset="2"/>
+              <a:buChar char=""/>
+              <a:defRPr sz="1200" kern="1200">
+                <a:solidFill>
+                  <a:schemeClr val="tx1">
+                    <a:lumMod val="75000"/>
+                    <a:lumOff val="25000"/>
+                  </a:schemeClr>
+                </a:solidFill>
+                <a:latin typeface="+mn-lt"/>
+                <a:ea typeface="+mn-ea"/>
+                <a:cs typeface="+mn-cs"/>
+              </a:defRPr>
+            </a:lvl7pPr>
+            <a:lvl8pPr marL="3429000" indent="-228600" algn="l" defTabSz="457200" rtl="0" eaLnBrk="1" latinLnBrk="0" hangingPunct="1">
+              <a:spcBef>
+                <a:spcPts val="1000"/>
+              </a:spcBef>
+              <a:spcAft>
+                <a:spcPts val="0"/>
+              </a:spcAft>
+              <a:buClr>
+                <a:schemeClr val="accent1"/>
+              </a:buClr>
+              <a:buSzPct val="80000"/>
+              <a:buFont typeface="Wingdings 3" charset="2"/>
+              <a:buChar char=""/>
+              <a:defRPr sz="1200" kern="1200">
+                <a:solidFill>
+                  <a:schemeClr val="tx1">
+                    <a:lumMod val="75000"/>
+                    <a:lumOff val="25000"/>
+                  </a:schemeClr>
+                </a:solidFill>
+                <a:latin typeface="+mn-lt"/>
+                <a:ea typeface="+mn-ea"/>
+                <a:cs typeface="+mn-cs"/>
+              </a:defRPr>
+            </a:lvl8pPr>
+            <a:lvl9pPr marL="3886200" indent="-228600" algn="l" defTabSz="457200" rtl="0" eaLnBrk="1" latinLnBrk="0" hangingPunct="1">
+              <a:spcBef>
+                <a:spcPts val="1000"/>
+              </a:spcBef>
+              <a:spcAft>
+                <a:spcPts val="0"/>
+              </a:spcAft>
+              <a:buClr>
+                <a:schemeClr val="accent1"/>
+              </a:buClr>
+              <a:buSzPct val="80000"/>
+              <a:buFont typeface="Wingdings 3" charset="2"/>
+              <a:buChar char=""/>
+              <a:defRPr sz="1200" kern="1200">
+                <a:solidFill>
+                  <a:schemeClr val="tx1">
+                    <a:lumMod val="75000"/>
+                    <a:lumOff val="25000"/>
+                  </a:schemeClr>
+                </a:solidFill>
+                <a:latin typeface="+mn-lt"/>
+                <a:ea typeface="+mn-ea"/>
+                <a:cs typeface="+mn-cs"/>
+              </a:defRPr>
+            </a:lvl9pPr>
+          </a:lstStyle>
+          <a:p>
+            <a:r>
+              <a:rPr lang="en-CA" sz="1600" dirty="0">
+                <a:latin typeface="Tw Cen MT" panose="020B0602020104020603" pitchFamily="34" charset="0"/>
+              </a:rPr>
+              <a:t>LIME stands for Locally Interpretable Model Agnostic Explanations</a:t>
+            </a:r>
+          </a:p>
+          <a:p>
+            <a:endParaRPr lang="en-CA" sz="1600" dirty="0">
+              <a:latin typeface="Tw Cen MT" panose="020B0602020104020603" pitchFamily="34" charset="0"/>
+            </a:endParaRPr>
+          </a:p>
+          <a:p>
+            <a:r>
+              <a:rPr lang="en-CA" sz="1600" dirty="0">
+                <a:latin typeface="Tw Cen MT" panose="020B0602020104020603" pitchFamily="34" charset="0"/>
+              </a:rPr>
+              <a:t>Instantiate Explainer explains a specific instance in the dataset. The 34</a:t>
+            </a:r>
+            <a:r>
+              <a:rPr lang="en-CA" sz="1600" baseline="30000" dirty="0">
+                <a:latin typeface="Tw Cen MT" panose="020B0602020104020603" pitchFamily="34" charset="0"/>
+              </a:rPr>
+              <a:t>th</a:t>
+            </a:r>
+            <a:r>
+              <a:rPr lang="en-CA" sz="1600" dirty="0">
+                <a:latin typeface="Tw Cen MT" panose="020B0602020104020603" pitchFamily="34" charset="0"/>
+              </a:rPr>
+              <a:t> document in this example</a:t>
+            </a:r>
+          </a:p>
+          <a:p>
+            <a:endParaRPr lang="en-CA" sz="1600" dirty="0">
+              <a:latin typeface="Tw Cen MT" panose="020B0602020104020603" pitchFamily="34" charset="0"/>
+            </a:endParaRPr>
+          </a:p>
+          <a:p>
+            <a:endParaRPr lang="en-CA" sz="1600" dirty="0">
+              <a:latin typeface="Tw Cen MT" panose="020B0602020104020603" pitchFamily="34" charset="0"/>
+            </a:endParaRPr>
+          </a:p>
+          <a:p>
+            <a:endParaRPr lang="en-CA" sz="1600" dirty="0">
+              <a:latin typeface="Tw Cen MT" panose="020B0602020104020603" pitchFamily="34" charset="0"/>
+            </a:endParaRPr>
+          </a:p>
+          <a:p>
+            <a:r>
+              <a:rPr lang="en-CA" sz="1600" dirty="0">
+                <a:latin typeface="Tw Cen MT" panose="020B0602020104020603" pitchFamily="34" charset="0"/>
+              </a:rPr>
+              <a:t>A “text only” explainer can be visualized as seen below</a:t>
+            </a:r>
+          </a:p>
+          <a:p>
+            <a:endParaRPr lang="en-CA" sz="1600" dirty="0">
+              <a:latin typeface="Tw Cen MT" panose="020B0602020104020603" pitchFamily="34" charset="0"/>
+            </a:endParaRPr>
+          </a:p>
+          <a:p>
+            <a:endParaRPr lang="en-CA" sz="1600" dirty="0">
+              <a:latin typeface="Tw Cen MT" panose="020B0602020104020603" pitchFamily="34" charset="0"/>
+            </a:endParaRPr>
+          </a:p>
+          <a:p>
+            <a:endParaRPr lang="en-CA" sz="1600" dirty="0">
+              <a:latin typeface="Tw Cen MT" panose="020B0602020104020603" pitchFamily="34" charset="0"/>
+            </a:endParaRPr>
+          </a:p>
+        </p:txBody>
+      </p:sp>
+      <p:pic>
+        <p:nvPicPr>
+          <p:cNvPr id="2" name="Picture 1">
+            <a:extLst>
+              <a:ext uri="{FF2B5EF4-FFF2-40B4-BE49-F238E27FC236}">
+                <a16:creationId xmlns:a16="http://schemas.microsoft.com/office/drawing/2014/main" id="{074E9E04-17EA-4BC2-875F-002C8D024108}"/>
+              </a:ext>
+            </a:extLst>
+          </p:cNvPr>
+          <p:cNvPicPr>
+            <a:picLocks noChangeAspect="1"/>
+          </p:cNvPicPr>
+          <p:nvPr/>
+        </p:nvPicPr>
+        <p:blipFill>
+          <a:blip r:embed="rId3"/>
+          <a:stretch>
+            <a:fillRect/>
+          </a:stretch>
+        </p:blipFill>
+        <p:spPr>
+          <a:xfrm>
+            <a:off x="1007745" y="2235866"/>
+            <a:ext cx="2863215" cy="631827"/>
+          </a:xfrm>
+          <a:prstGeom prst="rect">
+            <a:avLst/>
+          </a:prstGeom>
+        </p:spPr>
+      </p:pic>
+      <p:pic>
+        <p:nvPicPr>
+          <p:cNvPr id="6" name="Picture 5">
+            <a:extLst>
+              <a:ext uri="{FF2B5EF4-FFF2-40B4-BE49-F238E27FC236}">
+                <a16:creationId xmlns:a16="http://schemas.microsoft.com/office/drawing/2014/main" id="{B49F32A5-B3F2-46C0-B898-C445CEE084FF}"/>
+              </a:ext>
+            </a:extLst>
+          </p:cNvPr>
+          <p:cNvPicPr>
+            <a:picLocks noChangeAspect="1"/>
+          </p:cNvPicPr>
+          <p:nvPr/>
+        </p:nvPicPr>
+        <p:blipFill>
+          <a:blip r:embed="rId4"/>
+          <a:stretch>
+            <a:fillRect/>
+          </a:stretch>
+        </p:blipFill>
+        <p:spPr>
+          <a:xfrm>
+            <a:off x="1007745" y="3682085"/>
+            <a:ext cx="6244590" cy="2906964"/>
+          </a:xfrm>
+          <a:prstGeom prst="rect">
+            <a:avLst/>
+          </a:prstGeom>
+        </p:spPr>
+      </p:pic>
     </p:spTree>
     <p:extLst>
       <p:ext uri="{BB962C8B-B14F-4D97-AF65-F5344CB8AC3E}">
@@ -28562,6 +30086,354 @@
               <a:rPr lang="en-CA" dirty="0"/>
               <a:t> </a:t>
             </a:r>
+          </a:p>
+        </p:txBody>
+      </p:sp>
+      <p:sp>
+        <p:nvSpPr>
+          <p:cNvPr id="9" name="Content Placeholder 2">
+            <a:extLst>
+              <a:ext uri="{FF2B5EF4-FFF2-40B4-BE49-F238E27FC236}">
+                <a16:creationId xmlns:a16="http://schemas.microsoft.com/office/drawing/2014/main" id="{3293C336-F293-407D-8AF8-9D67CF7D12FC}"/>
+              </a:ext>
+            </a:extLst>
+          </p:cNvPr>
+          <p:cNvSpPr txBox="1">
+            <a:spLocks/>
+          </p:cNvSpPr>
+          <p:nvPr/>
+        </p:nvSpPr>
+        <p:spPr>
+          <a:xfrm>
+            <a:off x="377883" y="932590"/>
+            <a:ext cx="9878480" cy="5093094"/>
+          </a:xfrm>
+          <a:prstGeom prst="rect">
+            <a:avLst/>
+          </a:prstGeom>
+        </p:spPr>
+        <p:txBody>
+          <a:bodyPr vert="horz" lIns="91440" tIns="45720" rIns="91440" bIns="45720" rtlCol="0">
+            <a:noAutofit/>
+          </a:bodyPr>
+          <a:lstStyle>
+            <a:lvl1pPr marL="342900" indent="-342900" algn="l" defTabSz="457200" rtl="0" eaLnBrk="1" latinLnBrk="0" hangingPunct="1">
+              <a:spcBef>
+                <a:spcPts val="1000"/>
+              </a:spcBef>
+              <a:spcAft>
+                <a:spcPts val="0"/>
+              </a:spcAft>
+              <a:buClr>
+                <a:schemeClr val="accent1"/>
+              </a:buClr>
+              <a:buSzPct val="80000"/>
+              <a:buFont typeface="Wingdings 3" charset="2"/>
+              <a:buChar char=""/>
+              <a:defRPr sz="1800" kern="1200">
+                <a:solidFill>
+                  <a:schemeClr val="tx1">
+                    <a:lumMod val="75000"/>
+                    <a:lumOff val="25000"/>
+                  </a:schemeClr>
+                </a:solidFill>
+                <a:latin typeface="+mn-lt"/>
+                <a:ea typeface="+mn-ea"/>
+                <a:cs typeface="+mn-cs"/>
+              </a:defRPr>
+            </a:lvl1pPr>
+            <a:lvl2pPr marL="742950" indent="-285750" algn="l" defTabSz="457200" rtl="0" eaLnBrk="1" latinLnBrk="0" hangingPunct="1">
+              <a:spcBef>
+                <a:spcPts val="1000"/>
+              </a:spcBef>
+              <a:spcAft>
+                <a:spcPts val="0"/>
+              </a:spcAft>
+              <a:buClr>
+                <a:schemeClr val="accent1"/>
+              </a:buClr>
+              <a:buSzPct val="80000"/>
+              <a:buFont typeface="Wingdings 3" charset="2"/>
+              <a:buChar char=""/>
+              <a:defRPr sz="1600" kern="1200">
+                <a:solidFill>
+                  <a:schemeClr val="tx1">
+                    <a:lumMod val="75000"/>
+                    <a:lumOff val="25000"/>
+                  </a:schemeClr>
+                </a:solidFill>
+                <a:latin typeface="+mn-lt"/>
+                <a:ea typeface="+mn-ea"/>
+                <a:cs typeface="+mn-cs"/>
+              </a:defRPr>
+            </a:lvl2pPr>
+            <a:lvl3pPr marL="1143000" indent="-228600" algn="l" defTabSz="457200" rtl="0" eaLnBrk="1" latinLnBrk="0" hangingPunct="1">
+              <a:spcBef>
+                <a:spcPts val="1000"/>
+              </a:spcBef>
+              <a:spcAft>
+                <a:spcPts val="0"/>
+              </a:spcAft>
+              <a:buClr>
+                <a:schemeClr val="accent1"/>
+              </a:buClr>
+              <a:buSzPct val="80000"/>
+              <a:buFont typeface="Wingdings 3" charset="2"/>
+              <a:buChar char=""/>
+              <a:defRPr sz="1400" kern="1200">
+                <a:solidFill>
+                  <a:schemeClr val="tx1">
+                    <a:lumMod val="75000"/>
+                    <a:lumOff val="25000"/>
+                  </a:schemeClr>
+                </a:solidFill>
+                <a:latin typeface="+mn-lt"/>
+                <a:ea typeface="+mn-ea"/>
+                <a:cs typeface="+mn-cs"/>
+              </a:defRPr>
+            </a:lvl3pPr>
+            <a:lvl4pPr marL="1600200" indent="-228600" algn="l" defTabSz="457200" rtl="0" eaLnBrk="1" latinLnBrk="0" hangingPunct="1">
+              <a:spcBef>
+                <a:spcPts val="1000"/>
+              </a:spcBef>
+              <a:spcAft>
+                <a:spcPts val="0"/>
+              </a:spcAft>
+              <a:buClr>
+                <a:schemeClr val="accent1"/>
+              </a:buClr>
+              <a:buSzPct val="80000"/>
+              <a:buFont typeface="Wingdings 3" charset="2"/>
+              <a:buChar char=""/>
+              <a:defRPr sz="1200" kern="1200">
+                <a:solidFill>
+                  <a:schemeClr val="tx1">
+                    <a:lumMod val="75000"/>
+                    <a:lumOff val="25000"/>
+                  </a:schemeClr>
+                </a:solidFill>
+                <a:latin typeface="+mn-lt"/>
+                <a:ea typeface="+mn-ea"/>
+                <a:cs typeface="+mn-cs"/>
+              </a:defRPr>
+            </a:lvl4pPr>
+            <a:lvl5pPr marL="2057400" indent="-228600" algn="l" defTabSz="457200" rtl="0" eaLnBrk="1" latinLnBrk="0" hangingPunct="1">
+              <a:spcBef>
+                <a:spcPts val="1000"/>
+              </a:spcBef>
+              <a:spcAft>
+                <a:spcPts val="0"/>
+              </a:spcAft>
+              <a:buClr>
+                <a:schemeClr val="accent1"/>
+              </a:buClr>
+              <a:buSzPct val="80000"/>
+              <a:buFont typeface="Wingdings 3" charset="2"/>
+              <a:buChar char=""/>
+              <a:defRPr sz="1200" kern="1200">
+                <a:solidFill>
+                  <a:schemeClr val="tx1">
+                    <a:lumMod val="75000"/>
+                    <a:lumOff val="25000"/>
+                  </a:schemeClr>
+                </a:solidFill>
+                <a:latin typeface="+mn-lt"/>
+                <a:ea typeface="+mn-ea"/>
+                <a:cs typeface="+mn-cs"/>
+              </a:defRPr>
+            </a:lvl5pPr>
+            <a:lvl6pPr marL="2514600" indent="-228600" algn="l" defTabSz="457200" rtl="0" eaLnBrk="1" latinLnBrk="0" hangingPunct="1">
+              <a:spcBef>
+                <a:spcPts val="1000"/>
+              </a:spcBef>
+              <a:spcAft>
+                <a:spcPts val="0"/>
+              </a:spcAft>
+              <a:buClr>
+                <a:schemeClr val="accent1"/>
+              </a:buClr>
+              <a:buSzPct val="80000"/>
+              <a:buFont typeface="Wingdings 3" charset="2"/>
+              <a:buChar char=""/>
+              <a:defRPr sz="1200" kern="1200">
+                <a:solidFill>
+                  <a:schemeClr val="tx1">
+                    <a:lumMod val="75000"/>
+                    <a:lumOff val="25000"/>
+                  </a:schemeClr>
+                </a:solidFill>
+                <a:latin typeface="+mn-lt"/>
+                <a:ea typeface="+mn-ea"/>
+                <a:cs typeface="+mn-cs"/>
+              </a:defRPr>
+            </a:lvl6pPr>
+            <a:lvl7pPr marL="2971800" indent="-228600" algn="l" defTabSz="457200" rtl="0" eaLnBrk="1" latinLnBrk="0" hangingPunct="1">
+              <a:spcBef>
+                <a:spcPts val="1000"/>
+              </a:spcBef>
+              <a:spcAft>
+                <a:spcPts val="0"/>
+              </a:spcAft>
+              <a:buClr>
+                <a:schemeClr val="accent1"/>
+              </a:buClr>
+              <a:buSzPct val="80000"/>
+              <a:buFont typeface="Wingdings 3" charset="2"/>
+              <a:buChar char=""/>
+              <a:defRPr sz="1200" kern="1200">
+                <a:solidFill>
+                  <a:schemeClr val="tx1">
+                    <a:lumMod val="75000"/>
+                    <a:lumOff val="25000"/>
+                  </a:schemeClr>
+                </a:solidFill>
+                <a:latin typeface="+mn-lt"/>
+                <a:ea typeface="+mn-ea"/>
+                <a:cs typeface="+mn-cs"/>
+              </a:defRPr>
+            </a:lvl7pPr>
+            <a:lvl8pPr marL="3429000" indent="-228600" algn="l" defTabSz="457200" rtl="0" eaLnBrk="1" latinLnBrk="0" hangingPunct="1">
+              <a:spcBef>
+                <a:spcPts val="1000"/>
+              </a:spcBef>
+              <a:spcAft>
+                <a:spcPts val="0"/>
+              </a:spcAft>
+              <a:buClr>
+                <a:schemeClr val="accent1"/>
+              </a:buClr>
+              <a:buSzPct val="80000"/>
+              <a:buFont typeface="Wingdings 3" charset="2"/>
+              <a:buChar char=""/>
+              <a:defRPr sz="1200" kern="1200">
+                <a:solidFill>
+                  <a:schemeClr val="tx1">
+                    <a:lumMod val="75000"/>
+                    <a:lumOff val="25000"/>
+                  </a:schemeClr>
+                </a:solidFill>
+                <a:latin typeface="+mn-lt"/>
+                <a:ea typeface="+mn-ea"/>
+                <a:cs typeface="+mn-cs"/>
+              </a:defRPr>
+            </a:lvl8pPr>
+            <a:lvl9pPr marL="3886200" indent="-228600" algn="l" defTabSz="457200" rtl="0" eaLnBrk="1" latinLnBrk="0" hangingPunct="1">
+              <a:spcBef>
+                <a:spcPts val="1000"/>
+              </a:spcBef>
+              <a:spcAft>
+                <a:spcPts val="0"/>
+              </a:spcAft>
+              <a:buClr>
+                <a:schemeClr val="accent1"/>
+              </a:buClr>
+              <a:buSzPct val="80000"/>
+              <a:buFont typeface="Wingdings 3" charset="2"/>
+              <a:buChar char=""/>
+              <a:defRPr sz="1200" kern="1200">
+                <a:solidFill>
+                  <a:schemeClr val="tx1">
+                    <a:lumMod val="75000"/>
+                    <a:lumOff val="25000"/>
+                  </a:schemeClr>
+                </a:solidFill>
+                <a:latin typeface="+mn-lt"/>
+                <a:ea typeface="+mn-ea"/>
+                <a:cs typeface="+mn-cs"/>
+              </a:defRPr>
+            </a:lvl9pPr>
+          </a:lstStyle>
+          <a:p>
+            <a:r>
+              <a:rPr lang="en-CA" sz="2000" dirty="0">
+                <a:latin typeface="Tw Cen MT" panose="020B0602020104020603" pitchFamily="34" charset="0"/>
+              </a:rPr>
+              <a:t>If this is deployed in production, the model of choice is Logistic Regression. SVM, Logistic Regression, Stacking &amp; Bagging are very comparable in terms of F1 Score, ROC AUC, Precision &amp; Recall. However, Logistic Regression is orders of magnitude faster with a very low fit time. </a:t>
+            </a:r>
+          </a:p>
+          <a:p>
+            <a:endParaRPr lang="en-CA" sz="2000" dirty="0">
+              <a:latin typeface="Tw Cen MT" panose="020B0602020104020603" pitchFamily="34" charset="0"/>
+            </a:endParaRPr>
+          </a:p>
+          <a:p>
+            <a:r>
+              <a:rPr lang="en-CA" sz="2000" dirty="0">
+                <a:latin typeface="Tw Cen MT" panose="020B0602020104020603" pitchFamily="34" charset="0"/>
+              </a:rPr>
+              <a:t>Logistic Regression achieves, f1 Score of 92%</a:t>
+            </a:r>
+          </a:p>
+          <a:p>
+            <a:endParaRPr lang="en-CA" sz="2000" dirty="0">
+              <a:latin typeface="Tw Cen MT" panose="020B0602020104020603" pitchFamily="34" charset="0"/>
+            </a:endParaRPr>
+          </a:p>
+          <a:p>
+            <a:r>
+              <a:rPr lang="en-CA" sz="2000" dirty="0">
+                <a:latin typeface="Tw Cen MT" panose="020B0602020104020603" pitchFamily="34" charset="0"/>
+              </a:rPr>
+              <a:t>Hyperparameter Tuning – The results of hyperparameter tuning suggest that default parameters are the best and therefore, tuning them further will result in overfitting</a:t>
+            </a:r>
+          </a:p>
+          <a:p>
+            <a:endParaRPr lang="en-CA" sz="2000" dirty="0">
+              <a:latin typeface="Tw Cen MT" panose="020B0602020104020603" pitchFamily="34" charset="0"/>
+            </a:endParaRPr>
+          </a:p>
+          <a:p>
+            <a:r>
+              <a:rPr lang="en-CA" sz="2000" dirty="0">
+                <a:latin typeface="Tw Cen MT" panose="020B0602020104020603" pitchFamily="34" charset="0"/>
+              </a:rPr>
+              <a:t>Model Interpretability – Advanced word embeddings like Word2Vec inherently make the model “black box”. Though LIME was used, it must be noted that in the “text only” explainer, the features shown are just numbers. They have gone through previous processing and can no longer be traced back to their original form. Simpler vectorization techniques like TF-IDF still retain the original features and can therefore allow LIME to explain them</a:t>
+            </a:r>
+          </a:p>
+          <a:p>
+            <a:endParaRPr lang="en-CA" sz="2000" dirty="0">
+              <a:latin typeface="Tw Cen MT" panose="020B0602020104020603" pitchFamily="34" charset="0"/>
+            </a:endParaRPr>
+          </a:p>
+          <a:p>
+            <a:endParaRPr lang="en-CA" sz="2000" dirty="0">
+              <a:latin typeface="Tw Cen MT" panose="020B0602020104020603" pitchFamily="34" charset="0"/>
+            </a:endParaRPr>
+          </a:p>
+          <a:p>
+            <a:endParaRPr lang="en-CA" sz="2000" dirty="0">
+              <a:latin typeface="Tw Cen MT" panose="020B0602020104020603" pitchFamily="34" charset="0"/>
+            </a:endParaRPr>
+          </a:p>
+          <a:p>
+            <a:endParaRPr lang="en-CA" sz="2000" dirty="0">
+              <a:latin typeface="Tw Cen MT" panose="020B0602020104020603" pitchFamily="34" charset="0"/>
+            </a:endParaRPr>
+          </a:p>
+          <a:p>
+            <a:endParaRPr lang="en-CA" sz="2000" dirty="0">
+              <a:latin typeface="Tw Cen MT" panose="020B0602020104020603" pitchFamily="34" charset="0"/>
+            </a:endParaRPr>
+          </a:p>
+          <a:p>
+            <a:endParaRPr lang="en-CA" sz="2000" dirty="0">
+              <a:latin typeface="Tw Cen MT" panose="020B0602020104020603" pitchFamily="34" charset="0"/>
+            </a:endParaRPr>
+          </a:p>
+          <a:p>
+            <a:endParaRPr lang="en-CA" sz="2000" dirty="0">
+              <a:latin typeface="Tw Cen MT" panose="020B0602020104020603" pitchFamily="34" charset="0"/>
+            </a:endParaRPr>
+          </a:p>
+          <a:p>
+            <a:endParaRPr lang="en-CA" sz="2000" dirty="0">
+              <a:latin typeface="Tw Cen MT" panose="020B0602020104020603" pitchFamily="34" charset="0"/>
+            </a:endParaRPr>
+          </a:p>
+          <a:p>
+            <a:endParaRPr lang="en-CA" sz="2000" dirty="0">
+              <a:latin typeface="Tw Cen MT" panose="020B0602020104020603" pitchFamily="34" charset="0"/>
+            </a:endParaRPr>
           </a:p>
         </p:txBody>
       </p:sp>

--- a/presentation/CSML-1010-Group 20-project final presentation.pptx
+++ b/presentation/CSML-1010-Group 20-project final presentation.pptx
@@ -5,7 +5,7 @@
     <p:sldMasterId id="2147483701" r:id="rId1"/>
   </p:sldMasterIdLst>
   <p:notesMasterIdLst>
-    <p:notesMasterId r:id="rId59"/>
+    <p:notesMasterId r:id="rId61"/>
   </p:notesMasterIdLst>
   <p:sldIdLst>
     <p:sldId id="256" r:id="rId2"/>
@@ -65,6 +65,8 @@
     <p:sldId id="312" r:id="rId56"/>
     <p:sldId id="313" r:id="rId57"/>
     <p:sldId id="314" r:id="rId58"/>
+    <p:sldId id="316" r:id="rId59"/>
+    <p:sldId id="317" r:id="rId60"/>
   </p:sldIdLst>
   <p:sldSz cx="12192000" cy="6858000"/>
   <p:notesSz cx="6858000" cy="9144000"/>
@@ -30450,6 +30452,1850 @@
 </p:sld>
 </file>
 
+<file path=ppt/slides/slide58.xml><?xml version="1.0" encoding="utf-8"?>
+<p:sld xmlns:a="http://schemas.openxmlformats.org/drawingml/2006/main" xmlns:r="http://schemas.openxmlformats.org/officeDocument/2006/relationships" xmlns:p="http://schemas.openxmlformats.org/presentationml/2006/main">
+  <p:cSld>
+    <p:spTree>
+      <p:nvGrpSpPr>
+        <p:cNvPr id="1" name=""/>
+        <p:cNvGrpSpPr/>
+        <p:nvPr/>
+      </p:nvGrpSpPr>
+      <p:grpSpPr>
+        <a:xfrm>
+          <a:off x="0" y="0"/>
+          <a:ext cx="0" cy="0"/>
+          <a:chOff x="0" y="0"/>
+          <a:chExt cx="0" cy="0"/>
+        </a:xfrm>
+      </p:grpSpPr>
+      <p:pic>
+        <p:nvPicPr>
+          <p:cNvPr id="5" name="Picture 4">
+            <a:extLst>
+              <a:ext uri="{FF2B5EF4-FFF2-40B4-BE49-F238E27FC236}">
+                <a16:creationId xmlns:a16="http://schemas.microsoft.com/office/drawing/2014/main" id="{506193B0-D684-41FB-9EE5-3A2300775B91}"/>
+              </a:ext>
+            </a:extLst>
+          </p:cNvPr>
+          <p:cNvPicPr>
+            <a:picLocks noChangeAspect="1"/>
+          </p:cNvPicPr>
+          <p:nvPr/>
+        </p:nvPicPr>
+        <p:blipFill>
+          <a:blip r:embed="rId2">
+            <a:extLst>
+              <a:ext uri="{28A0092B-C50C-407E-A947-70E740481C1C}">
+                <a14:useLocalDpi xmlns:a14="http://schemas.microsoft.com/office/drawing/2010/main" val="0"/>
+              </a:ext>
+            </a:extLst>
+          </a:blip>
+          <a:stretch>
+            <a:fillRect/>
+          </a:stretch>
+        </p:blipFill>
+        <p:spPr>
+          <a:xfrm>
+            <a:off x="9534428" y="5901274"/>
+            <a:ext cx="2657572" cy="956726"/>
+          </a:xfrm>
+          <a:prstGeom prst="rect">
+            <a:avLst/>
+          </a:prstGeom>
+        </p:spPr>
+      </p:pic>
+      <p:sp>
+        <p:nvSpPr>
+          <p:cNvPr id="11" name="Slide Number Placeholder 10">
+            <a:extLst>
+              <a:ext uri="{FF2B5EF4-FFF2-40B4-BE49-F238E27FC236}">
+                <a16:creationId xmlns:a16="http://schemas.microsoft.com/office/drawing/2014/main" id="{B0EBD5A8-AFA0-4980-A10C-C82C105F75C8}"/>
+              </a:ext>
+            </a:extLst>
+          </p:cNvPr>
+          <p:cNvSpPr>
+            <a:spLocks noGrp="1"/>
+          </p:cNvSpPr>
+          <p:nvPr>
+            <p:ph type="sldNum" sz="quarter" idx="12"/>
+          </p:nvPr>
+        </p:nvSpPr>
+        <p:spPr/>
+        <p:txBody>
+          <a:bodyPr/>
+          <a:lstStyle/>
+          <a:p>
+            <a:fld id="{0540F40C-19D0-4AE1-B3AF-4A4F01D6E71D}" type="slidenum">
+              <a:rPr lang="en-CA" smtClean="0"/>
+              <a:pPr/>
+              <a:t>58</a:t>
+            </a:fld>
+            <a:endParaRPr lang="en-CA"/>
+          </a:p>
+        </p:txBody>
+      </p:sp>
+      <p:sp>
+        <p:nvSpPr>
+          <p:cNvPr id="4" name="Title 3">
+            <a:extLst>
+              <a:ext uri="{FF2B5EF4-FFF2-40B4-BE49-F238E27FC236}">
+                <a16:creationId xmlns:a16="http://schemas.microsoft.com/office/drawing/2014/main" id="{1CA02F4A-FB97-4CE6-BCBD-2C67DCB8F437}"/>
+              </a:ext>
+            </a:extLst>
+          </p:cNvPr>
+          <p:cNvSpPr>
+            <a:spLocks noGrp="1"/>
+          </p:cNvSpPr>
+          <p:nvPr>
+            <p:ph type="title"/>
+          </p:nvPr>
+        </p:nvSpPr>
+        <p:spPr/>
+        <p:txBody>
+          <a:bodyPr/>
+          <a:lstStyle/>
+          <a:p>
+            <a:r>
+              <a:rPr lang="en-CA" dirty="0"/>
+              <a:t> </a:t>
+            </a:r>
+          </a:p>
+        </p:txBody>
+      </p:sp>
+      <p:sp>
+        <p:nvSpPr>
+          <p:cNvPr id="8" name="Title 1">
+            <a:extLst>
+              <a:ext uri="{FF2B5EF4-FFF2-40B4-BE49-F238E27FC236}">
+                <a16:creationId xmlns:a16="http://schemas.microsoft.com/office/drawing/2014/main" id="{B1FCB866-BEC6-4EA4-A1F7-455F7D408984}"/>
+              </a:ext>
+            </a:extLst>
+          </p:cNvPr>
+          <p:cNvSpPr txBox="1">
+            <a:spLocks/>
+          </p:cNvSpPr>
+          <p:nvPr/>
+        </p:nvSpPr>
+        <p:spPr>
+          <a:xfrm>
+            <a:off x="174576" y="259133"/>
+            <a:ext cx="9711004" cy="568751"/>
+          </a:xfrm>
+          <a:prstGeom prst="rect">
+            <a:avLst/>
+          </a:prstGeom>
+        </p:spPr>
+        <p:txBody>
+          <a:bodyPr vert="horz" lIns="91440" tIns="45720" rIns="91440" bIns="45720" rtlCol="0" anchor="t">
+            <a:noAutofit/>
+          </a:bodyPr>
+          <a:lstStyle>
+            <a:lvl1pPr algn="l" defTabSz="457200" rtl="0" eaLnBrk="1" latinLnBrk="0" hangingPunct="1">
+              <a:spcBef>
+                <a:spcPct val="0"/>
+              </a:spcBef>
+              <a:buNone/>
+              <a:defRPr sz="3600" kern="1200">
+                <a:solidFill>
+                  <a:schemeClr val="accent1"/>
+                </a:solidFill>
+                <a:latin typeface="+mj-lt"/>
+                <a:ea typeface="+mj-ea"/>
+                <a:cs typeface="+mj-cs"/>
+              </a:defRPr>
+            </a:lvl1pPr>
+            <a:lvl2pPr eaLnBrk="1" hangingPunct="1">
+              <a:defRPr>
+                <a:solidFill>
+                  <a:schemeClr val="tx2"/>
+                </a:solidFill>
+              </a:defRPr>
+            </a:lvl2pPr>
+            <a:lvl3pPr eaLnBrk="1" hangingPunct="1">
+              <a:defRPr>
+                <a:solidFill>
+                  <a:schemeClr val="tx2"/>
+                </a:solidFill>
+              </a:defRPr>
+            </a:lvl3pPr>
+            <a:lvl4pPr eaLnBrk="1" hangingPunct="1">
+              <a:defRPr>
+                <a:solidFill>
+                  <a:schemeClr val="tx2"/>
+                </a:solidFill>
+              </a:defRPr>
+            </a:lvl4pPr>
+            <a:lvl5pPr eaLnBrk="1" hangingPunct="1">
+              <a:defRPr>
+                <a:solidFill>
+                  <a:schemeClr val="tx2"/>
+                </a:solidFill>
+              </a:defRPr>
+            </a:lvl5pPr>
+            <a:lvl6pPr eaLnBrk="1" hangingPunct="1">
+              <a:defRPr>
+                <a:solidFill>
+                  <a:schemeClr val="tx2"/>
+                </a:solidFill>
+              </a:defRPr>
+            </a:lvl6pPr>
+            <a:lvl7pPr eaLnBrk="1" hangingPunct="1">
+              <a:defRPr>
+                <a:solidFill>
+                  <a:schemeClr val="tx2"/>
+                </a:solidFill>
+              </a:defRPr>
+            </a:lvl7pPr>
+            <a:lvl8pPr eaLnBrk="1" hangingPunct="1">
+              <a:defRPr>
+                <a:solidFill>
+                  <a:schemeClr val="tx2"/>
+                </a:solidFill>
+              </a:defRPr>
+            </a:lvl8pPr>
+            <a:lvl9pPr eaLnBrk="1" hangingPunct="1">
+              <a:defRPr>
+                <a:solidFill>
+                  <a:schemeClr val="tx2"/>
+                </a:solidFill>
+              </a:defRPr>
+            </a:lvl9pPr>
+          </a:lstStyle>
+          <a:p>
+            <a:r>
+              <a:rPr lang="en-CA" sz="2800" dirty="0">
+                <a:latin typeface="Tw Cen MT" panose="020B0602020104020603" pitchFamily="34" charset="0"/>
+              </a:rPr>
+              <a:t>NEXT STEPS </a:t>
+            </a:r>
+          </a:p>
+        </p:txBody>
+      </p:sp>
+      <p:sp>
+        <p:nvSpPr>
+          <p:cNvPr id="3" name="Content Placeholder 2">
+            <a:extLst>
+              <a:ext uri="{FF2B5EF4-FFF2-40B4-BE49-F238E27FC236}">
+                <a16:creationId xmlns:a16="http://schemas.microsoft.com/office/drawing/2014/main" id="{8BD9DEA0-8EFE-4198-8B10-519F51925130}"/>
+              </a:ext>
+            </a:extLst>
+          </p:cNvPr>
+          <p:cNvSpPr>
+            <a:spLocks noGrp="1"/>
+          </p:cNvSpPr>
+          <p:nvPr>
+            <p:ph idx="1"/>
+          </p:nvPr>
+        </p:nvSpPr>
+        <p:spPr>
+          <a:xfrm>
+            <a:off x="731743" y="5818189"/>
+            <a:ext cx="8596668" cy="3880773"/>
+          </a:xfrm>
+        </p:spPr>
+        <p:txBody>
+          <a:bodyPr/>
+          <a:lstStyle/>
+          <a:p>
+            <a:pPr marL="0" indent="0">
+              <a:buNone/>
+            </a:pPr>
+            <a:r>
+              <a:rPr lang="en-CA" dirty="0"/>
+              <a:t> </a:t>
+            </a:r>
+          </a:p>
+        </p:txBody>
+      </p:sp>
+      <p:sp>
+        <p:nvSpPr>
+          <p:cNvPr id="9" name="Content Placeholder 2">
+            <a:extLst>
+              <a:ext uri="{FF2B5EF4-FFF2-40B4-BE49-F238E27FC236}">
+                <a16:creationId xmlns:a16="http://schemas.microsoft.com/office/drawing/2014/main" id="{3293C336-F293-407D-8AF8-9D67CF7D12FC}"/>
+              </a:ext>
+            </a:extLst>
+          </p:cNvPr>
+          <p:cNvSpPr txBox="1">
+            <a:spLocks/>
+          </p:cNvSpPr>
+          <p:nvPr/>
+        </p:nvSpPr>
+        <p:spPr>
+          <a:xfrm>
+            <a:off x="330749" y="882453"/>
+            <a:ext cx="9878480" cy="5093094"/>
+          </a:xfrm>
+          <a:prstGeom prst="rect">
+            <a:avLst/>
+          </a:prstGeom>
+        </p:spPr>
+        <p:txBody>
+          <a:bodyPr vert="horz" lIns="91440" tIns="45720" rIns="91440" bIns="45720" rtlCol="0">
+            <a:noAutofit/>
+          </a:bodyPr>
+          <a:lstStyle>
+            <a:lvl1pPr marL="342900" indent="-342900" algn="l" defTabSz="457200" rtl="0" eaLnBrk="1" latinLnBrk="0" hangingPunct="1">
+              <a:spcBef>
+                <a:spcPts val="1000"/>
+              </a:spcBef>
+              <a:spcAft>
+                <a:spcPts val="0"/>
+              </a:spcAft>
+              <a:buClr>
+                <a:schemeClr val="accent1"/>
+              </a:buClr>
+              <a:buSzPct val="80000"/>
+              <a:buFont typeface="Wingdings 3" charset="2"/>
+              <a:buChar char=""/>
+              <a:defRPr sz="1800" kern="1200">
+                <a:solidFill>
+                  <a:schemeClr val="tx1">
+                    <a:lumMod val="75000"/>
+                    <a:lumOff val="25000"/>
+                  </a:schemeClr>
+                </a:solidFill>
+                <a:latin typeface="+mn-lt"/>
+                <a:ea typeface="+mn-ea"/>
+                <a:cs typeface="+mn-cs"/>
+              </a:defRPr>
+            </a:lvl1pPr>
+            <a:lvl2pPr marL="742950" indent="-285750" algn="l" defTabSz="457200" rtl="0" eaLnBrk="1" latinLnBrk="0" hangingPunct="1">
+              <a:spcBef>
+                <a:spcPts val="1000"/>
+              </a:spcBef>
+              <a:spcAft>
+                <a:spcPts val="0"/>
+              </a:spcAft>
+              <a:buClr>
+                <a:schemeClr val="accent1"/>
+              </a:buClr>
+              <a:buSzPct val="80000"/>
+              <a:buFont typeface="Wingdings 3" charset="2"/>
+              <a:buChar char=""/>
+              <a:defRPr sz="1600" kern="1200">
+                <a:solidFill>
+                  <a:schemeClr val="tx1">
+                    <a:lumMod val="75000"/>
+                    <a:lumOff val="25000"/>
+                  </a:schemeClr>
+                </a:solidFill>
+                <a:latin typeface="+mn-lt"/>
+                <a:ea typeface="+mn-ea"/>
+                <a:cs typeface="+mn-cs"/>
+              </a:defRPr>
+            </a:lvl2pPr>
+            <a:lvl3pPr marL="1143000" indent="-228600" algn="l" defTabSz="457200" rtl="0" eaLnBrk="1" latinLnBrk="0" hangingPunct="1">
+              <a:spcBef>
+                <a:spcPts val="1000"/>
+              </a:spcBef>
+              <a:spcAft>
+                <a:spcPts val="0"/>
+              </a:spcAft>
+              <a:buClr>
+                <a:schemeClr val="accent1"/>
+              </a:buClr>
+              <a:buSzPct val="80000"/>
+              <a:buFont typeface="Wingdings 3" charset="2"/>
+              <a:buChar char=""/>
+              <a:defRPr sz="1400" kern="1200">
+                <a:solidFill>
+                  <a:schemeClr val="tx1">
+                    <a:lumMod val="75000"/>
+                    <a:lumOff val="25000"/>
+                  </a:schemeClr>
+                </a:solidFill>
+                <a:latin typeface="+mn-lt"/>
+                <a:ea typeface="+mn-ea"/>
+                <a:cs typeface="+mn-cs"/>
+              </a:defRPr>
+            </a:lvl3pPr>
+            <a:lvl4pPr marL="1600200" indent="-228600" algn="l" defTabSz="457200" rtl="0" eaLnBrk="1" latinLnBrk="0" hangingPunct="1">
+              <a:spcBef>
+                <a:spcPts val="1000"/>
+              </a:spcBef>
+              <a:spcAft>
+                <a:spcPts val="0"/>
+              </a:spcAft>
+              <a:buClr>
+                <a:schemeClr val="accent1"/>
+              </a:buClr>
+              <a:buSzPct val="80000"/>
+              <a:buFont typeface="Wingdings 3" charset="2"/>
+              <a:buChar char=""/>
+              <a:defRPr sz="1200" kern="1200">
+                <a:solidFill>
+                  <a:schemeClr val="tx1">
+                    <a:lumMod val="75000"/>
+                    <a:lumOff val="25000"/>
+                  </a:schemeClr>
+                </a:solidFill>
+                <a:latin typeface="+mn-lt"/>
+                <a:ea typeface="+mn-ea"/>
+                <a:cs typeface="+mn-cs"/>
+              </a:defRPr>
+            </a:lvl4pPr>
+            <a:lvl5pPr marL="2057400" indent="-228600" algn="l" defTabSz="457200" rtl="0" eaLnBrk="1" latinLnBrk="0" hangingPunct="1">
+              <a:spcBef>
+                <a:spcPts val="1000"/>
+              </a:spcBef>
+              <a:spcAft>
+                <a:spcPts val="0"/>
+              </a:spcAft>
+              <a:buClr>
+                <a:schemeClr val="accent1"/>
+              </a:buClr>
+              <a:buSzPct val="80000"/>
+              <a:buFont typeface="Wingdings 3" charset="2"/>
+              <a:buChar char=""/>
+              <a:defRPr sz="1200" kern="1200">
+                <a:solidFill>
+                  <a:schemeClr val="tx1">
+                    <a:lumMod val="75000"/>
+                    <a:lumOff val="25000"/>
+                  </a:schemeClr>
+                </a:solidFill>
+                <a:latin typeface="+mn-lt"/>
+                <a:ea typeface="+mn-ea"/>
+                <a:cs typeface="+mn-cs"/>
+              </a:defRPr>
+            </a:lvl5pPr>
+            <a:lvl6pPr marL="2514600" indent="-228600" algn="l" defTabSz="457200" rtl="0" eaLnBrk="1" latinLnBrk="0" hangingPunct="1">
+              <a:spcBef>
+                <a:spcPts val="1000"/>
+              </a:spcBef>
+              <a:spcAft>
+                <a:spcPts val="0"/>
+              </a:spcAft>
+              <a:buClr>
+                <a:schemeClr val="accent1"/>
+              </a:buClr>
+              <a:buSzPct val="80000"/>
+              <a:buFont typeface="Wingdings 3" charset="2"/>
+              <a:buChar char=""/>
+              <a:defRPr sz="1200" kern="1200">
+                <a:solidFill>
+                  <a:schemeClr val="tx1">
+                    <a:lumMod val="75000"/>
+                    <a:lumOff val="25000"/>
+                  </a:schemeClr>
+                </a:solidFill>
+                <a:latin typeface="+mn-lt"/>
+                <a:ea typeface="+mn-ea"/>
+                <a:cs typeface="+mn-cs"/>
+              </a:defRPr>
+            </a:lvl6pPr>
+            <a:lvl7pPr marL="2971800" indent="-228600" algn="l" defTabSz="457200" rtl="0" eaLnBrk="1" latinLnBrk="0" hangingPunct="1">
+              <a:spcBef>
+                <a:spcPts val="1000"/>
+              </a:spcBef>
+              <a:spcAft>
+                <a:spcPts val="0"/>
+              </a:spcAft>
+              <a:buClr>
+                <a:schemeClr val="accent1"/>
+              </a:buClr>
+              <a:buSzPct val="80000"/>
+              <a:buFont typeface="Wingdings 3" charset="2"/>
+              <a:buChar char=""/>
+              <a:defRPr sz="1200" kern="1200">
+                <a:solidFill>
+                  <a:schemeClr val="tx1">
+                    <a:lumMod val="75000"/>
+                    <a:lumOff val="25000"/>
+                  </a:schemeClr>
+                </a:solidFill>
+                <a:latin typeface="+mn-lt"/>
+                <a:ea typeface="+mn-ea"/>
+                <a:cs typeface="+mn-cs"/>
+              </a:defRPr>
+            </a:lvl7pPr>
+            <a:lvl8pPr marL="3429000" indent="-228600" algn="l" defTabSz="457200" rtl="0" eaLnBrk="1" latinLnBrk="0" hangingPunct="1">
+              <a:spcBef>
+                <a:spcPts val="1000"/>
+              </a:spcBef>
+              <a:spcAft>
+                <a:spcPts val="0"/>
+              </a:spcAft>
+              <a:buClr>
+                <a:schemeClr val="accent1"/>
+              </a:buClr>
+              <a:buSzPct val="80000"/>
+              <a:buFont typeface="Wingdings 3" charset="2"/>
+              <a:buChar char=""/>
+              <a:defRPr sz="1200" kern="1200">
+                <a:solidFill>
+                  <a:schemeClr val="tx1">
+                    <a:lumMod val="75000"/>
+                    <a:lumOff val="25000"/>
+                  </a:schemeClr>
+                </a:solidFill>
+                <a:latin typeface="+mn-lt"/>
+                <a:ea typeface="+mn-ea"/>
+                <a:cs typeface="+mn-cs"/>
+              </a:defRPr>
+            </a:lvl8pPr>
+            <a:lvl9pPr marL="3886200" indent="-228600" algn="l" defTabSz="457200" rtl="0" eaLnBrk="1" latinLnBrk="0" hangingPunct="1">
+              <a:spcBef>
+                <a:spcPts val="1000"/>
+              </a:spcBef>
+              <a:spcAft>
+                <a:spcPts val="0"/>
+              </a:spcAft>
+              <a:buClr>
+                <a:schemeClr val="accent1"/>
+              </a:buClr>
+              <a:buSzPct val="80000"/>
+              <a:buFont typeface="Wingdings 3" charset="2"/>
+              <a:buChar char=""/>
+              <a:defRPr sz="1200" kern="1200">
+                <a:solidFill>
+                  <a:schemeClr val="tx1">
+                    <a:lumMod val="75000"/>
+                    <a:lumOff val="25000"/>
+                  </a:schemeClr>
+                </a:solidFill>
+                <a:latin typeface="+mn-lt"/>
+                <a:ea typeface="+mn-ea"/>
+                <a:cs typeface="+mn-cs"/>
+              </a:defRPr>
+            </a:lvl9pPr>
+          </a:lstStyle>
+          <a:p>
+            <a:r>
+              <a:rPr lang="en-CA" sz="2000" dirty="0">
+                <a:latin typeface="Tw Cen MT" panose="020B0602020104020603" pitchFamily="34" charset="0"/>
+              </a:rPr>
+              <a:t>Use other word embedding techniques like BERT, </a:t>
+            </a:r>
+            <a:r>
+              <a:rPr lang="en-CA" sz="2000" dirty="0" err="1">
+                <a:latin typeface="Tw Cen MT" panose="020B0602020104020603" pitchFamily="34" charset="0"/>
+              </a:rPr>
+              <a:t>ElMO</a:t>
+            </a:r>
+            <a:endParaRPr lang="en-CA" sz="2000" dirty="0">
+              <a:latin typeface="Tw Cen MT" panose="020B0602020104020603" pitchFamily="34" charset="0"/>
+            </a:endParaRPr>
+          </a:p>
+          <a:p>
+            <a:endParaRPr lang="en-CA" sz="2000" dirty="0">
+              <a:latin typeface="Tw Cen MT" panose="020B0602020104020603" pitchFamily="34" charset="0"/>
+            </a:endParaRPr>
+          </a:p>
+          <a:p>
+            <a:r>
+              <a:rPr lang="en-CA" sz="2000" dirty="0">
+                <a:latin typeface="Tw Cen MT" panose="020B0602020104020603" pitchFamily="34" charset="0"/>
+              </a:rPr>
+              <a:t>Use more advanced models such as CNN, Deep Learning</a:t>
+            </a:r>
+          </a:p>
+          <a:p>
+            <a:endParaRPr lang="en-CA" sz="2000" dirty="0">
+              <a:latin typeface="Tw Cen MT" panose="020B0602020104020603" pitchFamily="34" charset="0"/>
+            </a:endParaRPr>
+          </a:p>
+          <a:p>
+            <a:r>
+              <a:rPr lang="en-CA" sz="2000" dirty="0">
+                <a:latin typeface="Tw Cen MT" panose="020B0602020104020603" pitchFamily="34" charset="0"/>
+              </a:rPr>
+              <a:t>Look at ways to deploy the model in a real world business scenario. For </a:t>
+            </a:r>
+            <a:r>
+              <a:rPr lang="en-CA" sz="2000" dirty="0" err="1">
+                <a:latin typeface="Tw Cen MT" panose="020B0602020104020603" pitchFamily="34" charset="0"/>
+              </a:rPr>
+              <a:t>eg</a:t>
+            </a:r>
+            <a:r>
+              <a:rPr lang="en-CA" sz="2000" dirty="0">
+                <a:latin typeface="Tw Cen MT" panose="020B0602020104020603" pitchFamily="34" charset="0"/>
+              </a:rPr>
+              <a:t>, a mobile news service that can get news from multiple sources and present them under different classes</a:t>
+            </a:r>
+          </a:p>
+          <a:p>
+            <a:endParaRPr lang="en-CA" sz="2000" dirty="0">
+              <a:latin typeface="Tw Cen MT" panose="020B0602020104020603" pitchFamily="34" charset="0"/>
+            </a:endParaRPr>
+          </a:p>
+          <a:p>
+            <a:pPr marL="0" indent="0">
+              <a:buNone/>
+            </a:pPr>
+            <a:r>
+              <a:rPr lang="en-CA" sz="2000" dirty="0">
+                <a:latin typeface="Tw Cen MT" panose="020B0602020104020603" pitchFamily="34" charset="0"/>
+              </a:rPr>
+              <a:t> </a:t>
+            </a:r>
+          </a:p>
+          <a:p>
+            <a:endParaRPr lang="en-CA" sz="2000" dirty="0">
+              <a:latin typeface="Tw Cen MT" panose="020B0602020104020603" pitchFamily="34" charset="0"/>
+            </a:endParaRPr>
+          </a:p>
+          <a:p>
+            <a:endParaRPr lang="en-CA" sz="2000" dirty="0">
+              <a:latin typeface="Tw Cen MT" panose="020B0602020104020603" pitchFamily="34" charset="0"/>
+            </a:endParaRPr>
+          </a:p>
+          <a:p>
+            <a:endParaRPr lang="en-CA" sz="2000" dirty="0">
+              <a:latin typeface="Tw Cen MT" panose="020B0602020104020603" pitchFamily="34" charset="0"/>
+            </a:endParaRPr>
+          </a:p>
+          <a:p>
+            <a:endParaRPr lang="en-CA" sz="2000" dirty="0">
+              <a:latin typeface="Tw Cen MT" panose="020B0602020104020603" pitchFamily="34" charset="0"/>
+            </a:endParaRPr>
+          </a:p>
+          <a:p>
+            <a:endParaRPr lang="en-CA" sz="2000" dirty="0">
+              <a:latin typeface="Tw Cen MT" panose="020B0602020104020603" pitchFamily="34" charset="0"/>
+            </a:endParaRPr>
+          </a:p>
+          <a:p>
+            <a:endParaRPr lang="en-CA" sz="2000" dirty="0">
+              <a:latin typeface="Tw Cen MT" panose="020B0602020104020603" pitchFamily="34" charset="0"/>
+            </a:endParaRPr>
+          </a:p>
+          <a:p>
+            <a:endParaRPr lang="en-CA" sz="2000" dirty="0">
+              <a:latin typeface="Tw Cen MT" panose="020B0602020104020603" pitchFamily="34" charset="0"/>
+            </a:endParaRPr>
+          </a:p>
+          <a:p>
+            <a:endParaRPr lang="en-CA" sz="2000" dirty="0">
+              <a:latin typeface="Tw Cen MT" panose="020B0602020104020603" pitchFamily="34" charset="0"/>
+            </a:endParaRPr>
+          </a:p>
+        </p:txBody>
+      </p:sp>
+    </p:spTree>
+    <p:extLst>
+      <p:ext uri="{BB962C8B-B14F-4D97-AF65-F5344CB8AC3E}">
+        <p14:creationId xmlns:p14="http://schemas.microsoft.com/office/powerpoint/2010/main" val="4090407006"/>
+      </p:ext>
+    </p:extLst>
+  </p:cSld>
+  <p:clrMapOvr>
+    <a:masterClrMapping/>
+  </p:clrMapOvr>
+</p:sld>
+</file>
+
+<file path=ppt/slides/slide59.xml><?xml version="1.0" encoding="utf-8"?>
+<p:sld xmlns:a="http://schemas.openxmlformats.org/drawingml/2006/main" xmlns:r="http://schemas.openxmlformats.org/officeDocument/2006/relationships" xmlns:p="http://schemas.openxmlformats.org/presentationml/2006/main">
+  <p:cSld>
+    <p:spTree>
+      <p:nvGrpSpPr>
+        <p:cNvPr id="1" name=""/>
+        <p:cNvGrpSpPr/>
+        <p:nvPr/>
+      </p:nvGrpSpPr>
+      <p:grpSpPr>
+        <a:xfrm>
+          <a:off x="0" y="0"/>
+          <a:ext cx="0" cy="0"/>
+          <a:chOff x="0" y="0"/>
+          <a:chExt cx="0" cy="0"/>
+        </a:xfrm>
+      </p:grpSpPr>
+      <p:pic>
+        <p:nvPicPr>
+          <p:cNvPr id="5" name="Picture 4">
+            <a:extLst>
+              <a:ext uri="{FF2B5EF4-FFF2-40B4-BE49-F238E27FC236}">
+                <a16:creationId xmlns:a16="http://schemas.microsoft.com/office/drawing/2014/main" id="{506193B0-D684-41FB-9EE5-3A2300775B91}"/>
+              </a:ext>
+            </a:extLst>
+          </p:cNvPr>
+          <p:cNvPicPr>
+            <a:picLocks noChangeAspect="1"/>
+          </p:cNvPicPr>
+          <p:nvPr/>
+        </p:nvPicPr>
+        <p:blipFill>
+          <a:blip r:embed="rId2">
+            <a:extLst>
+              <a:ext uri="{28A0092B-C50C-407E-A947-70E740481C1C}">
+                <a14:useLocalDpi xmlns:a14="http://schemas.microsoft.com/office/drawing/2010/main" val="0"/>
+              </a:ext>
+            </a:extLst>
+          </a:blip>
+          <a:stretch>
+            <a:fillRect/>
+          </a:stretch>
+        </p:blipFill>
+        <p:spPr>
+          <a:xfrm>
+            <a:off x="9534428" y="5901274"/>
+            <a:ext cx="2657572" cy="956726"/>
+          </a:xfrm>
+          <a:prstGeom prst="rect">
+            <a:avLst/>
+          </a:prstGeom>
+        </p:spPr>
+      </p:pic>
+      <p:sp>
+        <p:nvSpPr>
+          <p:cNvPr id="11" name="Slide Number Placeholder 10">
+            <a:extLst>
+              <a:ext uri="{FF2B5EF4-FFF2-40B4-BE49-F238E27FC236}">
+                <a16:creationId xmlns:a16="http://schemas.microsoft.com/office/drawing/2014/main" id="{B0EBD5A8-AFA0-4980-A10C-C82C105F75C8}"/>
+              </a:ext>
+            </a:extLst>
+          </p:cNvPr>
+          <p:cNvSpPr>
+            <a:spLocks noGrp="1"/>
+          </p:cNvSpPr>
+          <p:nvPr>
+            <p:ph type="sldNum" sz="quarter" idx="12"/>
+          </p:nvPr>
+        </p:nvSpPr>
+        <p:spPr/>
+        <p:txBody>
+          <a:bodyPr/>
+          <a:lstStyle/>
+          <a:p>
+            <a:fld id="{0540F40C-19D0-4AE1-B3AF-4A4F01D6E71D}" type="slidenum">
+              <a:rPr lang="en-CA" smtClean="0"/>
+              <a:pPr/>
+              <a:t>59</a:t>
+            </a:fld>
+            <a:endParaRPr lang="en-CA"/>
+          </a:p>
+        </p:txBody>
+      </p:sp>
+      <p:sp>
+        <p:nvSpPr>
+          <p:cNvPr id="4" name="Title 3">
+            <a:extLst>
+              <a:ext uri="{FF2B5EF4-FFF2-40B4-BE49-F238E27FC236}">
+                <a16:creationId xmlns:a16="http://schemas.microsoft.com/office/drawing/2014/main" id="{1CA02F4A-FB97-4CE6-BCBD-2C67DCB8F437}"/>
+              </a:ext>
+            </a:extLst>
+          </p:cNvPr>
+          <p:cNvSpPr>
+            <a:spLocks noGrp="1"/>
+          </p:cNvSpPr>
+          <p:nvPr>
+            <p:ph type="title"/>
+          </p:nvPr>
+        </p:nvSpPr>
+        <p:spPr/>
+        <p:txBody>
+          <a:bodyPr/>
+          <a:lstStyle/>
+          <a:p>
+            <a:r>
+              <a:rPr lang="en-CA" dirty="0"/>
+              <a:t> </a:t>
+            </a:r>
+          </a:p>
+        </p:txBody>
+      </p:sp>
+      <p:sp>
+        <p:nvSpPr>
+          <p:cNvPr id="8" name="Title 1">
+            <a:extLst>
+              <a:ext uri="{FF2B5EF4-FFF2-40B4-BE49-F238E27FC236}">
+                <a16:creationId xmlns:a16="http://schemas.microsoft.com/office/drawing/2014/main" id="{B1FCB866-BEC6-4EA4-A1F7-455F7D408984}"/>
+              </a:ext>
+            </a:extLst>
+          </p:cNvPr>
+          <p:cNvSpPr txBox="1">
+            <a:spLocks/>
+          </p:cNvSpPr>
+          <p:nvPr/>
+        </p:nvSpPr>
+        <p:spPr>
+          <a:xfrm>
+            <a:off x="0" y="93358"/>
+            <a:ext cx="9711004" cy="568751"/>
+          </a:xfrm>
+          <a:prstGeom prst="rect">
+            <a:avLst/>
+          </a:prstGeom>
+        </p:spPr>
+        <p:txBody>
+          <a:bodyPr vert="horz" lIns="91440" tIns="45720" rIns="91440" bIns="45720" rtlCol="0" anchor="t">
+            <a:noAutofit/>
+          </a:bodyPr>
+          <a:lstStyle>
+            <a:lvl1pPr algn="l" defTabSz="457200" rtl="0" eaLnBrk="1" latinLnBrk="0" hangingPunct="1">
+              <a:spcBef>
+                <a:spcPct val="0"/>
+              </a:spcBef>
+              <a:buNone/>
+              <a:defRPr sz="3600" kern="1200">
+                <a:solidFill>
+                  <a:schemeClr val="accent1"/>
+                </a:solidFill>
+                <a:latin typeface="+mj-lt"/>
+                <a:ea typeface="+mj-ea"/>
+                <a:cs typeface="+mj-cs"/>
+              </a:defRPr>
+            </a:lvl1pPr>
+            <a:lvl2pPr eaLnBrk="1" hangingPunct="1">
+              <a:defRPr>
+                <a:solidFill>
+                  <a:schemeClr val="tx2"/>
+                </a:solidFill>
+              </a:defRPr>
+            </a:lvl2pPr>
+            <a:lvl3pPr eaLnBrk="1" hangingPunct="1">
+              <a:defRPr>
+                <a:solidFill>
+                  <a:schemeClr val="tx2"/>
+                </a:solidFill>
+              </a:defRPr>
+            </a:lvl3pPr>
+            <a:lvl4pPr eaLnBrk="1" hangingPunct="1">
+              <a:defRPr>
+                <a:solidFill>
+                  <a:schemeClr val="tx2"/>
+                </a:solidFill>
+              </a:defRPr>
+            </a:lvl4pPr>
+            <a:lvl5pPr eaLnBrk="1" hangingPunct="1">
+              <a:defRPr>
+                <a:solidFill>
+                  <a:schemeClr val="tx2"/>
+                </a:solidFill>
+              </a:defRPr>
+            </a:lvl5pPr>
+            <a:lvl6pPr eaLnBrk="1" hangingPunct="1">
+              <a:defRPr>
+                <a:solidFill>
+                  <a:schemeClr val="tx2"/>
+                </a:solidFill>
+              </a:defRPr>
+            </a:lvl6pPr>
+            <a:lvl7pPr eaLnBrk="1" hangingPunct="1">
+              <a:defRPr>
+                <a:solidFill>
+                  <a:schemeClr val="tx2"/>
+                </a:solidFill>
+              </a:defRPr>
+            </a:lvl7pPr>
+            <a:lvl8pPr eaLnBrk="1" hangingPunct="1">
+              <a:defRPr>
+                <a:solidFill>
+                  <a:schemeClr val="tx2"/>
+                </a:solidFill>
+              </a:defRPr>
+            </a:lvl8pPr>
+            <a:lvl9pPr eaLnBrk="1" hangingPunct="1">
+              <a:defRPr>
+                <a:solidFill>
+                  <a:schemeClr val="tx2"/>
+                </a:solidFill>
+              </a:defRPr>
+            </a:lvl9pPr>
+          </a:lstStyle>
+          <a:p>
+            <a:r>
+              <a:rPr lang="en-CA" sz="2800" dirty="0">
+                <a:latin typeface="Tw Cen MT" panose="020B0602020104020603" pitchFamily="34" charset="0"/>
+              </a:rPr>
+              <a:t>REFERENCES </a:t>
+            </a:r>
+          </a:p>
+        </p:txBody>
+      </p:sp>
+      <p:sp>
+        <p:nvSpPr>
+          <p:cNvPr id="3" name="Content Placeholder 2">
+            <a:extLst>
+              <a:ext uri="{FF2B5EF4-FFF2-40B4-BE49-F238E27FC236}">
+                <a16:creationId xmlns:a16="http://schemas.microsoft.com/office/drawing/2014/main" id="{8BD9DEA0-8EFE-4198-8B10-519F51925130}"/>
+              </a:ext>
+            </a:extLst>
+          </p:cNvPr>
+          <p:cNvSpPr>
+            <a:spLocks noGrp="1"/>
+          </p:cNvSpPr>
+          <p:nvPr>
+            <p:ph idx="1"/>
+          </p:nvPr>
+        </p:nvSpPr>
+        <p:spPr>
+          <a:xfrm>
+            <a:off x="731743" y="5818189"/>
+            <a:ext cx="8596668" cy="3880773"/>
+          </a:xfrm>
+        </p:spPr>
+        <p:txBody>
+          <a:bodyPr/>
+          <a:lstStyle/>
+          <a:p>
+            <a:pPr marL="0" indent="0">
+              <a:buNone/>
+            </a:pPr>
+            <a:r>
+              <a:rPr lang="en-CA" dirty="0"/>
+              <a:t> </a:t>
+            </a:r>
+          </a:p>
+        </p:txBody>
+      </p:sp>
+      <p:sp>
+        <p:nvSpPr>
+          <p:cNvPr id="10" name="Content Placeholder 2">
+            <a:extLst>
+              <a:ext uri="{FF2B5EF4-FFF2-40B4-BE49-F238E27FC236}">
+                <a16:creationId xmlns:a16="http://schemas.microsoft.com/office/drawing/2014/main" id="{70874F7F-E0B0-4DD9-BA35-C8266E0EB0A2}"/>
+              </a:ext>
+            </a:extLst>
+          </p:cNvPr>
+          <p:cNvSpPr txBox="1">
+            <a:spLocks/>
+          </p:cNvSpPr>
+          <p:nvPr/>
+        </p:nvSpPr>
+        <p:spPr>
+          <a:xfrm>
+            <a:off x="172891" y="662109"/>
+            <a:ext cx="4802777" cy="5093094"/>
+          </a:xfrm>
+          <a:prstGeom prst="rect">
+            <a:avLst/>
+          </a:prstGeom>
+        </p:spPr>
+        <p:txBody>
+          <a:bodyPr vert="horz" lIns="91440" tIns="45720" rIns="91440" bIns="45720" rtlCol="0">
+            <a:noAutofit/>
+          </a:bodyPr>
+          <a:lstStyle>
+            <a:lvl1pPr marL="342900" indent="-342900" algn="l" defTabSz="457200" rtl="0" eaLnBrk="1" latinLnBrk="0" hangingPunct="1">
+              <a:spcBef>
+                <a:spcPts val="1000"/>
+              </a:spcBef>
+              <a:spcAft>
+                <a:spcPts val="0"/>
+              </a:spcAft>
+              <a:buClr>
+                <a:schemeClr val="accent1"/>
+              </a:buClr>
+              <a:buSzPct val="80000"/>
+              <a:buFont typeface="Wingdings 3" charset="2"/>
+              <a:buChar char=""/>
+              <a:defRPr sz="1800" kern="1200">
+                <a:solidFill>
+                  <a:schemeClr val="tx1">
+                    <a:lumMod val="75000"/>
+                    <a:lumOff val="25000"/>
+                  </a:schemeClr>
+                </a:solidFill>
+                <a:latin typeface="+mn-lt"/>
+                <a:ea typeface="+mn-ea"/>
+                <a:cs typeface="+mn-cs"/>
+              </a:defRPr>
+            </a:lvl1pPr>
+            <a:lvl2pPr marL="742950" indent="-285750" algn="l" defTabSz="457200" rtl="0" eaLnBrk="1" latinLnBrk="0" hangingPunct="1">
+              <a:spcBef>
+                <a:spcPts val="1000"/>
+              </a:spcBef>
+              <a:spcAft>
+                <a:spcPts val="0"/>
+              </a:spcAft>
+              <a:buClr>
+                <a:schemeClr val="accent1"/>
+              </a:buClr>
+              <a:buSzPct val="80000"/>
+              <a:buFont typeface="Wingdings 3" charset="2"/>
+              <a:buChar char=""/>
+              <a:defRPr sz="1600" kern="1200">
+                <a:solidFill>
+                  <a:schemeClr val="tx1">
+                    <a:lumMod val="75000"/>
+                    <a:lumOff val="25000"/>
+                  </a:schemeClr>
+                </a:solidFill>
+                <a:latin typeface="+mn-lt"/>
+                <a:ea typeface="+mn-ea"/>
+                <a:cs typeface="+mn-cs"/>
+              </a:defRPr>
+            </a:lvl2pPr>
+            <a:lvl3pPr marL="1143000" indent="-228600" algn="l" defTabSz="457200" rtl="0" eaLnBrk="1" latinLnBrk="0" hangingPunct="1">
+              <a:spcBef>
+                <a:spcPts val="1000"/>
+              </a:spcBef>
+              <a:spcAft>
+                <a:spcPts val="0"/>
+              </a:spcAft>
+              <a:buClr>
+                <a:schemeClr val="accent1"/>
+              </a:buClr>
+              <a:buSzPct val="80000"/>
+              <a:buFont typeface="Wingdings 3" charset="2"/>
+              <a:buChar char=""/>
+              <a:defRPr sz="1400" kern="1200">
+                <a:solidFill>
+                  <a:schemeClr val="tx1">
+                    <a:lumMod val="75000"/>
+                    <a:lumOff val="25000"/>
+                  </a:schemeClr>
+                </a:solidFill>
+                <a:latin typeface="+mn-lt"/>
+                <a:ea typeface="+mn-ea"/>
+                <a:cs typeface="+mn-cs"/>
+              </a:defRPr>
+            </a:lvl3pPr>
+            <a:lvl4pPr marL="1600200" indent="-228600" algn="l" defTabSz="457200" rtl="0" eaLnBrk="1" latinLnBrk="0" hangingPunct="1">
+              <a:spcBef>
+                <a:spcPts val="1000"/>
+              </a:spcBef>
+              <a:spcAft>
+                <a:spcPts val="0"/>
+              </a:spcAft>
+              <a:buClr>
+                <a:schemeClr val="accent1"/>
+              </a:buClr>
+              <a:buSzPct val="80000"/>
+              <a:buFont typeface="Wingdings 3" charset="2"/>
+              <a:buChar char=""/>
+              <a:defRPr sz="1200" kern="1200">
+                <a:solidFill>
+                  <a:schemeClr val="tx1">
+                    <a:lumMod val="75000"/>
+                    <a:lumOff val="25000"/>
+                  </a:schemeClr>
+                </a:solidFill>
+                <a:latin typeface="+mn-lt"/>
+                <a:ea typeface="+mn-ea"/>
+                <a:cs typeface="+mn-cs"/>
+              </a:defRPr>
+            </a:lvl4pPr>
+            <a:lvl5pPr marL="2057400" indent="-228600" algn="l" defTabSz="457200" rtl="0" eaLnBrk="1" latinLnBrk="0" hangingPunct="1">
+              <a:spcBef>
+                <a:spcPts val="1000"/>
+              </a:spcBef>
+              <a:spcAft>
+                <a:spcPts val="0"/>
+              </a:spcAft>
+              <a:buClr>
+                <a:schemeClr val="accent1"/>
+              </a:buClr>
+              <a:buSzPct val="80000"/>
+              <a:buFont typeface="Wingdings 3" charset="2"/>
+              <a:buChar char=""/>
+              <a:defRPr sz="1200" kern="1200">
+                <a:solidFill>
+                  <a:schemeClr val="tx1">
+                    <a:lumMod val="75000"/>
+                    <a:lumOff val="25000"/>
+                  </a:schemeClr>
+                </a:solidFill>
+                <a:latin typeface="+mn-lt"/>
+                <a:ea typeface="+mn-ea"/>
+                <a:cs typeface="+mn-cs"/>
+              </a:defRPr>
+            </a:lvl5pPr>
+            <a:lvl6pPr marL="2514600" indent="-228600" algn="l" defTabSz="457200" rtl="0" eaLnBrk="1" latinLnBrk="0" hangingPunct="1">
+              <a:spcBef>
+                <a:spcPts val="1000"/>
+              </a:spcBef>
+              <a:spcAft>
+                <a:spcPts val="0"/>
+              </a:spcAft>
+              <a:buClr>
+                <a:schemeClr val="accent1"/>
+              </a:buClr>
+              <a:buSzPct val="80000"/>
+              <a:buFont typeface="Wingdings 3" charset="2"/>
+              <a:buChar char=""/>
+              <a:defRPr sz="1200" kern="1200">
+                <a:solidFill>
+                  <a:schemeClr val="tx1">
+                    <a:lumMod val="75000"/>
+                    <a:lumOff val="25000"/>
+                  </a:schemeClr>
+                </a:solidFill>
+                <a:latin typeface="+mn-lt"/>
+                <a:ea typeface="+mn-ea"/>
+                <a:cs typeface="+mn-cs"/>
+              </a:defRPr>
+            </a:lvl6pPr>
+            <a:lvl7pPr marL="2971800" indent="-228600" algn="l" defTabSz="457200" rtl="0" eaLnBrk="1" latinLnBrk="0" hangingPunct="1">
+              <a:spcBef>
+                <a:spcPts val="1000"/>
+              </a:spcBef>
+              <a:spcAft>
+                <a:spcPts val="0"/>
+              </a:spcAft>
+              <a:buClr>
+                <a:schemeClr val="accent1"/>
+              </a:buClr>
+              <a:buSzPct val="80000"/>
+              <a:buFont typeface="Wingdings 3" charset="2"/>
+              <a:buChar char=""/>
+              <a:defRPr sz="1200" kern="1200">
+                <a:solidFill>
+                  <a:schemeClr val="tx1">
+                    <a:lumMod val="75000"/>
+                    <a:lumOff val="25000"/>
+                  </a:schemeClr>
+                </a:solidFill>
+                <a:latin typeface="+mn-lt"/>
+                <a:ea typeface="+mn-ea"/>
+                <a:cs typeface="+mn-cs"/>
+              </a:defRPr>
+            </a:lvl7pPr>
+            <a:lvl8pPr marL="3429000" indent="-228600" algn="l" defTabSz="457200" rtl="0" eaLnBrk="1" latinLnBrk="0" hangingPunct="1">
+              <a:spcBef>
+                <a:spcPts val="1000"/>
+              </a:spcBef>
+              <a:spcAft>
+                <a:spcPts val="0"/>
+              </a:spcAft>
+              <a:buClr>
+                <a:schemeClr val="accent1"/>
+              </a:buClr>
+              <a:buSzPct val="80000"/>
+              <a:buFont typeface="Wingdings 3" charset="2"/>
+              <a:buChar char=""/>
+              <a:defRPr sz="1200" kern="1200">
+                <a:solidFill>
+                  <a:schemeClr val="tx1">
+                    <a:lumMod val="75000"/>
+                    <a:lumOff val="25000"/>
+                  </a:schemeClr>
+                </a:solidFill>
+                <a:latin typeface="+mn-lt"/>
+                <a:ea typeface="+mn-ea"/>
+                <a:cs typeface="+mn-cs"/>
+              </a:defRPr>
+            </a:lvl8pPr>
+            <a:lvl9pPr marL="3886200" indent="-228600" algn="l" defTabSz="457200" rtl="0" eaLnBrk="1" latinLnBrk="0" hangingPunct="1">
+              <a:spcBef>
+                <a:spcPts val="1000"/>
+              </a:spcBef>
+              <a:spcAft>
+                <a:spcPts val="0"/>
+              </a:spcAft>
+              <a:buClr>
+                <a:schemeClr val="accent1"/>
+              </a:buClr>
+              <a:buSzPct val="80000"/>
+              <a:buFont typeface="Wingdings 3" charset="2"/>
+              <a:buChar char=""/>
+              <a:defRPr sz="1200" kern="1200">
+                <a:solidFill>
+                  <a:schemeClr val="tx1">
+                    <a:lumMod val="75000"/>
+                    <a:lumOff val="25000"/>
+                  </a:schemeClr>
+                </a:solidFill>
+                <a:latin typeface="+mn-lt"/>
+                <a:ea typeface="+mn-ea"/>
+                <a:cs typeface="+mn-cs"/>
+              </a:defRPr>
+            </a:lvl9pPr>
+          </a:lstStyle>
+          <a:p>
+            <a:r>
+              <a:rPr lang="en-CA" sz="1000" dirty="0">
+                <a:latin typeface="Tw Cen MT" panose="020B0602020104020603" pitchFamily="34" charset="0"/>
+              </a:rPr>
+              <a:t>References - Code sample sources disclaimer:</a:t>
+            </a:r>
+          </a:p>
+          <a:p>
+            <a:r>
+              <a:rPr lang="en-CA" sz="1000" dirty="0">
+                <a:latin typeface="Tw Cen MT" panose="020B0602020104020603" pitchFamily="34" charset="0"/>
+              </a:rPr>
+              <a:t># Code for this project is either directly from (with some modification), </a:t>
+            </a:r>
+          </a:p>
+          <a:p>
+            <a:r>
+              <a:rPr lang="en-CA" sz="1000" dirty="0">
+                <a:latin typeface="Tw Cen MT" panose="020B0602020104020603" pitchFamily="34" charset="0"/>
+              </a:rPr>
+              <a:t># or inspired by, but not limited to the following sources:</a:t>
+            </a:r>
+          </a:p>
+          <a:p>
+            <a:r>
+              <a:rPr lang="en-CA" sz="1000" dirty="0">
+                <a:latin typeface="Tw Cen MT" panose="020B0602020104020603" pitchFamily="34" charset="0"/>
+              </a:rPr>
+              <a:t># - Respective documentation and examples from each used API's doc/guide website</a:t>
+            </a:r>
+          </a:p>
+          <a:p>
+            <a:r>
+              <a:rPr lang="en-CA" sz="1000" dirty="0">
+                <a:latin typeface="Tw Cen MT" panose="020B0602020104020603" pitchFamily="34" charset="0"/>
+              </a:rPr>
+              <a:t># - Kelly Epley Naive Bayes: </a:t>
+            </a:r>
+          </a:p>
+          <a:p>
+            <a:r>
+              <a:rPr lang="en-CA" sz="1000" dirty="0">
+                <a:latin typeface="Tw Cen MT" panose="020B0602020104020603" pitchFamily="34" charset="0"/>
+              </a:rPr>
+              <a:t>#   https://towardsdatascience.com/naive-bayes-document-classification-in-python-e33ff50f937e</a:t>
+            </a:r>
+          </a:p>
+          <a:p>
+            <a:r>
+              <a:rPr lang="en-CA" sz="1000" dirty="0">
+                <a:latin typeface="Tw Cen MT" panose="020B0602020104020603" pitchFamily="34" charset="0"/>
+              </a:rPr>
+              <a:t># - </a:t>
+            </a:r>
+            <a:r>
+              <a:rPr lang="en-CA" sz="1000" dirty="0" err="1">
+                <a:latin typeface="Tw Cen MT" panose="020B0602020104020603" pitchFamily="34" charset="0"/>
+              </a:rPr>
+              <a:t>MLWhiz's</a:t>
+            </a:r>
+            <a:r>
+              <a:rPr lang="en-CA" sz="1000" dirty="0">
+                <a:latin typeface="Tw Cen MT" panose="020B0602020104020603" pitchFamily="34" charset="0"/>
+              </a:rPr>
+              <a:t> excellent blogs about text classification and NLP: </a:t>
+            </a:r>
+          </a:p>
+          <a:p>
+            <a:r>
+              <a:rPr lang="en-CA" sz="1000" dirty="0">
+                <a:latin typeface="Tw Cen MT" panose="020B0602020104020603" pitchFamily="34" charset="0"/>
+              </a:rPr>
+              <a:t>#   https://mlwhiz.com/blog/2018/12/17/text_classification/</a:t>
+            </a:r>
+          </a:p>
+          <a:p>
+            <a:r>
+              <a:rPr lang="en-CA" sz="1000" dirty="0">
+                <a:latin typeface="Tw Cen MT" panose="020B0602020104020603" pitchFamily="34" charset="0"/>
+              </a:rPr>
+              <a:t>#   https://mlwhiz.com/blog/2019/01/17/deeplearning_nlp_preprocess/</a:t>
+            </a:r>
+          </a:p>
+          <a:p>
+            <a:r>
+              <a:rPr lang="en-CA" sz="1000" dirty="0">
+                <a:latin typeface="Tw Cen MT" panose="020B0602020104020603" pitchFamily="34" charset="0"/>
+              </a:rPr>
+              <a:t>#   https://mlwhiz.com/blog/2019/02/08/deeplearning_nlp_conventional_methods/</a:t>
+            </a:r>
+          </a:p>
+          <a:p>
+            <a:r>
+              <a:rPr lang="en-CA" sz="1000" dirty="0">
+                <a:latin typeface="Tw Cen MT" panose="020B0602020104020603" pitchFamily="34" charset="0"/>
+              </a:rPr>
+              <a:t>#   https://www.kaggle.com/mlwhiz/conventional-methods-for-quora-classification/</a:t>
+            </a:r>
+          </a:p>
+          <a:p>
+            <a:r>
+              <a:rPr lang="en-CA" sz="1000" dirty="0">
+                <a:latin typeface="Tw Cen MT" panose="020B0602020104020603" pitchFamily="34" charset="0"/>
+              </a:rPr>
+              <a:t># - Christof Henkel preprocessing: </a:t>
+            </a:r>
+          </a:p>
+          <a:p>
+            <a:r>
+              <a:rPr lang="en-CA" sz="1000" dirty="0">
+                <a:latin typeface="Tw Cen MT" panose="020B0602020104020603" pitchFamily="34" charset="0"/>
+              </a:rPr>
+              <a:t>#   https://www.kaggle.com/christofhenkel/how-to-preprocessing-when-using-embeddings</a:t>
+            </a:r>
+          </a:p>
+          <a:p>
+            <a:r>
+              <a:rPr lang="en-CA" sz="1000" dirty="0">
+                <a:latin typeface="Tw Cen MT" panose="020B0602020104020603" pitchFamily="34" charset="0"/>
+              </a:rPr>
+              <a:t># - </a:t>
+            </a:r>
+            <a:r>
+              <a:rPr lang="en-CA" sz="1000" dirty="0" err="1">
+                <a:latin typeface="Tw Cen MT" panose="020B0602020104020603" pitchFamily="34" charset="0"/>
+              </a:rPr>
+              <a:t>datanizing</a:t>
+            </a:r>
+            <a:r>
+              <a:rPr lang="en-CA" sz="1000" dirty="0">
+                <a:latin typeface="Tw Cen MT" panose="020B0602020104020603" pitchFamily="34" charset="0"/>
+              </a:rPr>
+              <a:t> GmbH:</a:t>
+            </a:r>
+          </a:p>
+          <a:p>
+            <a:r>
+              <a:rPr lang="en-CA" sz="1000" dirty="0">
+                <a:latin typeface="Tw Cen MT" panose="020B0602020104020603" pitchFamily="34" charset="0"/>
+              </a:rPr>
+              <a:t>#   https://medium.com/@datanizing/modern-text-mining-with-python-part-1-of-5-introduction-cleaning-and-linguistics-647f9ec85b6a</a:t>
+            </a:r>
+          </a:p>
+          <a:p>
+            <a:r>
+              <a:rPr lang="en-CA" sz="1000" dirty="0">
+                <a:latin typeface="Tw Cen MT" panose="020B0602020104020603" pitchFamily="34" charset="0"/>
+              </a:rPr>
+              <a:t># - </a:t>
+            </a:r>
+            <a:r>
+              <a:rPr lang="en-CA" sz="1000" dirty="0" err="1">
+                <a:latin typeface="Tw Cen MT" panose="020B0602020104020603" pitchFamily="34" charset="0"/>
+              </a:rPr>
+              <a:t>Datacamp</a:t>
+            </a:r>
+            <a:r>
+              <a:rPr lang="en-CA" sz="1000" dirty="0">
+                <a:latin typeface="Tw Cen MT" panose="020B0602020104020603" pitchFamily="34" charset="0"/>
+              </a:rPr>
+              <a:t> </a:t>
+            </a:r>
+            <a:r>
+              <a:rPr lang="en-CA" sz="1000" dirty="0" err="1">
+                <a:latin typeface="Tw Cen MT" panose="020B0602020104020603" pitchFamily="34" charset="0"/>
+              </a:rPr>
+              <a:t>wordcloud</a:t>
+            </a:r>
+            <a:r>
+              <a:rPr lang="en-CA" sz="1000" dirty="0">
+                <a:latin typeface="Tw Cen MT" panose="020B0602020104020603" pitchFamily="34" charset="0"/>
+              </a:rPr>
+              <a:t>:</a:t>
+            </a:r>
+          </a:p>
+          <a:p>
+            <a:r>
+              <a:rPr lang="en-CA" sz="1000" dirty="0">
+                <a:latin typeface="Tw Cen MT" panose="020B0602020104020603" pitchFamily="34" charset="0"/>
+              </a:rPr>
+              <a:t>#   https://www.datacamp.com/community/tutorials/wordcloud-python</a:t>
+            </a:r>
+          </a:p>
+          <a:p>
+            <a:r>
+              <a:rPr lang="en-CA" sz="1000" dirty="0">
+                <a:latin typeface="Tw Cen MT" panose="020B0602020104020603" pitchFamily="34" charset="0"/>
+              </a:rPr>
+              <a:t># - Seaborn </a:t>
+            </a:r>
+            <a:r>
+              <a:rPr lang="en-CA" sz="1000" dirty="0" err="1">
+                <a:latin typeface="Tw Cen MT" panose="020B0602020104020603" pitchFamily="34" charset="0"/>
+              </a:rPr>
+              <a:t>Pydata</a:t>
+            </a:r>
+            <a:r>
+              <a:rPr lang="en-CA" sz="1000" dirty="0">
+                <a:latin typeface="Tw Cen MT" panose="020B0602020104020603" pitchFamily="34" charset="0"/>
+              </a:rPr>
+              <a:t> tutorials:</a:t>
+            </a:r>
+          </a:p>
+          <a:p>
+            <a:endParaRPr lang="en-CA" sz="1000" dirty="0">
+              <a:latin typeface="Tw Cen MT" panose="020B0602020104020603" pitchFamily="34" charset="0"/>
+            </a:endParaRPr>
+          </a:p>
+        </p:txBody>
+      </p:sp>
+      <p:sp>
+        <p:nvSpPr>
+          <p:cNvPr id="12" name="Content Placeholder 2">
+            <a:extLst>
+              <a:ext uri="{FF2B5EF4-FFF2-40B4-BE49-F238E27FC236}">
+                <a16:creationId xmlns:a16="http://schemas.microsoft.com/office/drawing/2014/main" id="{E32DD070-3928-4BBB-9806-1F1F50DAB6CB}"/>
+              </a:ext>
+            </a:extLst>
+          </p:cNvPr>
+          <p:cNvSpPr txBox="1">
+            <a:spLocks/>
+          </p:cNvSpPr>
+          <p:nvPr/>
+        </p:nvSpPr>
+        <p:spPr>
+          <a:xfrm>
+            <a:off x="5480111" y="168913"/>
+            <a:ext cx="5176886" cy="5093094"/>
+          </a:xfrm>
+          <a:prstGeom prst="rect">
+            <a:avLst/>
+          </a:prstGeom>
+        </p:spPr>
+        <p:txBody>
+          <a:bodyPr vert="horz" lIns="91440" tIns="45720" rIns="91440" bIns="45720" rtlCol="0">
+            <a:noAutofit/>
+          </a:bodyPr>
+          <a:lstStyle>
+            <a:lvl1pPr marL="342900" indent="-342900" algn="l" defTabSz="457200" rtl="0" eaLnBrk="1" latinLnBrk="0" hangingPunct="1">
+              <a:spcBef>
+                <a:spcPts val="1000"/>
+              </a:spcBef>
+              <a:spcAft>
+                <a:spcPts val="0"/>
+              </a:spcAft>
+              <a:buClr>
+                <a:schemeClr val="accent1"/>
+              </a:buClr>
+              <a:buSzPct val="80000"/>
+              <a:buFont typeface="Wingdings 3" charset="2"/>
+              <a:buChar char=""/>
+              <a:defRPr sz="1800" kern="1200">
+                <a:solidFill>
+                  <a:schemeClr val="tx1">
+                    <a:lumMod val="75000"/>
+                    <a:lumOff val="25000"/>
+                  </a:schemeClr>
+                </a:solidFill>
+                <a:latin typeface="+mn-lt"/>
+                <a:ea typeface="+mn-ea"/>
+                <a:cs typeface="+mn-cs"/>
+              </a:defRPr>
+            </a:lvl1pPr>
+            <a:lvl2pPr marL="742950" indent="-285750" algn="l" defTabSz="457200" rtl="0" eaLnBrk="1" latinLnBrk="0" hangingPunct="1">
+              <a:spcBef>
+                <a:spcPts val="1000"/>
+              </a:spcBef>
+              <a:spcAft>
+                <a:spcPts val="0"/>
+              </a:spcAft>
+              <a:buClr>
+                <a:schemeClr val="accent1"/>
+              </a:buClr>
+              <a:buSzPct val="80000"/>
+              <a:buFont typeface="Wingdings 3" charset="2"/>
+              <a:buChar char=""/>
+              <a:defRPr sz="1600" kern="1200">
+                <a:solidFill>
+                  <a:schemeClr val="tx1">
+                    <a:lumMod val="75000"/>
+                    <a:lumOff val="25000"/>
+                  </a:schemeClr>
+                </a:solidFill>
+                <a:latin typeface="+mn-lt"/>
+                <a:ea typeface="+mn-ea"/>
+                <a:cs typeface="+mn-cs"/>
+              </a:defRPr>
+            </a:lvl2pPr>
+            <a:lvl3pPr marL="1143000" indent="-228600" algn="l" defTabSz="457200" rtl="0" eaLnBrk="1" latinLnBrk="0" hangingPunct="1">
+              <a:spcBef>
+                <a:spcPts val="1000"/>
+              </a:spcBef>
+              <a:spcAft>
+                <a:spcPts val="0"/>
+              </a:spcAft>
+              <a:buClr>
+                <a:schemeClr val="accent1"/>
+              </a:buClr>
+              <a:buSzPct val="80000"/>
+              <a:buFont typeface="Wingdings 3" charset="2"/>
+              <a:buChar char=""/>
+              <a:defRPr sz="1400" kern="1200">
+                <a:solidFill>
+                  <a:schemeClr val="tx1">
+                    <a:lumMod val="75000"/>
+                    <a:lumOff val="25000"/>
+                  </a:schemeClr>
+                </a:solidFill>
+                <a:latin typeface="+mn-lt"/>
+                <a:ea typeface="+mn-ea"/>
+                <a:cs typeface="+mn-cs"/>
+              </a:defRPr>
+            </a:lvl3pPr>
+            <a:lvl4pPr marL="1600200" indent="-228600" algn="l" defTabSz="457200" rtl="0" eaLnBrk="1" latinLnBrk="0" hangingPunct="1">
+              <a:spcBef>
+                <a:spcPts val="1000"/>
+              </a:spcBef>
+              <a:spcAft>
+                <a:spcPts val="0"/>
+              </a:spcAft>
+              <a:buClr>
+                <a:schemeClr val="accent1"/>
+              </a:buClr>
+              <a:buSzPct val="80000"/>
+              <a:buFont typeface="Wingdings 3" charset="2"/>
+              <a:buChar char=""/>
+              <a:defRPr sz="1200" kern="1200">
+                <a:solidFill>
+                  <a:schemeClr val="tx1">
+                    <a:lumMod val="75000"/>
+                    <a:lumOff val="25000"/>
+                  </a:schemeClr>
+                </a:solidFill>
+                <a:latin typeface="+mn-lt"/>
+                <a:ea typeface="+mn-ea"/>
+                <a:cs typeface="+mn-cs"/>
+              </a:defRPr>
+            </a:lvl4pPr>
+            <a:lvl5pPr marL="2057400" indent="-228600" algn="l" defTabSz="457200" rtl="0" eaLnBrk="1" latinLnBrk="0" hangingPunct="1">
+              <a:spcBef>
+                <a:spcPts val="1000"/>
+              </a:spcBef>
+              <a:spcAft>
+                <a:spcPts val="0"/>
+              </a:spcAft>
+              <a:buClr>
+                <a:schemeClr val="accent1"/>
+              </a:buClr>
+              <a:buSzPct val="80000"/>
+              <a:buFont typeface="Wingdings 3" charset="2"/>
+              <a:buChar char=""/>
+              <a:defRPr sz="1200" kern="1200">
+                <a:solidFill>
+                  <a:schemeClr val="tx1">
+                    <a:lumMod val="75000"/>
+                    <a:lumOff val="25000"/>
+                  </a:schemeClr>
+                </a:solidFill>
+                <a:latin typeface="+mn-lt"/>
+                <a:ea typeface="+mn-ea"/>
+                <a:cs typeface="+mn-cs"/>
+              </a:defRPr>
+            </a:lvl5pPr>
+            <a:lvl6pPr marL="2514600" indent="-228600" algn="l" defTabSz="457200" rtl="0" eaLnBrk="1" latinLnBrk="0" hangingPunct="1">
+              <a:spcBef>
+                <a:spcPts val="1000"/>
+              </a:spcBef>
+              <a:spcAft>
+                <a:spcPts val="0"/>
+              </a:spcAft>
+              <a:buClr>
+                <a:schemeClr val="accent1"/>
+              </a:buClr>
+              <a:buSzPct val="80000"/>
+              <a:buFont typeface="Wingdings 3" charset="2"/>
+              <a:buChar char=""/>
+              <a:defRPr sz="1200" kern="1200">
+                <a:solidFill>
+                  <a:schemeClr val="tx1">
+                    <a:lumMod val="75000"/>
+                    <a:lumOff val="25000"/>
+                  </a:schemeClr>
+                </a:solidFill>
+                <a:latin typeface="+mn-lt"/>
+                <a:ea typeface="+mn-ea"/>
+                <a:cs typeface="+mn-cs"/>
+              </a:defRPr>
+            </a:lvl6pPr>
+            <a:lvl7pPr marL="2971800" indent="-228600" algn="l" defTabSz="457200" rtl="0" eaLnBrk="1" latinLnBrk="0" hangingPunct="1">
+              <a:spcBef>
+                <a:spcPts val="1000"/>
+              </a:spcBef>
+              <a:spcAft>
+                <a:spcPts val="0"/>
+              </a:spcAft>
+              <a:buClr>
+                <a:schemeClr val="accent1"/>
+              </a:buClr>
+              <a:buSzPct val="80000"/>
+              <a:buFont typeface="Wingdings 3" charset="2"/>
+              <a:buChar char=""/>
+              <a:defRPr sz="1200" kern="1200">
+                <a:solidFill>
+                  <a:schemeClr val="tx1">
+                    <a:lumMod val="75000"/>
+                    <a:lumOff val="25000"/>
+                  </a:schemeClr>
+                </a:solidFill>
+                <a:latin typeface="+mn-lt"/>
+                <a:ea typeface="+mn-ea"/>
+                <a:cs typeface="+mn-cs"/>
+              </a:defRPr>
+            </a:lvl7pPr>
+            <a:lvl8pPr marL="3429000" indent="-228600" algn="l" defTabSz="457200" rtl="0" eaLnBrk="1" latinLnBrk="0" hangingPunct="1">
+              <a:spcBef>
+                <a:spcPts val="1000"/>
+              </a:spcBef>
+              <a:spcAft>
+                <a:spcPts val="0"/>
+              </a:spcAft>
+              <a:buClr>
+                <a:schemeClr val="accent1"/>
+              </a:buClr>
+              <a:buSzPct val="80000"/>
+              <a:buFont typeface="Wingdings 3" charset="2"/>
+              <a:buChar char=""/>
+              <a:defRPr sz="1200" kern="1200">
+                <a:solidFill>
+                  <a:schemeClr val="tx1">
+                    <a:lumMod val="75000"/>
+                    <a:lumOff val="25000"/>
+                  </a:schemeClr>
+                </a:solidFill>
+                <a:latin typeface="+mn-lt"/>
+                <a:ea typeface="+mn-ea"/>
+                <a:cs typeface="+mn-cs"/>
+              </a:defRPr>
+            </a:lvl8pPr>
+            <a:lvl9pPr marL="3886200" indent="-228600" algn="l" defTabSz="457200" rtl="0" eaLnBrk="1" latinLnBrk="0" hangingPunct="1">
+              <a:spcBef>
+                <a:spcPts val="1000"/>
+              </a:spcBef>
+              <a:spcAft>
+                <a:spcPts val="0"/>
+              </a:spcAft>
+              <a:buClr>
+                <a:schemeClr val="accent1"/>
+              </a:buClr>
+              <a:buSzPct val="80000"/>
+              <a:buFont typeface="Wingdings 3" charset="2"/>
+              <a:buChar char=""/>
+              <a:defRPr sz="1200" kern="1200">
+                <a:solidFill>
+                  <a:schemeClr val="tx1">
+                    <a:lumMod val="75000"/>
+                    <a:lumOff val="25000"/>
+                  </a:schemeClr>
+                </a:solidFill>
+                <a:latin typeface="+mn-lt"/>
+                <a:ea typeface="+mn-ea"/>
+                <a:cs typeface="+mn-cs"/>
+              </a:defRPr>
+            </a:lvl9pPr>
+          </a:lstStyle>
+          <a:p>
+            <a:r>
+              <a:rPr lang="en-CA" sz="1000" dirty="0">
+                <a:latin typeface="Tw Cen MT" panose="020B0602020104020603" pitchFamily="34" charset="0"/>
+              </a:rPr>
+              <a:t>#   https://seaborn.pydata.org/introduction.html#intro-plot-customization</a:t>
+            </a:r>
+          </a:p>
+          <a:p>
+            <a:r>
+              <a:rPr lang="en-CA" sz="1000" dirty="0">
+                <a:latin typeface="Tw Cen MT" panose="020B0602020104020603" pitchFamily="34" charset="0"/>
+              </a:rPr>
+              <a:t># - </a:t>
+            </a:r>
+            <a:r>
+              <a:rPr lang="en-CA" sz="1000" dirty="0" err="1">
+                <a:latin typeface="Tw Cen MT" panose="020B0602020104020603" pitchFamily="34" charset="0"/>
+              </a:rPr>
+              <a:t>Dipanjan</a:t>
+            </a:r>
+            <a:r>
+              <a:rPr lang="en-CA" sz="1000" dirty="0">
+                <a:latin typeface="Tw Cen MT" panose="020B0602020104020603" pitchFamily="34" charset="0"/>
+              </a:rPr>
+              <a:t> S's tutorials:</a:t>
+            </a:r>
+          </a:p>
+          <a:p>
+            <a:r>
+              <a:rPr lang="en-CA" sz="1000" dirty="0">
+                <a:latin typeface="Tw Cen MT" panose="020B0602020104020603" pitchFamily="34" charset="0"/>
+              </a:rPr>
+              <a:t>#   https://github.com/dipanjanS</a:t>
+            </a:r>
+          </a:p>
+          <a:p>
+            <a:r>
+              <a:rPr lang="en-CA" sz="1000" dirty="0">
+                <a:latin typeface="Tw Cen MT" panose="020B0602020104020603" pitchFamily="34" charset="0"/>
+              </a:rPr>
+              <a:t># - Analytics Vidhya:</a:t>
+            </a:r>
+          </a:p>
+          <a:p>
+            <a:r>
+              <a:rPr lang="en-CA" sz="1000" dirty="0">
+                <a:latin typeface="Tw Cen MT" panose="020B0602020104020603" pitchFamily="34" charset="0"/>
+              </a:rPr>
+              <a:t>#   https://www.analyticsvidhya.com/blog/2018/04/a-comprehensive-guide-to-understand-and-implement-text-classification-in-python/</a:t>
+            </a:r>
+          </a:p>
+          <a:p>
+            <a:r>
+              <a:rPr lang="en-CA" sz="1000" dirty="0">
+                <a:latin typeface="Tw Cen MT" panose="020B0602020104020603" pitchFamily="34" charset="0"/>
+              </a:rPr>
+              <a:t># - Jason Brownlee's Feature Selection For Machine Learning in Python</a:t>
+            </a:r>
+          </a:p>
+          <a:p>
+            <a:r>
+              <a:rPr lang="en-CA" sz="1000" dirty="0">
+                <a:latin typeface="Tw Cen MT" panose="020B0602020104020603" pitchFamily="34" charset="0"/>
+              </a:rPr>
+              <a:t>#   https://machinelearningmastery.com/feature-selection-machine-learning-python/</a:t>
+            </a:r>
+          </a:p>
+          <a:p>
+            <a:r>
+              <a:rPr lang="en-CA" sz="1000" dirty="0">
+                <a:latin typeface="Tw Cen MT" panose="020B0602020104020603" pitchFamily="34" charset="0"/>
+              </a:rPr>
+              <a:t># - Susan Li's Multi-class text classification with Scikit-learn:</a:t>
+            </a:r>
+          </a:p>
+          <a:p>
+            <a:r>
+              <a:rPr lang="en-CA" sz="1000" dirty="0">
+                <a:latin typeface="Tw Cen MT" panose="020B0602020104020603" pitchFamily="34" charset="0"/>
+              </a:rPr>
+              <a:t>#   https://towardsdatascience.com/multi-class-text-classification-with-scikit-learn-12f1e60e0a9f</a:t>
+            </a:r>
+          </a:p>
+          <a:p>
+            <a:r>
+              <a:rPr lang="en-CA" sz="1000" dirty="0">
+                <a:latin typeface="Tw Cen MT" panose="020B0602020104020603" pitchFamily="34" charset="0"/>
+              </a:rPr>
+              <a:t># - Vadim </a:t>
+            </a:r>
+            <a:r>
+              <a:rPr lang="en-CA" sz="1000" dirty="0" err="1">
+                <a:latin typeface="Tw Cen MT" panose="020B0602020104020603" pitchFamily="34" charset="0"/>
+              </a:rPr>
+              <a:t>Smolyakov</a:t>
+            </a:r>
+            <a:r>
+              <a:rPr lang="en-CA" sz="1000" dirty="0">
+                <a:latin typeface="Tw Cen MT" panose="020B0602020104020603" pitchFamily="34" charset="0"/>
+              </a:rPr>
+              <a:t> Ensemble Learning to Improve Machine Learning Results:</a:t>
+            </a:r>
+          </a:p>
+          <a:p>
+            <a:r>
+              <a:rPr lang="en-CA" sz="1000" dirty="0">
+                <a:latin typeface="Tw Cen MT" panose="020B0602020104020603" pitchFamily="34" charset="0"/>
+              </a:rPr>
+              <a:t>#   https://blog.statsbot.co/ensemble-learning-d1dcd548e936</a:t>
+            </a:r>
+          </a:p>
+          <a:p>
+            <a:r>
+              <a:rPr lang="en-CA" sz="1000" dirty="0">
+                <a:latin typeface="Tw Cen MT" panose="020B0602020104020603" pitchFamily="34" charset="0"/>
+              </a:rPr>
+              <a:t># - Udacity course video on </a:t>
+            </a:r>
+            <a:r>
+              <a:rPr lang="en-CA" sz="1000" dirty="0" err="1">
+                <a:latin typeface="Tw Cen MT" panose="020B0602020104020603" pitchFamily="34" charset="0"/>
+              </a:rPr>
+              <a:t>Youtube</a:t>
+            </a:r>
+            <a:r>
+              <a:rPr lang="en-CA" sz="1000" dirty="0">
+                <a:latin typeface="Tw Cen MT" panose="020B0602020104020603" pitchFamily="34" charset="0"/>
+              </a:rPr>
+              <a:t> UD120:</a:t>
+            </a:r>
+          </a:p>
+          <a:p>
+            <a:r>
+              <a:rPr lang="en-CA" sz="1000" dirty="0">
+                <a:latin typeface="Tw Cen MT" panose="020B0602020104020603" pitchFamily="34" charset="0"/>
+              </a:rPr>
+              <a:t>#   https://www.youtube.com/watch?v=GdsLRKjjKLw</a:t>
+            </a:r>
+          </a:p>
+          <a:p>
+            <a:r>
+              <a:rPr lang="en-CA" sz="1000" dirty="0">
+                <a:latin typeface="Tw Cen MT" panose="020B0602020104020603" pitchFamily="34" charset="0"/>
+              </a:rPr>
+              <a:t># - Hyperparameter Tuning with </a:t>
+            </a:r>
+            <a:r>
+              <a:rPr lang="en-CA" sz="1000" dirty="0" err="1">
+                <a:latin typeface="Tw Cen MT" panose="020B0602020104020603" pitchFamily="34" charset="0"/>
+              </a:rPr>
+              <a:t>Hyperopt</a:t>
+            </a:r>
+            <a:endParaRPr lang="en-CA" sz="1000" dirty="0">
+              <a:latin typeface="Tw Cen MT" panose="020B0602020104020603" pitchFamily="34" charset="0"/>
+            </a:endParaRPr>
+          </a:p>
+          <a:p>
+            <a:r>
+              <a:rPr lang="en-CA" sz="1000" dirty="0">
+                <a:latin typeface="Tw Cen MT" panose="020B0602020104020603" pitchFamily="34" charset="0"/>
+              </a:rPr>
+              <a:t>#   https://towardsdatascience.com/automated-machine-learning-hyperparameter-tuning-in-python-dfda59b72f8a </a:t>
+            </a:r>
+          </a:p>
+          <a:p>
+            <a:r>
+              <a:rPr lang="en-CA" sz="1000" dirty="0">
+                <a:latin typeface="Tw Cen MT" panose="020B0602020104020603" pitchFamily="34" charset="0"/>
+              </a:rPr>
+              <a:t># - Hyperparameter Tuning for Gaussian NB</a:t>
+            </a:r>
+          </a:p>
+          <a:p>
+            <a:r>
+              <a:rPr lang="en-CA" sz="1000" dirty="0">
+                <a:latin typeface="Tw Cen MT" panose="020B0602020104020603" pitchFamily="34" charset="0"/>
+              </a:rPr>
+              <a:t>#   https://www.quora.com/Can-the-prior-in-a-naive-Bayes-be-considered-a-hyperparameter-and-tuned-for-better-accuracy</a:t>
+            </a:r>
+          </a:p>
+          <a:p>
+            <a:r>
+              <a:rPr lang="en-CA" sz="1000" dirty="0">
+                <a:latin typeface="Tw Cen MT" panose="020B0602020104020603" pitchFamily="34" charset="0"/>
+              </a:rPr>
+              <a:t># - Hyperparameter Tuning for Decision Trees</a:t>
+            </a:r>
+          </a:p>
+          <a:p>
+            <a:r>
+              <a:rPr lang="en-CA" sz="1000" dirty="0">
+                <a:latin typeface="Tw Cen MT" panose="020B0602020104020603" pitchFamily="34" charset="0"/>
+              </a:rPr>
+              <a:t>#   https://towardsdatascience.com/how-to-tune-a-decision-tree-f03721801680</a:t>
+            </a:r>
+          </a:p>
+          <a:p>
+            <a:r>
+              <a:rPr lang="en-CA" sz="1000" dirty="0">
+                <a:latin typeface="Tw Cen MT" panose="020B0602020104020603" pitchFamily="34" charset="0"/>
+              </a:rPr>
+              <a:t># - Lime tutorial</a:t>
+            </a:r>
+          </a:p>
+          <a:p>
+            <a:r>
+              <a:rPr lang="en-CA" sz="1000" dirty="0">
+                <a:latin typeface="Tw Cen MT" panose="020B0602020104020603" pitchFamily="34" charset="0"/>
+              </a:rPr>
+              <a:t>#   https://marcotcr.github.io/lime/tutorials/Lime%20-%20multiclass.html</a:t>
+            </a:r>
+          </a:p>
+          <a:p>
+            <a:endParaRPr lang="en-CA" sz="1000" dirty="0">
+              <a:latin typeface="Tw Cen MT" panose="020B0602020104020603" pitchFamily="34" charset="0"/>
+            </a:endParaRPr>
+          </a:p>
+        </p:txBody>
+      </p:sp>
+    </p:spTree>
+    <p:extLst>
+      <p:ext uri="{BB962C8B-B14F-4D97-AF65-F5344CB8AC3E}">
+        <p14:creationId xmlns:p14="http://schemas.microsoft.com/office/powerpoint/2010/main" val="2928182030"/>
+      </p:ext>
+    </p:extLst>
+  </p:cSld>
+  <p:clrMapOvr>
+    <a:masterClrMapping/>
+  </p:clrMapOvr>
+</p:sld>
+</file>
+
 <file path=ppt/slides/slide6.xml><?xml version="1.0" encoding="utf-8"?>
 <p:sld xmlns:a="http://schemas.openxmlformats.org/drawingml/2006/main" xmlns:r="http://schemas.openxmlformats.org/officeDocument/2006/relationships" xmlns:p="http://schemas.openxmlformats.org/presentationml/2006/main" show="0">
   <p:cSld>
